--- a/presentations/Fuse/Fuse.pptx
+++ b/presentations/Fuse/Fuse.pptx
@@ -5,10 +5,10 @@
     <p:sldMasterId id="2147484246" r:id="rId1"/>
   </p:sldMasterIdLst>
   <p:notesMasterIdLst>
-    <p:notesMasterId r:id="rId56"/>
+    <p:notesMasterId r:id="rId58"/>
   </p:notesMasterIdLst>
   <p:handoutMasterIdLst>
-    <p:handoutMasterId r:id="rId57"/>
+    <p:handoutMasterId r:id="rId59"/>
   </p:handoutMasterIdLst>
   <p:sldIdLst>
     <p:sldId id="353" r:id="rId2"/>
@@ -50,21 +50,23 @@
     <p:sldId id="410" r:id="rId38"/>
     <p:sldId id="411" r:id="rId39"/>
     <p:sldId id="412" r:id="rId40"/>
-    <p:sldId id="413" r:id="rId41"/>
-    <p:sldId id="414" r:id="rId42"/>
-    <p:sldId id="415" r:id="rId43"/>
-    <p:sldId id="416" r:id="rId44"/>
-    <p:sldId id="417" r:id="rId45"/>
-    <p:sldId id="418" r:id="rId46"/>
-    <p:sldId id="419" r:id="rId47"/>
-    <p:sldId id="420" r:id="rId48"/>
-    <p:sldId id="421" r:id="rId49"/>
-    <p:sldId id="422" r:id="rId50"/>
-    <p:sldId id="423" r:id="rId51"/>
-    <p:sldId id="424" r:id="rId52"/>
-    <p:sldId id="425" r:id="rId53"/>
-    <p:sldId id="426" r:id="rId54"/>
-    <p:sldId id="349" r:id="rId55"/>
+    <p:sldId id="414" r:id="rId41"/>
+    <p:sldId id="413" r:id="rId42"/>
+    <p:sldId id="429" r:id="rId43"/>
+    <p:sldId id="427" r:id="rId44"/>
+    <p:sldId id="415" r:id="rId45"/>
+    <p:sldId id="416" r:id="rId46"/>
+    <p:sldId id="417" r:id="rId47"/>
+    <p:sldId id="418" r:id="rId48"/>
+    <p:sldId id="419" r:id="rId49"/>
+    <p:sldId id="420" r:id="rId50"/>
+    <p:sldId id="421" r:id="rId51"/>
+    <p:sldId id="422" r:id="rId52"/>
+    <p:sldId id="423" r:id="rId53"/>
+    <p:sldId id="424" r:id="rId54"/>
+    <p:sldId id="425" r:id="rId55"/>
+    <p:sldId id="426" r:id="rId56"/>
+    <p:sldId id="349" r:id="rId57"/>
   </p:sldIdLst>
   <p:sldSz cx="9144000" cy="6858000" type="screen4x3"/>
   <p:notesSz cx="6954838" cy="9240838"/>
@@ -195,7 +197,7 @@
   </p:defaultTextStyle>
   <p:extLst>
     <p:ext uri="{EFAFB233-063F-42B5-8137-9DF3F51BA10A}">
-      <p15:sldGuideLst xmlns:p15="http://schemas.microsoft.com/office/powerpoint/2012/main" xmlns="">
+      <p15:sldGuideLst xmlns:p15="http://schemas.microsoft.com/office/powerpoint/2012/main">
         <p15:guide id="1" orient="horz" pos="2161">
           <p15:clr>
             <a:srgbClr val="A4A3A4"/>
@@ -359,7 +361,7 @@
           <a:p>
             <a:fld id="{5F75ED92-6FA8-564F-BAEA-7D7C4D0C1DC0}" type="datetimeFigureOut">
               <a:rPr lang="en-US" smtClean="0"/>
-              <a:t>7/12/15</a:t>
+              <a:t>7/17/2015</a:t>
             </a:fld>
             <a:endParaRPr lang="en-US"/>
           </a:p>
@@ -524,7 +526,7 @@
           <a:p>
             <a:fld id="{726E84A3-CE65-8F46-BB5D-27E5FA423669}" type="datetimeFigureOut">
               <a:rPr lang="en-US" smtClean="0"/>
-              <a:t>7/12/15</a:t>
+              <a:t>7/17/2015</a:t>
             </a:fld>
             <a:endParaRPr lang="en-US"/>
           </a:p>
@@ -2898,26 +2900,7 @@
           <a:bodyPr/>
           <a:lstStyle/>
           <a:p>
-            <a:pPr marL="0" marR="0" lvl="0" indent="0" algn="l" rtl="0">
-              <a:spcBef>
-                <a:spcPts val="0"/>
-              </a:spcBef>
-              <a:buClr>
-                <a:schemeClr val="dk1"/>
-              </a:buClr>
-              <a:buSzPct val="25000"/>
-              <a:buFont typeface="Arial"/>
-              <a:buNone/>
-            </a:pPr>
-            <a:endParaRPr lang="en-US" sz="1200" b="0" i="0" u="none" strike="noStrike" cap="none" baseline="0" dirty="0" smtClean="0">
-              <a:solidFill>
-                <a:schemeClr val="dk1"/>
-              </a:solidFill>
-              <a:latin typeface="Arial"/>
-              <a:ea typeface="Arial"/>
-              <a:cs typeface="Arial"/>
-              <a:sym typeface="Arial"/>
-            </a:endParaRPr>
+            <a:endParaRPr lang="en-US" dirty="0"/>
           </a:p>
         </p:txBody>
       </p:sp>
@@ -2947,7 +2930,7 @@
     </p:spTree>
     <p:extLst>
       <p:ext uri="{BB962C8B-B14F-4D97-AF65-F5344CB8AC3E}">
-        <p14:creationId xmlns:p14="http://schemas.microsoft.com/office/powerpoint/2010/main" val="766265433"/>
+        <p14:creationId xmlns:p14="http://schemas.microsoft.com/office/powerpoint/2010/main" val="2813535461"/>
       </p:ext>
     </p:extLst>
   </p:cSld>
@@ -3001,7 +2984,26 @@
           <a:bodyPr/>
           <a:lstStyle/>
           <a:p>
-            <a:endParaRPr lang="en-US" dirty="0"/>
+            <a:pPr marL="0" marR="0" lvl="0" indent="0" algn="l" rtl="0">
+              <a:spcBef>
+                <a:spcPts val="0"/>
+              </a:spcBef>
+              <a:buClr>
+                <a:schemeClr val="dk1"/>
+              </a:buClr>
+              <a:buSzPct val="25000"/>
+              <a:buFont typeface="Arial"/>
+              <a:buNone/>
+            </a:pPr>
+            <a:endParaRPr lang="en-US" sz="1200" b="0" i="0" u="none" strike="noStrike" cap="none" baseline="0" dirty="0" smtClean="0">
+              <a:solidFill>
+                <a:schemeClr val="dk1"/>
+              </a:solidFill>
+              <a:latin typeface="Arial"/>
+              <a:ea typeface="Arial"/>
+              <a:cs typeface="Arial"/>
+              <a:sym typeface="Arial"/>
+            </a:endParaRPr>
           </a:p>
         </p:txBody>
       </p:sp>
@@ -3031,7 +3033,7 @@
     </p:spTree>
     <p:extLst>
       <p:ext uri="{BB962C8B-B14F-4D97-AF65-F5344CB8AC3E}">
-        <p14:creationId xmlns:p14="http://schemas.microsoft.com/office/powerpoint/2010/main" val="2813535461"/>
+        <p14:creationId xmlns:p14="http://schemas.microsoft.com/office/powerpoint/2010/main" val="766265433"/>
       </p:ext>
     </p:extLst>
   </p:cSld>
@@ -3096,6 +3098,68 @@
               <a:buFont typeface="Arial"/>
               <a:buNone/>
             </a:pPr>
+            <a:r>
+              <a:rPr lang="en-US" sz="1200" b="0" i="0" u="none" strike="noStrike" cap="none" baseline="0" dirty="0" smtClean="0">
+                <a:solidFill>
+                  <a:schemeClr val="dk1"/>
+                </a:solidFill>
+                <a:latin typeface="Arial"/>
+                <a:ea typeface="Arial"/>
+                <a:cs typeface="Arial"/>
+                <a:sym typeface="Arial"/>
+              </a:rPr>
+              <a:t>Routes</a:t>
+            </a:r>
+          </a:p>
+          <a:p>
+            <a:pPr marL="0" marR="0" lvl="0" indent="0" algn="l" rtl="0">
+              <a:spcBef>
+                <a:spcPts val="0"/>
+              </a:spcBef>
+              <a:buClr>
+                <a:schemeClr val="dk1"/>
+              </a:buClr>
+              <a:buSzPct val="25000"/>
+              <a:buFont typeface="Arial"/>
+              <a:buNone/>
+            </a:pPr>
+            <a:r>
+              <a:rPr lang="en-US" sz="1200" b="0" i="0" u="none" strike="noStrike" cap="none" baseline="0" dirty="0" smtClean="0">
+                <a:solidFill>
+                  <a:schemeClr val="dk1"/>
+                </a:solidFill>
+                <a:latin typeface="Arial"/>
+                <a:ea typeface="Arial"/>
+                <a:cs typeface="Arial"/>
+                <a:sym typeface="Arial"/>
+              </a:rPr>
+              <a:t>URI</a:t>
+            </a:r>
+          </a:p>
+          <a:p>
+            <a:pPr marL="0" marR="0" lvl="0" indent="0" algn="l" rtl="0">
+              <a:spcBef>
+                <a:spcPts val="0"/>
+              </a:spcBef>
+              <a:buClr>
+                <a:schemeClr val="dk1"/>
+              </a:buClr>
+              <a:buSzPct val="25000"/>
+              <a:buFont typeface="Arial"/>
+              <a:buNone/>
+            </a:pPr>
+            <a:r>
+              <a:rPr lang="en-US" sz="1200" b="0" i="0" u="none" strike="noStrike" cap="none" baseline="0" dirty="0" err="1" smtClean="0">
+                <a:solidFill>
+                  <a:schemeClr val="dk1"/>
+                </a:solidFill>
+                <a:latin typeface="Arial"/>
+                <a:ea typeface="Arial"/>
+                <a:cs typeface="Arial"/>
+                <a:sym typeface="Arial"/>
+              </a:rPr>
+              <a:t>etc</a:t>
+            </a:r>
             <a:endParaRPr lang="en-US" sz="1200" b="0" i="0" u="none" strike="noStrike" cap="none" baseline="0" dirty="0" smtClean="0">
               <a:solidFill>
                 <a:schemeClr val="dk1"/>
@@ -3134,7 +3198,7 @@
     </p:spTree>
     <p:extLst>
       <p:ext uri="{BB962C8B-B14F-4D97-AF65-F5344CB8AC3E}">
-        <p14:creationId xmlns:p14="http://schemas.microsoft.com/office/powerpoint/2010/main" val="766265433"/>
+        <p14:creationId xmlns:p14="http://schemas.microsoft.com/office/powerpoint/2010/main" val="2093141825"/>
       </p:ext>
     </p:extLst>
   </p:cSld>
@@ -3293,26 +3357,7 @@
           <a:bodyPr/>
           <a:lstStyle/>
           <a:p>
-            <a:pPr marL="0" marR="0" lvl="0" indent="0" algn="l" rtl="0">
-              <a:spcBef>
-                <a:spcPts val="0"/>
-              </a:spcBef>
-              <a:buClr>
-                <a:schemeClr val="dk1"/>
-              </a:buClr>
-              <a:buSzPct val="25000"/>
-              <a:buFont typeface="Arial"/>
-              <a:buNone/>
-            </a:pPr>
-            <a:endParaRPr lang="en-US" sz="1200" b="0" i="0" u="none" strike="noStrike" cap="none" baseline="0" dirty="0" smtClean="0">
-              <a:solidFill>
-                <a:schemeClr val="dk1"/>
-              </a:solidFill>
-              <a:latin typeface="Arial"/>
-              <a:ea typeface="Arial"/>
-              <a:cs typeface="Arial"/>
-              <a:sym typeface="Arial"/>
-            </a:endParaRPr>
+            <a:endParaRPr lang="en-US" dirty="0"/>
           </a:p>
         </p:txBody>
       </p:sp>
@@ -3342,7 +3387,7 @@
     </p:spTree>
     <p:extLst>
       <p:ext uri="{BB962C8B-B14F-4D97-AF65-F5344CB8AC3E}">
-        <p14:creationId xmlns:p14="http://schemas.microsoft.com/office/powerpoint/2010/main" val="766265433"/>
+        <p14:creationId xmlns:p14="http://schemas.microsoft.com/office/powerpoint/2010/main" val="1049296567"/>
       </p:ext>
     </p:extLst>
   </p:cSld>
@@ -3911,7 +3956,26 @@
           <a:bodyPr/>
           <a:lstStyle/>
           <a:p>
-            <a:endParaRPr lang="en-US" dirty="0"/>
+            <a:pPr marL="0" marR="0" lvl="0" indent="0" algn="l" rtl="0">
+              <a:spcBef>
+                <a:spcPts val="0"/>
+              </a:spcBef>
+              <a:buClr>
+                <a:schemeClr val="dk1"/>
+              </a:buClr>
+              <a:buSzPct val="25000"/>
+              <a:buFont typeface="Arial"/>
+              <a:buNone/>
+            </a:pPr>
+            <a:endParaRPr lang="en-US" sz="1200" b="0" i="0" u="none" strike="noStrike" cap="none" baseline="0" dirty="0" smtClean="0">
+              <a:solidFill>
+                <a:schemeClr val="dk1"/>
+              </a:solidFill>
+              <a:latin typeface="Arial"/>
+              <a:ea typeface="Arial"/>
+              <a:cs typeface="Arial"/>
+              <a:sym typeface="Arial"/>
+            </a:endParaRPr>
           </a:p>
         </p:txBody>
       </p:sp>
@@ -3941,7 +4005,7 @@
     </p:spTree>
     <p:extLst>
       <p:ext uri="{BB962C8B-B14F-4D97-AF65-F5344CB8AC3E}">
-        <p14:creationId xmlns:p14="http://schemas.microsoft.com/office/powerpoint/2010/main" val="2813535461"/>
+        <p14:creationId xmlns:p14="http://schemas.microsoft.com/office/powerpoint/2010/main" val="766265433"/>
       </p:ext>
     </p:extLst>
   </p:cSld>
@@ -4098,26 +4162,7 @@
           <a:bodyPr/>
           <a:lstStyle/>
           <a:p>
-            <a:pPr marL="0" marR="0" lvl="0" indent="0" algn="l" rtl="0">
-              <a:spcBef>
-                <a:spcPts val="0"/>
-              </a:spcBef>
-              <a:buClr>
-                <a:schemeClr val="dk1"/>
-              </a:buClr>
-              <a:buSzPct val="25000"/>
-              <a:buFont typeface="Arial"/>
-              <a:buNone/>
-            </a:pPr>
-            <a:endParaRPr lang="en-US" sz="1200" b="0" i="0" u="none" strike="noStrike" cap="none" baseline="0" dirty="0" smtClean="0">
-              <a:solidFill>
-                <a:schemeClr val="dk1"/>
-              </a:solidFill>
-              <a:latin typeface="Arial"/>
-              <a:ea typeface="Arial"/>
-              <a:cs typeface="Arial"/>
-              <a:sym typeface="Arial"/>
-            </a:endParaRPr>
+            <a:endParaRPr lang="en-US" dirty="0"/>
           </a:p>
         </p:txBody>
       </p:sp>
@@ -4147,7 +4192,7 @@
     </p:spTree>
     <p:extLst>
       <p:ext uri="{BB962C8B-B14F-4D97-AF65-F5344CB8AC3E}">
-        <p14:creationId xmlns:p14="http://schemas.microsoft.com/office/powerpoint/2010/main" val="766265433"/>
+        <p14:creationId xmlns:p14="http://schemas.microsoft.com/office/powerpoint/2010/main" val="2813535461"/>
       </p:ext>
     </p:extLst>
   </p:cSld>
@@ -4439,66 +4484,15 @@
               <a:buFont typeface="Arial"/>
               <a:buNone/>
             </a:pPr>
-            <a:r>
-              <a:rPr lang="en-US" sz="1200" b="0" i="0" u="none" strike="noStrike" cap="none" baseline="0" dirty="0" smtClean="0">
-                <a:solidFill>
-                  <a:schemeClr val="dk1"/>
-                </a:solidFill>
-                <a:latin typeface="Arial"/>
-                <a:ea typeface="Arial"/>
-                <a:cs typeface="Arial"/>
-                <a:sym typeface="Arial"/>
-              </a:rPr>
-              <a:t>Fuse on </a:t>
-            </a:r>
-            <a:r>
-              <a:rPr lang="en-US" sz="1200" b="0" i="0" u="none" strike="noStrike" cap="none" baseline="0" dirty="0" err="1" smtClean="0">
-                <a:solidFill>
-                  <a:schemeClr val="dk1"/>
-                </a:solidFill>
-                <a:latin typeface="Arial"/>
-                <a:ea typeface="Arial"/>
-                <a:cs typeface="Arial"/>
-                <a:sym typeface="Arial"/>
-              </a:rPr>
-              <a:t>OpenShift</a:t>
-            </a:r>
-            <a:r>
-              <a:rPr lang="en-US" sz="1200" b="0" i="0" u="none" strike="noStrike" cap="none" baseline="0" dirty="0" smtClean="0">
-                <a:solidFill>
-                  <a:schemeClr val="dk1"/>
-                </a:solidFill>
-                <a:latin typeface="Arial"/>
-                <a:ea typeface="Arial"/>
-                <a:cs typeface="Arial"/>
-                <a:sym typeface="Arial"/>
-              </a:rPr>
-              <a:t> is GA. </a:t>
-            </a:r>
-            <a:r>
-              <a:rPr lang="en-US" sz="1200" b="0" i="0" u="none" strike="noStrike" cap="none" baseline="0" dirty="0" err="1" smtClean="0">
-                <a:solidFill>
-                  <a:schemeClr val="dk1"/>
-                </a:solidFill>
-                <a:latin typeface="Arial"/>
-                <a:ea typeface="Arial"/>
-                <a:cs typeface="Arial"/>
-                <a:sym typeface="Arial"/>
-              </a:rPr>
-              <a:t>OpenShift</a:t>
-            </a:r>
-            <a:r>
-              <a:rPr lang="en-US" sz="1200" b="0" i="0" u="none" strike="noStrike" cap="none" baseline="0" dirty="0" smtClean="0">
-                <a:solidFill>
-                  <a:schemeClr val="dk1"/>
-                </a:solidFill>
-                <a:latin typeface="Arial"/>
-                <a:ea typeface="Arial"/>
-                <a:cs typeface="Arial"/>
-                <a:sym typeface="Arial"/>
-              </a:rPr>
-              <a:t> V3 functionality does not exist yet</a:t>
-            </a:r>
+            <a:endParaRPr lang="en-US" sz="1200" b="0" i="0" u="none" strike="noStrike" cap="none" baseline="0" dirty="0" smtClean="0">
+              <a:solidFill>
+                <a:schemeClr val="dk1"/>
+              </a:solidFill>
+              <a:latin typeface="Arial"/>
+              <a:ea typeface="Arial"/>
+              <a:cs typeface="Arial"/>
+              <a:sym typeface="Arial"/>
+            </a:endParaRPr>
           </a:p>
         </p:txBody>
       </p:sp>
@@ -4582,7 +4576,26 @@
           <a:bodyPr/>
           <a:lstStyle/>
           <a:p>
-            <a:endParaRPr lang="en-US" dirty="0"/>
+            <a:pPr marL="0" marR="0" lvl="0" indent="0" algn="l" rtl="0">
+              <a:spcBef>
+                <a:spcPts val="0"/>
+              </a:spcBef>
+              <a:buClr>
+                <a:schemeClr val="dk1"/>
+              </a:buClr>
+              <a:buSzPct val="25000"/>
+              <a:buFont typeface="Arial"/>
+              <a:buNone/>
+            </a:pPr>
+            <a:endParaRPr lang="en-US" sz="1200" b="0" i="0" u="none" strike="noStrike" cap="none" baseline="0" dirty="0" smtClean="0">
+              <a:solidFill>
+                <a:schemeClr val="dk1"/>
+              </a:solidFill>
+              <a:latin typeface="Arial"/>
+              <a:ea typeface="Arial"/>
+              <a:cs typeface="Arial"/>
+              <a:sym typeface="Arial"/>
+            </a:endParaRPr>
           </a:p>
         </p:txBody>
       </p:sp>
@@ -4604,6 +4617,244 @@
             <a:fld id="{F65DE967-EABE-904E-9B19-6B2304A2D7D9}" type="slidenum">
               <a:rPr lang="en-US" smtClean="0"/>
               <a:t>54</a:t>
+            </a:fld>
+            <a:endParaRPr lang="en-US"/>
+          </a:p>
+        </p:txBody>
+      </p:sp>
+    </p:spTree>
+    <p:extLst>
+      <p:ext uri="{BB962C8B-B14F-4D97-AF65-F5344CB8AC3E}">
+        <p14:creationId xmlns:p14="http://schemas.microsoft.com/office/powerpoint/2010/main" val="766265433"/>
+      </p:ext>
+    </p:extLst>
+  </p:cSld>
+  <p:clrMapOvr>
+    <a:masterClrMapping/>
+  </p:clrMapOvr>
+</p:notes>
+</file>
+
+<file path=ppt/notesSlides/notesSlide42.xml><?xml version="1.0" encoding="utf-8"?>
+<p:notes xmlns:a="http://schemas.openxmlformats.org/drawingml/2006/main" xmlns:r="http://schemas.openxmlformats.org/officeDocument/2006/relationships" xmlns:p="http://schemas.openxmlformats.org/presentationml/2006/main">
+  <p:cSld>
+    <p:spTree>
+      <p:nvGrpSpPr>
+        <p:cNvPr id="1" name=""/>
+        <p:cNvGrpSpPr/>
+        <p:nvPr/>
+      </p:nvGrpSpPr>
+      <p:grpSpPr>
+        <a:xfrm>
+          <a:off x="0" y="0"/>
+          <a:ext cx="0" cy="0"/>
+          <a:chOff x="0" y="0"/>
+          <a:chExt cx="0" cy="0"/>
+        </a:xfrm>
+      </p:grpSpPr>
+      <p:sp>
+        <p:nvSpPr>
+          <p:cNvPr id="2" name="Slide Image Placeholder 1"/>
+          <p:cNvSpPr>
+            <a:spLocks noGrp="1" noRot="1" noChangeAspect="1"/>
+          </p:cNvSpPr>
+          <p:nvPr>
+            <p:ph type="sldImg"/>
+          </p:nvPr>
+        </p:nvSpPr>
+        <p:spPr/>
+      </p:sp>
+      <p:sp>
+        <p:nvSpPr>
+          <p:cNvPr id="3" name="Notes Placeholder 2"/>
+          <p:cNvSpPr>
+            <a:spLocks noGrp="1"/>
+          </p:cNvSpPr>
+          <p:nvPr>
+            <p:ph type="body" idx="1"/>
+          </p:nvPr>
+        </p:nvSpPr>
+        <p:spPr/>
+        <p:txBody>
+          <a:bodyPr/>
+          <a:lstStyle/>
+          <a:p>
+            <a:pPr marL="0" marR="0" lvl="0" indent="0" algn="l" rtl="0">
+              <a:spcBef>
+                <a:spcPts val="0"/>
+              </a:spcBef>
+              <a:buClr>
+                <a:schemeClr val="dk1"/>
+              </a:buClr>
+              <a:buSzPct val="25000"/>
+              <a:buFont typeface="Arial"/>
+              <a:buNone/>
+            </a:pPr>
+            <a:r>
+              <a:rPr lang="en-US" sz="1200" b="0" i="0" u="none" strike="noStrike" cap="none" baseline="0" dirty="0" smtClean="0">
+                <a:solidFill>
+                  <a:schemeClr val="dk1"/>
+                </a:solidFill>
+                <a:latin typeface="Arial"/>
+                <a:ea typeface="Arial"/>
+                <a:cs typeface="Arial"/>
+                <a:sym typeface="Arial"/>
+              </a:rPr>
+              <a:t>Fuse on </a:t>
+            </a:r>
+            <a:r>
+              <a:rPr lang="en-US" sz="1200" b="0" i="0" u="none" strike="noStrike" cap="none" baseline="0" dirty="0" err="1" smtClean="0">
+                <a:solidFill>
+                  <a:schemeClr val="dk1"/>
+                </a:solidFill>
+                <a:latin typeface="Arial"/>
+                <a:ea typeface="Arial"/>
+                <a:cs typeface="Arial"/>
+                <a:sym typeface="Arial"/>
+              </a:rPr>
+              <a:t>OpenShift</a:t>
+            </a:r>
+            <a:r>
+              <a:rPr lang="en-US" sz="1200" b="0" i="0" u="none" strike="noStrike" cap="none" baseline="0" dirty="0" smtClean="0">
+                <a:solidFill>
+                  <a:schemeClr val="dk1"/>
+                </a:solidFill>
+                <a:latin typeface="Arial"/>
+                <a:ea typeface="Arial"/>
+                <a:cs typeface="Arial"/>
+                <a:sym typeface="Arial"/>
+              </a:rPr>
+              <a:t> is GA. </a:t>
+            </a:r>
+            <a:r>
+              <a:rPr lang="en-US" sz="1200" b="0" i="0" u="none" strike="noStrike" cap="none" baseline="0" dirty="0" err="1" smtClean="0">
+                <a:solidFill>
+                  <a:schemeClr val="dk1"/>
+                </a:solidFill>
+                <a:latin typeface="Arial"/>
+                <a:ea typeface="Arial"/>
+                <a:cs typeface="Arial"/>
+                <a:sym typeface="Arial"/>
+              </a:rPr>
+              <a:t>OpenShift</a:t>
+            </a:r>
+            <a:r>
+              <a:rPr lang="en-US" sz="1200" b="0" i="0" u="none" strike="noStrike" cap="none" baseline="0" dirty="0" smtClean="0">
+                <a:solidFill>
+                  <a:schemeClr val="dk1"/>
+                </a:solidFill>
+                <a:latin typeface="Arial"/>
+                <a:ea typeface="Arial"/>
+                <a:cs typeface="Arial"/>
+                <a:sym typeface="Arial"/>
+              </a:rPr>
+              <a:t> V3 functionality does not exist yet</a:t>
+            </a:r>
+          </a:p>
+        </p:txBody>
+      </p:sp>
+      <p:sp>
+        <p:nvSpPr>
+          <p:cNvPr id="4" name="Slide Number Placeholder 3"/>
+          <p:cNvSpPr>
+            <a:spLocks noGrp="1"/>
+          </p:cNvSpPr>
+          <p:nvPr>
+            <p:ph type="sldNum" sz="quarter" idx="10"/>
+          </p:nvPr>
+        </p:nvSpPr>
+        <p:spPr/>
+        <p:txBody>
+          <a:bodyPr/>
+          <a:lstStyle/>
+          <a:p>
+            <a:fld id="{F65DE967-EABE-904E-9B19-6B2304A2D7D9}" type="slidenum">
+              <a:rPr lang="en-US" smtClean="0"/>
+              <a:t>55</a:t>
+            </a:fld>
+            <a:endParaRPr lang="en-US"/>
+          </a:p>
+        </p:txBody>
+      </p:sp>
+    </p:spTree>
+    <p:extLst>
+      <p:ext uri="{BB962C8B-B14F-4D97-AF65-F5344CB8AC3E}">
+        <p14:creationId xmlns:p14="http://schemas.microsoft.com/office/powerpoint/2010/main" val="766265433"/>
+      </p:ext>
+    </p:extLst>
+  </p:cSld>
+  <p:clrMapOvr>
+    <a:masterClrMapping/>
+  </p:clrMapOvr>
+</p:notes>
+</file>
+
+<file path=ppt/notesSlides/notesSlide43.xml><?xml version="1.0" encoding="utf-8"?>
+<p:notes xmlns:a="http://schemas.openxmlformats.org/drawingml/2006/main" xmlns:r="http://schemas.openxmlformats.org/officeDocument/2006/relationships" xmlns:p="http://schemas.openxmlformats.org/presentationml/2006/main">
+  <p:cSld>
+    <p:spTree>
+      <p:nvGrpSpPr>
+        <p:cNvPr id="1" name=""/>
+        <p:cNvGrpSpPr/>
+        <p:nvPr/>
+      </p:nvGrpSpPr>
+      <p:grpSpPr>
+        <a:xfrm>
+          <a:off x="0" y="0"/>
+          <a:ext cx="0" cy="0"/>
+          <a:chOff x="0" y="0"/>
+          <a:chExt cx="0" cy="0"/>
+        </a:xfrm>
+      </p:grpSpPr>
+      <p:sp>
+        <p:nvSpPr>
+          <p:cNvPr id="2" name="Slide Image Placeholder 1"/>
+          <p:cNvSpPr>
+            <a:spLocks noGrp="1" noRot="1" noChangeAspect="1"/>
+          </p:cNvSpPr>
+          <p:nvPr>
+            <p:ph type="sldImg"/>
+          </p:nvPr>
+        </p:nvSpPr>
+        <p:spPr/>
+      </p:sp>
+      <p:sp>
+        <p:nvSpPr>
+          <p:cNvPr id="3" name="Notes Placeholder 2"/>
+          <p:cNvSpPr>
+            <a:spLocks noGrp="1"/>
+          </p:cNvSpPr>
+          <p:nvPr>
+            <p:ph type="body" idx="1"/>
+          </p:nvPr>
+        </p:nvSpPr>
+        <p:spPr/>
+        <p:txBody>
+          <a:bodyPr/>
+          <a:lstStyle/>
+          <a:p>
+            <a:endParaRPr lang="en-US" dirty="0"/>
+          </a:p>
+        </p:txBody>
+      </p:sp>
+      <p:sp>
+        <p:nvSpPr>
+          <p:cNvPr id="4" name="Slide Number Placeholder 3"/>
+          <p:cNvSpPr>
+            <a:spLocks noGrp="1"/>
+          </p:cNvSpPr>
+          <p:nvPr>
+            <p:ph type="sldNum" sz="quarter" idx="10"/>
+          </p:nvPr>
+        </p:nvSpPr>
+        <p:spPr/>
+        <p:txBody>
+          <a:bodyPr/>
+          <a:lstStyle/>
+          <a:p>
+            <a:fld id="{F65DE967-EABE-904E-9B19-6B2304A2D7D9}" type="slidenum">
+              <a:rPr lang="en-US" smtClean="0"/>
+              <a:t>56</a:t>
             </a:fld>
             <a:endParaRPr lang="en-US"/>
           </a:p>
@@ -5431,7 +5682,7 @@
           <a:effectLst/>
           <a:extLst>
             <a:ext uri="{AF507438-7753-43e0-B8FC-AC1667EBCBE1}">
-              <a14:hiddenEffects xmlns:a14="http://schemas.microsoft.com/office/drawing/2010/main">
+              <a14:hiddenEffects xmlns:a14="http://schemas.microsoft.com/office/drawing/2010/main" xmlns="">
                 <a:effectLst>
                   <a:outerShdw blurRad="63500" dist="38099" dir="2700000" algn="ctr" rotWithShape="0">
                     <a:srgbClr val="000000">
@@ -5496,7 +5747,7 @@
           <a:effectLst/>
           <a:extLst>
             <a:ext uri="{909E8E84-426E-40dd-AFC4-6F175D3DCCD1}">
-              <a14:hiddenFill xmlns:a14="http://schemas.microsoft.com/office/drawing/2010/main">
+              <a14:hiddenFill xmlns:a14="http://schemas.microsoft.com/office/drawing/2010/main" xmlns="">
                 <a:blipFill dpi="0" rotWithShape="0">
                   <a:blip/>
                   <a:srcRect t="30431" b="29443"/>
@@ -5507,7 +5758,7 @@
               </a14:hiddenFill>
             </a:ext>
             <a:ext uri="{91240B29-F687-4f45-9708-019B960494DF}">
-              <a14:hiddenLine xmlns:a14="http://schemas.microsoft.com/office/drawing/2010/main" w="9525">
+              <a14:hiddenLine xmlns:a14="http://schemas.microsoft.com/office/drawing/2010/main" xmlns="" w="9525">
                 <a:solidFill>
                   <a:srgbClr val="000000"/>
                 </a:solidFill>
@@ -5517,7 +5768,7 @@
               </a14:hiddenLine>
             </a:ext>
             <a:ext uri="{AF507438-7753-43e0-B8FC-AC1667EBCBE1}">
-              <a14:hiddenEffects xmlns:a14="http://schemas.microsoft.com/office/drawing/2010/main">
+              <a14:hiddenEffects xmlns:a14="http://schemas.microsoft.com/office/drawing/2010/main" xmlns="">
                 <a:effectLst>
                   <a:outerShdw blurRad="63500" dist="38099" dir="2700000" algn="ctr" rotWithShape="0">
                     <a:srgbClr val="000000">
@@ -5560,7 +5811,7 @@
           <a:effectLst/>
           <a:extLst>
             <a:ext uri="{AF507438-7753-43e0-B8FC-AC1667EBCBE1}">
-              <a14:hiddenEffects xmlns:a14="http://schemas.microsoft.com/office/drawing/2010/main">
+              <a14:hiddenEffects xmlns:a14="http://schemas.microsoft.com/office/drawing/2010/main" xmlns="">
                 <a:effectLst>
                   <a:outerShdw blurRad="63500" dist="38099" dir="2700000" algn="ctr" rotWithShape="0">
                     <a:srgbClr val="000000">
@@ -5752,7 +6003,7 @@
           <a:effectLst/>
           <a:extLst>
             <a:ext uri="{AF507438-7753-43e0-B8FC-AC1667EBCBE1}">
-              <a14:hiddenEffects xmlns:a14="http://schemas.microsoft.com/office/drawing/2010/main">
+              <a14:hiddenEffects xmlns:a14="http://schemas.microsoft.com/office/drawing/2010/main" xmlns="">
                 <a:effectLst>
                   <a:outerShdw blurRad="63500" dist="38099" dir="2700000" algn="ctr" rotWithShape="0">
                     <a:srgbClr val="000000">
@@ -6006,7 +6257,7 @@
           <a:effectLst/>
           <a:extLst>
             <a:ext uri="{909E8E84-426E-40dd-AFC4-6F175D3DCCD1}">
-              <a14:hiddenFill xmlns:a14="http://schemas.microsoft.com/office/drawing/2010/main">
+              <a14:hiddenFill xmlns:a14="http://schemas.microsoft.com/office/drawing/2010/main" xmlns="">
                 <a:blipFill dpi="0" rotWithShape="0">
                   <a:blip/>
                   <a:srcRect t="30431" b="29443"/>
@@ -6017,7 +6268,7 @@
               </a14:hiddenFill>
             </a:ext>
             <a:ext uri="{91240B29-F687-4f45-9708-019B960494DF}">
-              <a14:hiddenLine xmlns:a14="http://schemas.microsoft.com/office/drawing/2010/main" w="9525">
+              <a14:hiddenLine xmlns:a14="http://schemas.microsoft.com/office/drawing/2010/main" xmlns="" w="9525">
                 <a:solidFill>
                   <a:srgbClr val="000000"/>
                 </a:solidFill>
@@ -6027,7 +6278,7 @@
               </a14:hiddenLine>
             </a:ext>
             <a:ext uri="{AF507438-7753-43e0-B8FC-AC1667EBCBE1}">
-              <a14:hiddenEffects xmlns:a14="http://schemas.microsoft.com/office/drawing/2010/main">
+              <a14:hiddenEffects xmlns:a14="http://schemas.microsoft.com/office/drawing/2010/main" xmlns="">
                 <a:effectLst>
                   <a:outerShdw blurRad="63500" dist="38099" dir="2700000" algn="ctr" rotWithShape="0">
                     <a:srgbClr val="000000">
@@ -6144,7 +6395,7 @@
           <a:effectLst/>
           <a:extLst>
             <a:ext uri="{AF507438-7753-43e0-B8FC-AC1667EBCBE1}">
-              <a14:hiddenEffects xmlns:a14="http://schemas.microsoft.com/office/drawing/2010/main">
+              <a14:hiddenEffects xmlns:a14="http://schemas.microsoft.com/office/drawing/2010/main" xmlns="">
                 <a:effectLst>
                   <a:outerShdw blurRad="63500" dist="38099" dir="2700000" algn="ctr" rotWithShape="0">
                     <a:srgbClr val="000000">
@@ -6380,7 +6631,7 @@
           <a:effectLst/>
           <a:extLst>
             <a:ext uri="{AF507438-7753-43e0-B8FC-AC1667EBCBE1}">
-              <a14:hiddenEffects xmlns:a14="http://schemas.microsoft.com/office/drawing/2010/main">
+              <a14:hiddenEffects xmlns:a14="http://schemas.microsoft.com/office/drawing/2010/main" xmlns="">
                 <a:effectLst>
                   <a:outerShdw blurRad="63500" dist="38099" dir="2700000" algn="ctr" rotWithShape="0">
                     <a:srgbClr val="000000">
@@ -6520,7 +6771,7 @@
           <a:effectLst/>
           <a:extLst>
             <a:ext uri="{909E8E84-426E-40dd-AFC4-6F175D3DCCD1}">
-              <a14:hiddenFill xmlns:a14="http://schemas.microsoft.com/office/drawing/2010/main">
+              <a14:hiddenFill xmlns:a14="http://schemas.microsoft.com/office/drawing/2010/main" xmlns="">
                 <a:blipFill dpi="0" rotWithShape="0">
                   <a:blip/>
                   <a:srcRect t="30431" b="29443"/>
@@ -6531,7 +6782,7 @@
               </a14:hiddenFill>
             </a:ext>
             <a:ext uri="{91240B29-F687-4f45-9708-019B960494DF}">
-              <a14:hiddenLine xmlns:a14="http://schemas.microsoft.com/office/drawing/2010/main" w="9525">
+              <a14:hiddenLine xmlns:a14="http://schemas.microsoft.com/office/drawing/2010/main" xmlns="" w="9525">
                 <a:solidFill>
                   <a:srgbClr val="000000"/>
                 </a:solidFill>
@@ -6541,7 +6792,7 @@
               </a14:hiddenLine>
             </a:ext>
             <a:ext uri="{AF507438-7753-43e0-B8FC-AC1667EBCBE1}">
-              <a14:hiddenEffects xmlns:a14="http://schemas.microsoft.com/office/drawing/2010/main">
+              <a14:hiddenEffects xmlns:a14="http://schemas.microsoft.com/office/drawing/2010/main" xmlns="">
                 <a:effectLst>
                   <a:outerShdw blurRad="63500" dist="38099" dir="2700000" algn="ctr" rotWithShape="0">
                     <a:srgbClr val="000000">
@@ -6658,7 +6909,7 @@
           <a:effectLst/>
           <a:extLst>
             <a:ext uri="{AF507438-7753-43e0-B8FC-AC1667EBCBE1}">
-              <a14:hiddenEffects xmlns:a14="http://schemas.microsoft.com/office/drawing/2010/main">
+              <a14:hiddenEffects xmlns:a14="http://schemas.microsoft.com/office/drawing/2010/main" xmlns="">
                 <a:effectLst>
                   <a:outerShdw blurRad="63500" dist="38099" dir="2700000" algn="ctr" rotWithShape="0">
                     <a:srgbClr val="000000">
@@ -6906,7 +7157,7 @@
           <a:effectLst/>
           <a:extLst>
             <a:ext uri="{909E8E84-426E-40dd-AFC4-6F175D3DCCD1}">
-              <a14:hiddenFill xmlns:a14="http://schemas.microsoft.com/office/drawing/2010/main">
+              <a14:hiddenFill xmlns:a14="http://schemas.microsoft.com/office/drawing/2010/main" xmlns="">
                 <a:blipFill dpi="0" rotWithShape="0">
                   <a:blip/>
                   <a:srcRect t="30431" b="29443"/>
@@ -6917,7 +7168,7 @@
               </a14:hiddenFill>
             </a:ext>
             <a:ext uri="{91240B29-F687-4f45-9708-019B960494DF}">
-              <a14:hiddenLine xmlns:a14="http://schemas.microsoft.com/office/drawing/2010/main" w="9525">
+              <a14:hiddenLine xmlns:a14="http://schemas.microsoft.com/office/drawing/2010/main" xmlns="" w="9525">
                 <a:solidFill>
                   <a:srgbClr val="000000"/>
                 </a:solidFill>
@@ -6927,7 +7178,7 @@
               </a14:hiddenLine>
             </a:ext>
             <a:ext uri="{AF507438-7753-43e0-B8FC-AC1667EBCBE1}">
-              <a14:hiddenEffects xmlns:a14="http://schemas.microsoft.com/office/drawing/2010/main">
+              <a14:hiddenEffects xmlns:a14="http://schemas.microsoft.com/office/drawing/2010/main" xmlns="">
                 <a:effectLst>
                   <a:outerShdw blurRad="63500" dist="38099" dir="2700000" algn="ctr" rotWithShape="0">
                     <a:srgbClr val="000000">
@@ -7044,7 +7295,7 @@
           <a:effectLst/>
           <a:extLst>
             <a:ext uri="{AF507438-7753-43e0-B8FC-AC1667EBCBE1}">
-              <a14:hiddenEffects xmlns:a14="http://schemas.microsoft.com/office/drawing/2010/main">
+              <a14:hiddenEffects xmlns:a14="http://schemas.microsoft.com/office/drawing/2010/main" xmlns="">
                 <a:effectLst>
                   <a:outerShdw blurRad="63500" dist="38099" dir="2700000" algn="ctr" rotWithShape="0">
                     <a:srgbClr val="000000">
@@ -7212,7 +7463,7 @@
           <a:effectLst/>
           <a:extLst>
             <a:ext uri="{AF507438-7753-43e0-B8FC-AC1667EBCBE1}">
-              <a14:hiddenEffects xmlns:a14="http://schemas.microsoft.com/office/drawing/2010/main">
+              <a14:hiddenEffects xmlns:a14="http://schemas.microsoft.com/office/drawing/2010/main" xmlns="">
                 <a:effectLst>
                   <a:outerShdw blurRad="63500" dist="38099" dir="2700000" algn="ctr" rotWithShape="0">
                     <a:srgbClr val="000000">
@@ -7556,7 +7807,7 @@
           <a:effectLst/>
           <a:extLst>
             <a:ext uri="{AF507438-7753-43e0-B8FC-AC1667EBCBE1}">
-              <a14:hiddenEffects xmlns:a14="http://schemas.microsoft.com/office/drawing/2010/main">
+              <a14:hiddenEffects xmlns:a14="http://schemas.microsoft.com/office/drawing/2010/main" xmlns="">
                 <a:effectLst>
                   <a:outerShdw blurRad="63500" dist="38099" dir="2700000" algn="ctr" rotWithShape="0">
                     <a:srgbClr val="000000">
@@ -7621,7 +7872,7 @@
           <a:effectLst/>
           <a:extLst>
             <a:ext uri="{909E8E84-426E-40dd-AFC4-6F175D3DCCD1}">
-              <a14:hiddenFill xmlns:a14="http://schemas.microsoft.com/office/drawing/2010/main">
+              <a14:hiddenFill xmlns:a14="http://schemas.microsoft.com/office/drawing/2010/main" xmlns="">
                 <a:blipFill dpi="0" rotWithShape="0">
                   <a:blip/>
                   <a:srcRect t="30431" b="29443"/>
@@ -7632,7 +7883,7 @@
               </a14:hiddenFill>
             </a:ext>
             <a:ext uri="{91240B29-F687-4f45-9708-019B960494DF}">
-              <a14:hiddenLine xmlns:a14="http://schemas.microsoft.com/office/drawing/2010/main" w="9525">
+              <a14:hiddenLine xmlns:a14="http://schemas.microsoft.com/office/drawing/2010/main" xmlns="" w="9525">
                 <a:solidFill>
                   <a:srgbClr val="000000"/>
                 </a:solidFill>
@@ -7642,7 +7893,7 @@
               </a14:hiddenLine>
             </a:ext>
             <a:ext uri="{AF507438-7753-43e0-B8FC-AC1667EBCBE1}">
-              <a14:hiddenEffects xmlns:a14="http://schemas.microsoft.com/office/drawing/2010/main">
+              <a14:hiddenEffects xmlns:a14="http://schemas.microsoft.com/office/drawing/2010/main" xmlns="">
                 <a:effectLst>
                   <a:outerShdw blurRad="63500" dist="38099" dir="2700000" algn="ctr" rotWithShape="0">
                     <a:srgbClr val="000000">
@@ -7685,7 +7936,7 @@
           <a:effectLst/>
           <a:extLst>
             <a:ext uri="{AF507438-7753-43e0-B8FC-AC1667EBCBE1}">
-              <a14:hiddenEffects xmlns:a14="http://schemas.microsoft.com/office/drawing/2010/main">
+              <a14:hiddenEffects xmlns:a14="http://schemas.microsoft.com/office/drawing/2010/main" xmlns="">
                 <a:effectLst>
                   <a:outerShdw blurRad="63500" dist="38099" dir="2700000" algn="ctr" rotWithShape="0">
                     <a:srgbClr val="000000">
@@ -8081,7 +8332,7 @@
           <a:effectLst/>
           <a:extLst>
             <a:ext uri="{AF507438-7753-43e0-B8FC-AC1667EBCBE1}">
-              <a14:hiddenEffects xmlns:a14="http://schemas.microsoft.com/office/drawing/2010/main">
+              <a14:hiddenEffects xmlns:a14="http://schemas.microsoft.com/office/drawing/2010/main" xmlns="">
                 <a:effectLst>
                   <a:outerShdw blurRad="63500" dist="38099" dir="2700000" algn="ctr" rotWithShape="0">
                     <a:srgbClr val="000000">
@@ -8146,7 +8397,7 @@
           <a:effectLst/>
           <a:extLst>
             <a:ext uri="{909E8E84-426E-40dd-AFC4-6F175D3DCCD1}">
-              <a14:hiddenFill xmlns:a14="http://schemas.microsoft.com/office/drawing/2010/main">
+              <a14:hiddenFill xmlns:a14="http://schemas.microsoft.com/office/drawing/2010/main" xmlns="">
                 <a:blipFill dpi="0" rotWithShape="0">
                   <a:blip/>
                   <a:srcRect t="30431" b="29443"/>
@@ -8157,7 +8408,7 @@
               </a14:hiddenFill>
             </a:ext>
             <a:ext uri="{91240B29-F687-4f45-9708-019B960494DF}">
-              <a14:hiddenLine xmlns:a14="http://schemas.microsoft.com/office/drawing/2010/main" w="9525">
+              <a14:hiddenLine xmlns:a14="http://schemas.microsoft.com/office/drawing/2010/main" xmlns="" w="9525">
                 <a:solidFill>
                   <a:srgbClr val="000000"/>
                 </a:solidFill>
@@ -8167,7 +8418,7 @@
               </a14:hiddenLine>
             </a:ext>
             <a:ext uri="{AF507438-7753-43e0-B8FC-AC1667EBCBE1}">
-              <a14:hiddenEffects xmlns:a14="http://schemas.microsoft.com/office/drawing/2010/main">
+              <a14:hiddenEffects xmlns:a14="http://schemas.microsoft.com/office/drawing/2010/main" xmlns="">
                 <a:effectLst>
                   <a:outerShdw blurRad="63500" dist="38099" dir="2700000" algn="ctr" rotWithShape="0">
                     <a:srgbClr val="000000">
@@ -8210,7 +8461,7 @@
           <a:effectLst/>
           <a:extLst>
             <a:ext uri="{AF507438-7753-43e0-B8FC-AC1667EBCBE1}">
-              <a14:hiddenEffects xmlns:a14="http://schemas.microsoft.com/office/drawing/2010/main">
+              <a14:hiddenEffects xmlns:a14="http://schemas.microsoft.com/office/drawing/2010/main" xmlns="">
                 <a:effectLst>
                   <a:outerShdw blurRad="63500" dist="38099" dir="2700000" algn="ctr" rotWithShape="0">
                     <a:srgbClr val="000000">
@@ -8586,7 +8837,7 @@
           <a:effectLst/>
           <a:extLst>
             <a:ext uri="{AF507438-7753-43e0-B8FC-AC1667EBCBE1}">
-              <a14:hiddenEffects xmlns:a14="http://schemas.microsoft.com/office/drawing/2010/main">
+              <a14:hiddenEffects xmlns:a14="http://schemas.microsoft.com/office/drawing/2010/main" xmlns="">
                 <a:effectLst>
                   <a:outerShdw blurRad="63500" dist="38099" dir="2700000" algn="ctr" rotWithShape="0">
                     <a:srgbClr val="000000">
@@ -8651,7 +8902,7 @@
           <a:effectLst/>
           <a:extLst>
             <a:ext uri="{909E8E84-426E-40dd-AFC4-6F175D3DCCD1}">
-              <a14:hiddenFill xmlns:a14="http://schemas.microsoft.com/office/drawing/2010/main">
+              <a14:hiddenFill xmlns:a14="http://schemas.microsoft.com/office/drawing/2010/main" xmlns="">
                 <a:blipFill dpi="0" rotWithShape="0">
                   <a:blip/>
                   <a:srcRect t="30431" b="29443"/>
@@ -8662,7 +8913,7 @@
               </a14:hiddenFill>
             </a:ext>
             <a:ext uri="{91240B29-F687-4f45-9708-019B960494DF}">
-              <a14:hiddenLine xmlns:a14="http://schemas.microsoft.com/office/drawing/2010/main" w="9525">
+              <a14:hiddenLine xmlns:a14="http://schemas.microsoft.com/office/drawing/2010/main" xmlns="" w="9525">
                 <a:solidFill>
                   <a:srgbClr val="000000"/>
                 </a:solidFill>
@@ -8672,7 +8923,7 @@
               </a14:hiddenLine>
             </a:ext>
             <a:ext uri="{AF507438-7753-43e0-B8FC-AC1667EBCBE1}">
-              <a14:hiddenEffects xmlns:a14="http://schemas.microsoft.com/office/drawing/2010/main">
+              <a14:hiddenEffects xmlns:a14="http://schemas.microsoft.com/office/drawing/2010/main" xmlns="">
                 <a:effectLst>
                   <a:outerShdw blurRad="63500" dist="38099" dir="2700000" algn="ctr" rotWithShape="0">
                     <a:srgbClr val="000000">
@@ -8715,7 +8966,7 @@
           <a:effectLst/>
           <a:extLst>
             <a:ext uri="{AF507438-7753-43e0-B8FC-AC1667EBCBE1}">
-              <a14:hiddenEffects xmlns:a14="http://schemas.microsoft.com/office/drawing/2010/main">
+              <a14:hiddenEffects xmlns:a14="http://schemas.microsoft.com/office/drawing/2010/main" xmlns="">
                 <a:effectLst>
                   <a:outerShdw blurRad="63500" dist="38099" dir="2700000" algn="ctr" rotWithShape="0">
                     <a:srgbClr val="000000">
@@ -8939,14 +9190,14 @@
           <a:effectLst/>
           <a:extLst>
             <a:ext uri="{909E8E84-426E-40dd-AFC4-6F175D3DCCD1}">
-              <a14:hiddenFill xmlns:a14="http://schemas.microsoft.com/office/drawing/2010/main">
+              <a14:hiddenFill xmlns:a14="http://schemas.microsoft.com/office/drawing/2010/main" xmlns="">
                 <a:solidFill>
                   <a:srgbClr val="FFFFFF"/>
                 </a:solidFill>
               </a14:hiddenFill>
             </a:ext>
             <a:ext uri="{91240B29-F687-4f45-9708-019B960494DF}">
-              <a14:hiddenLine xmlns:a14="http://schemas.microsoft.com/office/drawing/2010/main" w="9525">
+              <a14:hiddenLine xmlns:a14="http://schemas.microsoft.com/office/drawing/2010/main" xmlns="" w="9525">
                 <a:solidFill>
                   <a:srgbClr val="000000"/>
                 </a:solidFill>
@@ -8956,7 +9207,7 @@
               </a14:hiddenLine>
             </a:ext>
             <a:ext uri="{AF507438-7753-43e0-B8FC-AC1667EBCBE1}">
-              <a14:hiddenEffects xmlns:a14="http://schemas.microsoft.com/office/drawing/2010/main">
+              <a14:hiddenEffects xmlns:a14="http://schemas.microsoft.com/office/drawing/2010/main" xmlns="">
                 <a:effectLst>
                   <a:outerShdw blurRad="63500" dist="38099" dir="2700000" algn="ctr" rotWithShape="0">
                     <a:schemeClr val="bg2">
@@ -8967,7 +9218,7 @@
               </a14:hiddenEffects>
             </a:ext>
             <a:ext uri="{FAA26D3D-D897-4be2-8F04-BA451C77F1D7}">
-              <ma14:placeholderFlag xmlns:ma14="http://schemas.microsoft.com/office/mac/drawingml/2011/main" val="1"/>
+              <ma14:placeholderFlag xmlns:ma14="http://schemas.microsoft.com/office/mac/drawingml/2011/main" xmlns="" val="1"/>
             </a:ext>
           </a:extLst>
         </p:spPr>
@@ -9042,14 +9293,14 @@
           <a:effectLst/>
           <a:extLst>
             <a:ext uri="{909E8E84-426E-40dd-AFC4-6F175D3DCCD1}">
-              <a14:hiddenFill xmlns:a14="http://schemas.microsoft.com/office/drawing/2010/main">
+              <a14:hiddenFill xmlns:a14="http://schemas.microsoft.com/office/drawing/2010/main" xmlns="">
                 <a:solidFill>
                   <a:srgbClr val="FFFFFF"/>
                 </a:solidFill>
               </a14:hiddenFill>
             </a:ext>
             <a:ext uri="{91240B29-F687-4f45-9708-019B960494DF}">
-              <a14:hiddenLine xmlns:a14="http://schemas.microsoft.com/office/drawing/2010/main" w="9525">
+              <a14:hiddenLine xmlns:a14="http://schemas.microsoft.com/office/drawing/2010/main" xmlns="" w="9525">
                 <a:solidFill>
                   <a:srgbClr val="000000"/>
                 </a:solidFill>
@@ -9059,7 +9310,7 @@
               </a14:hiddenLine>
             </a:ext>
             <a:ext uri="{AF507438-7753-43e0-B8FC-AC1667EBCBE1}">
-              <a14:hiddenEffects xmlns:a14="http://schemas.microsoft.com/office/drawing/2010/main">
+              <a14:hiddenEffects xmlns:a14="http://schemas.microsoft.com/office/drawing/2010/main" xmlns="">
                 <a:effectLst>
                   <a:outerShdw blurRad="63500" dist="38099" dir="2700000" algn="ctr" rotWithShape="0">
                     <a:schemeClr val="bg2">
@@ -9070,7 +9321,7 @@
               </a14:hiddenEffects>
             </a:ext>
             <a:ext uri="{FAA26D3D-D897-4be2-8F04-BA451C77F1D7}">
-              <ma14:placeholderFlag xmlns:ma14="http://schemas.microsoft.com/office/mac/drawingml/2011/main" val="1"/>
+              <ma14:placeholderFlag xmlns:ma14="http://schemas.microsoft.com/office/mac/drawingml/2011/main" xmlns="" val="1"/>
             </a:ext>
           </a:extLst>
         </p:spPr>
@@ -9297,7 +9548,7 @@
           <a:effectLst/>
           <a:extLst>
             <a:ext uri="{AF507438-7753-43e0-B8FC-AC1667EBCBE1}">
-              <a14:hiddenEffects xmlns:a14="http://schemas.microsoft.com/office/drawing/2010/main">
+              <a14:hiddenEffects xmlns:a14="http://schemas.microsoft.com/office/drawing/2010/main" xmlns="">
                 <a:effectLst>
                   <a:outerShdw blurRad="63500" dist="38099" dir="2700000" algn="ctr" rotWithShape="0">
                     <a:srgbClr val="000000">
@@ -9362,7 +9613,7 @@
           <a:effectLst/>
           <a:extLst>
             <a:ext uri="{909E8E84-426E-40dd-AFC4-6F175D3DCCD1}">
-              <a14:hiddenFill xmlns:a14="http://schemas.microsoft.com/office/drawing/2010/main">
+              <a14:hiddenFill xmlns:a14="http://schemas.microsoft.com/office/drawing/2010/main" xmlns="">
                 <a:blipFill dpi="0" rotWithShape="0">
                   <a:blip/>
                   <a:srcRect t="30431" b="29443"/>
@@ -9373,7 +9624,7 @@
               </a14:hiddenFill>
             </a:ext>
             <a:ext uri="{91240B29-F687-4f45-9708-019B960494DF}">
-              <a14:hiddenLine xmlns:a14="http://schemas.microsoft.com/office/drawing/2010/main" w="9525">
+              <a14:hiddenLine xmlns:a14="http://schemas.microsoft.com/office/drawing/2010/main" xmlns="" w="9525">
                 <a:solidFill>
                   <a:srgbClr val="000000"/>
                 </a:solidFill>
@@ -9383,7 +9634,7 @@
               </a14:hiddenLine>
             </a:ext>
             <a:ext uri="{AF507438-7753-43e0-B8FC-AC1667EBCBE1}">
-              <a14:hiddenEffects xmlns:a14="http://schemas.microsoft.com/office/drawing/2010/main">
+              <a14:hiddenEffects xmlns:a14="http://schemas.microsoft.com/office/drawing/2010/main" xmlns="">
                 <a:effectLst>
                   <a:outerShdw blurRad="63500" dist="38099" dir="2700000" algn="ctr" rotWithShape="0">
                     <a:srgbClr val="000000">
@@ -9426,7 +9677,7 @@
           <a:effectLst/>
           <a:extLst>
             <a:ext uri="{AF507438-7753-43e0-B8FC-AC1667EBCBE1}">
-              <a14:hiddenEffects xmlns:a14="http://schemas.microsoft.com/office/drawing/2010/main">
+              <a14:hiddenEffects xmlns:a14="http://schemas.microsoft.com/office/drawing/2010/main" xmlns="">
                 <a:effectLst>
                   <a:outerShdw blurRad="63500" dist="38099" dir="2700000" algn="ctr" rotWithShape="0">
                     <a:srgbClr val="000000">
@@ -9859,7 +10110,7 @@
           <a:effectLst/>
           <a:extLst>
             <a:ext uri="{AF507438-7753-43e0-B8FC-AC1667EBCBE1}">
-              <a14:hiddenEffects xmlns:a14="http://schemas.microsoft.com/office/drawing/2010/main">
+              <a14:hiddenEffects xmlns:a14="http://schemas.microsoft.com/office/drawing/2010/main" xmlns="">
                 <a:effectLst>
                   <a:outerShdw blurRad="63500" dist="38099" dir="2700000" algn="ctr" rotWithShape="0">
                     <a:srgbClr val="000000">
@@ -9924,7 +10175,7 @@
           <a:effectLst/>
           <a:extLst>
             <a:ext uri="{909E8E84-426E-40dd-AFC4-6F175D3DCCD1}">
-              <a14:hiddenFill xmlns:a14="http://schemas.microsoft.com/office/drawing/2010/main">
+              <a14:hiddenFill xmlns:a14="http://schemas.microsoft.com/office/drawing/2010/main" xmlns="">
                 <a:blipFill dpi="0" rotWithShape="0">
                   <a:blip/>
                   <a:srcRect t="30431" b="29443"/>
@@ -9935,7 +10186,7 @@
               </a14:hiddenFill>
             </a:ext>
             <a:ext uri="{91240B29-F687-4f45-9708-019B960494DF}">
-              <a14:hiddenLine xmlns:a14="http://schemas.microsoft.com/office/drawing/2010/main" w="9525">
+              <a14:hiddenLine xmlns:a14="http://schemas.microsoft.com/office/drawing/2010/main" xmlns="" w="9525">
                 <a:solidFill>
                   <a:srgbClr val="000000"/>
                 </a:solidFill>
@@ -9945,7 +10196,7 @@
               </a14:hiddenLine>
             </a:ext>
             <a:ext uri="{AF507438-7753-43e0-B8FC-AC1667EBCBE1}">
-              <a14:hiddenEffects xmlns:a14="http://schemas.microsoft.com/office/drawing/2010/main">
+              <a14:hiddenEffects xmlns:a14="http://schemas.microsoft.com/office/drawing/2010/main" xmlns="">
                 <a:effectLst>
                   <a:outerShdw blurRad="63500" dist="38099" dir="2700000" algn="ctr" rotWithShape="0">
                     <a:srgbClr val="000000">
@@ -9988,7 +10239,7 @@
           <a:effectLst/>
           <a:extLst>
             <a:ext uri="{AF507438-7753-43e0-B8FC-AC1667EBCBE1}">
-              <a14:hiddenEffects xmlns:a14="http://schemas.microsoft.com/office/drawing/2010/main">
+              <a14:hiddenEffects xmlns:a14="http://schemas.microsoft.com/office/drawing/2010/main" xmlns="">
                 <a:effectLst>
                   <a:outerShdw blurRad="63500" dist="38099" dir="2700000" algn="ctr" rotWithShape="0">
                     <a:srgbClr val="000000">
@@ -10269,14 +10520,14 @@
           <a:effectLst/>
           <a:extLst>
             <a:ext uri="{909E8E84-426E-40dd-AFC4-6F175D3DCCD1}">
-              <a14:hiddenFill xmlns:a14="http://schemas.microsoft.com/office/drawing/2010/main">
+              <a14:hiddenFill xmlns:a14="http://schemas.microsoft.com/office/drawing/2010/main" xmlns="">
                 <a:solidFill>
                   <a:srgbClr val="FFFFFF"/>
                 </a:solidFill>
               </a14:hiddenFill>
             </a:ext>
             <a:ext uri="{91240B29-F687-4f45-9708-019B960494DF}">
-              <a14:hiddenLine xmlns:a14="http://schemas.microsoft.com/office/drawing/2010/main" w="9525">
+              <a14:hiddenLine xmlns:a14="http://schemas.microsoft.com/office/drawing/2010/main" xmlns="" w="9525">
                 <a:solidFill>
                   <a:srgbClr val="000000"/>
                 </a:solidFill>
@@ -10286,7 +10537,7 @@
               </a14:hiddenLine>
             </a:ext>
             <a:ext uri="{AF507438-7753-43e0-B8FC-AC1667EBCBE1}">
-              <a14:hiddenEffects xmlns:a14="http://schemas.microsoft.com/office/drawing/2010/main">
+              <a14:hiddenEffects xmlns:a14="http://schemas.microsoft.com/office/drawing/2010/main" xmlns="">
                 <a:effectLst>
                   <a:outerShdw blurRad="63500" dist="38099" dir="2700000" algn="ctr" rotWithShape="0">
                     <a:schemeClr val="bg2">
@@ -10297,7 +10548,7 @@
               </a14:hiddenEffects>
             </a:ext>
             <a:ext uri="{FAA26D3D-D897-4be2-8F04-BA451C77F1D7}">
-              <ma14:placeholderFlag xmlns:ma14="http://schemas.microsoft.com/office/mac/drawingml/2011/main" val="1"/>
+              <ma14:placeholderFlag xmlns:ma14="http://schemas.microsoft.com/office/mac/drawingml/2011/main" xmlns="" val="1"/>
             </a:ext>
           </a:extLst>
         </p:spPr>
@@ -10372,14 +10623,14 @@
           <a:effectLst/>
           <a:extLst>
             <a:ext uri="{909E8E84-426E-40dd-AFC4-6F175D3DCCD1}">
-              <a14:hiddenFill xmlns:a14="http://schemas.microsoft.com/office/drawing/2010/main">
+              <a14:hiddenFill xmlns:a14="http://schemas.microsoft.com/office/drawing/2010/main" xmlns="">
                 <a:solidFill>
                   <a:srgbClr val="FFFFFF"/>
                 </a:solidFill>
               </a14:hiddenFill>
             </a:ext>
             <a:ext uri="{91240B29-F687-4f45-9708-019B960494DF}">
-              <a14:hiddenLine xmlns:a14="http://schemas.microsoft.com/office/drawing/2010/main" w="9525">
+              <a14:hiddenLine xmlns:a14="http://schemas.microsoft.com/office/drawing/2010/main" xmlns="" w="9525">
                 <a:solidFill>
                   <a:srgbClr val="000000"/>
                 </a:solidFill>
@@ -10389,7 +10640,7 @@
               </a14:hiddenLine>
             </a:ext>
             <a:ext uri="{AF507438-7753-43e0-B8FC-AC1667EBCBE1}">
-              <a14:hiddenEffects xmlns:a14="http://schemas.microsoft.com/office/drawing/2010/main">
+              <a14:hiddenEffects xmlns:a14="http://schemas.microsoft.com/office/drawing/2010/main" xmlns="">
                 <a:effectLst>
                   <a:outerShdw blurRad="63500" dist="38099" dir="2700000" algn="ctr" rotWithShape="0">
                     <a:schemeClr val="bg2">
@@ -10400,7 +10651,7 @@
               </a14:hiddenEffects>
             </a:ext>
             <a:ext uri="{FAA26D3D-D897-4be2-8F04-BA451C77F1D7}">
-              <ma14:placeholderFlag xmlns:ma14="http://schemas.microsoft.com/office/mac/drawingml/2011/main" val="1"/>
+              <ma14:placeholderFlag xmlns:ma14="http://schemas.microsoft.com/office/mac/drawingml/2011/main" xmlns="" val="1"/>
             </a:ext>
           </a:extLst>
         </p:spPr>
@@ -10627,7 +10878,7 @@
           <a:effectLst/>
           <a:extLst>
             <a:ext uri="{AF507438-7753-43e0-B8FC-AC1667EBCBE1}">
-              <a14:hiddenEffects xmlns:a14="http://schemas.microsoft.com/office/drawing/2010/main">
+              <a14:hiddenEffects xmlns:a14="http://schemas.microsoft.com/office/drawing/2010/main" xmlns="">
                 <a:effectLst>
                   <a:outerShdw blurRad="63500" dist="38099" dir="2700000" algn="ctr" rotWithShape="0">
                     <a:srgbClr val="000000">
@@ -10692,7 +10943,7 @@
           <a:effectLst/>
           <a:extLst>
             <a:ext uri="{909E8E84-426E-40dd-AFC4-6F175D3DCCD1}">
-              <a14:hiddenFill xmlns:a14="http://schemas.microsoft.com/office/drawing/2010/main">
+              <a14:hiddenFill xmlns:a14="http://schemas.microsoft.com/office/drawing/2010/main" xmlns="">
                 <a:blipFill dpi="0" rotWithShape="0">
                   <a:blip/>
                   <a:srcRect t="30431" b="29443"/>
@@ -10703,7 +10954,7 @@
               </a14:hiddenFill>
             </a:ext>
             <a:ext uri="{91240B29-F687-4f45-9708-019B960494DF}">
-              <a14:hiddenLine xmlns:a14="http://schemas.microsoft.com/office/drawing/2010/main" w="9525">
+              <a14:hiddenLine xmlns:a14="http://schemas.microsoft.com/office/drawing/2010/main" xmlns="" w="9525">
                 <a:solidFill>
                   <a:srgbClr val="000000"/>
                 </a:solidFill>
@@ -10713,7 +10964,7 @@
               </a14:hiddenLine>
             </a:ext>
             <a:ext uri="{AF507438-7753-43e0-B8FC-AC1667EBCBE1}">
-              <a14:hiddenEffects xmlns:a14="http://schemas.microsoft.com/office/drawing/2010/main">
+              <a14:hiddenEffects xmlns:a14="http://schemas.microsoft.com/office/drawing/2010/main" xmlns="">
                 <a:effectLst>
                   <a:outerShdw blurRad="63500" dist="38099" dir="2700000" algn="ctr" rotWithShape="0">
                     <a:srgbClr val="000000">
@@ -10756,7 +11007,7 @@
           <a:effectLst/>
           <a:extLst>
             <a:ext uri="{AF507438-7753-43e0-B8FC-AC1667EBCBE1}">
-              <a14:hiddenEffects xmlns:a14="http://schemas.microsoft.com/office/drawing/2010/main">
+              <a14:hiddenEffects xmlns:a14="http://schemas.microsoft.com/office/drawing/2010/main" xmlns="">
                 <a:effectLst>
                   <a:outerShdw blurRad="63500" dist="38099" dir="2700000" algn="ctr" rotWithShape="0">
                     <a:srgbClr val="000000">
@@ -11170,7 +11421,7 @@
           <a:effectLst/>
           <a:extLst>
             <a:ext uri="{909E8E84-426E-40dd-AFC4-6F175D3DCCD1}">
-              <a14:hiddenFill xmlns:a14="http://schemas.microsoft.com/office/drawing/2010/main">
+              <a14:hiddenFill xmlns:a14="http://schemas.microsoft.com/office/drawing/2010/main" xmlns="">
                 <a:blipFill dpi="0" rotWithShape="0">
                   <a:blip/>
                   <a:srcRect t="30431" b="29443"/>
@@ -11181,7 +11432,7 @@
               </a14:hiddenFill>
             </a:ext>
             <a:ext uri="{91240B29-F687-4f45-9708-019B960494DF}">
-              <a14:hiddenLine xmlns:a14="http://schemas.microsoft.com/office/drawing/2010/main" w="9525">
+              <a14:hiddenLine xmlns:a14="http://schemas.microsoft.com/office/drawing/2010/main" xmlns="" w="9525">
                 <a:solidFill>
                   <a:srgbClr val="000000"/>
                 </a:solidFill>
@@ -11191,7 +11442,7 @@
               </a14:hiddenLine>
             </a:ext>
             <a:ext uri="{AF507438-7753-43e0-B8FC-AC1667EBCBE1}">
-              <a14:hiddenEffects xmlns:a14="http://schemas.microsoft.com/office/drawing/2010/main">
+              <a14:hiddenEffects xmlns:a14="http://schemas.microsoft.com/office/drawing/2010/main" xmlns="">
                 <a:effectLst>
                   <a:outerShdw blurRad="63500" dist="38099" dir="2700000" algn="ctr" rotWithShape="0">
                     <a:srgbClr val="000000">
@@ -11308,7 +11559,7 @@
           <a:effectLst/>
           <a:extLst>
             <a:ext uri="{AF507438-7753-43e0-B8FC-AC1667EBCBE1}">
-              <a14:hiddenEffects xmlns:a14="http://schemas.microsoft.com/office/drawing/2010/main">
+              <a14:hiddenEffects xmlns:a14="http://schemas.microsoft.com/office/drawing/2010/main" xmlns="">
                 <a:effectLst>
                   <a:outerShdw blurRad="63500" dist="38099" dir="2700000" algn="ctr" rotWithShape="0">
                     <a:srgbClr val="000000">
@@ -11367,7 +11618,7 @@
           <a:effectLst/>
           <a:extLst>
             <a:ext uri="{AF507438-7753-43e0-B8FC-AC1667EBCBE1}">
-              <a14:hiddenEffects xmlns:a14="http://schemas.microsoft.com/office/drawing/2010/main">
+              <a14:hiddenEffects xmlns:a14="http://schemas.microsoft.com/office/drawing/2010/main" xmlns="">
                 <a:effectLst>
                   <a:outerShdw blurRad="63500" dist="38099" dir="2700000" algn="ctr" rotWithShape="0">
                     <a:srgbClr val="000000">
@@ -11660,7 +11911,7 @@
           <a:effectLst/>
           <a:extLst>
             <a:ext uri="{AF507438-7753-43e0-B8FC-AC1667EBCBE1}">
-              <a14:hiddenEffects xmlns:a14="http://schemas.microsoft.com/office/drawing/2010/main">
+              <a14:hiddenEffects xmlns:a14="http://schemas.microsoft.com/office/drawing/2010/main" xmlns="">
                 <a:effectLst>
                   <a:outerShdw blurRad="63500" dist="38099" dir="2700000" algn="ctr" rotWithShape="0">
                     <a:srgbClr val="000000">
@@ -11914,7 +12165,7 @@
           <a:effectLst/>
           <a:extLst>
             <a:ext uri="{909E8E84-426E-40dd-AFC4-6F175D3DCCD1}">
-              <a14:hiddenFill xmlns:a14="http://schemas.microsoft.com/office/drawing/2010/main">
+              <a14:hiddenFill xmlns:a14="http://schemas.microsoft.com/office/drawing/2010/main" xmlns="">
                 <a:blipFill dpi="0" rotWithShape="0">
                   <a:blip/>
                   <a:srcRect t="30431" b="29443"/>
@@ -11925,7 +12176,7 @@
               </a14:hiddenFill>
             </a:ext>
             <a:ext uri="{91240B29-F687-4f45-9708-019B960494DF}">
-              <a14:hiddenLine xmlns:a14="http://schemas.microsoft.com/office/drawing/2010/main" w="9525">
+              <a14:hiddenLine xmlns:a14="http://schemas.microsoft.com/office/drawing/2010/main" xmlns="" w="9525">
                 <a:solidFill>
                   <a:srgbClr val="000000"/>
                 </a:solidFill>
@@ -11935,7 +12186,7 @@
               </a14:hiddenLine>
             </a:ext>
             <a:ext uri="{AF507438-7753-43e0-B8FC-AC1667EBCBE1}">
-              <a14:hiddenEffects xmlns:a14="http://schemas.microsoft.com/office/drawing/2010/main">
+              <a14:hiddenEffects xmlns:a14="http://schemas.microsoft.com/office/drawing/2010/main" xmlns="">
                 <a:effectLst>
                   <a:outerShdw blurRad="63500" dist="38099" dir="2700000" algn="ctr" rotWithShape="0">
                     <a:srgbClr val="000000">
@@ -12052,7 +12303,7 @@
           <a:effectLst/>
           <a:extLst>
             <a:ext uri="{AF507438-7753-43e0-B8FC-AC1667EBCBE1}">
-              <a14:hiddenEffects xmlns:a14="http://schemas.microsoft.com/office/drawing/2010/main">
+              <a14:hiddenEffects xmlns:a14="http://schemas.microsoft.com/office/drawing/2010/main" xmlns="">
                 <a:effectLst>
                   <a:outerShdw blurRad="63500" dist="38099" dir="2700000" algn="ctr" rotWithShape="0">
                     <a:srgbClr val="000000">
@@ -12222,14 +12473,14 @@
           <a:effectLst/>
           <a:extLst>
             <a:ext uri="{909E8E84-426E-40dd-AFC4-6F175D3DCCD1}">
-              <a14:hiddenFill xmlns:a14="http://schemas.microsoft.com/office/drawing/2010/main">
+              <a14:hiddenFill xmlns:a14="http://schemas.microsoft.com/office/drawing/2010/main" xmlns="">
                 <a:solidFill>
                   <a:srgbClr val="FFFFFF"/>
                 </a:solidFill>
               </a14:hiddenFill>
             </a:ext>
             <a:ext uri="{91240B29-F687-4f45-9708-019B960494DF}">
-              <a14:hiddenLine xmlns:a14="http://schemas.microsoft.com/office/drawing/2010/main" w="9525">
+              <a14:hiddenLine xmlns:a14="http://schemas.microsoft.com/office/drawing/2010/main" xmlns="" w="9525">
                 <a:solidFill>
                   <a:srgbClr val="000000"/>
                 </a:solidFill>
@@ -12239,7 +12490,7 @@
               </a14:hiddenLine>
             </a:ext>
             <a:ext uri="{AF507438-7753-43e0-B8FC-AC1667EBCBE1}">
-              <a14:hiddenEffects xmlns:a14="http://schemas.microsoft.com/office/drawing/2010/main">
+              <a14:hiddenEffects xmlns:a14="http://schemas.microsoft.com/office/drawing/2010/main" xmlns="">
                 <a:effectLst>
                   <a:outerShdw blurRad="63500" dist="38099" dir="2700000" algn="ctr" rotWithShape="0">
                     <a:schemeClr val="bg2">
@@ -12250,7 +12501,7 @@
               </a14:hiddenEffects>
             </a:ext>
             <a:ext uri="{FAA26D3D-D897-4be2-8F04-BA451C77F1D7}">
-              <ma14:placeholderFlag xmlns:ma14="http://schemas.microsoft.com/office/mac/drawingml/2011/main" val="1"/>
+              <ma14:placeholderFlag xmlns:ma14="http://schemas.microsoft.com/office/mac/drawingml/2011/main" xmlns="" val="1"/>
             </a:ext>
           </a:extLst>
         </p:spPr>
@@ -12353,7 +12604,7 @@
           </a:ln>
           <a:extLst>
             <a:ext uri="{91240B29-F687-4f45-9708-019B960494DF}">
-              <a14:hiddenLine xmlns:a14="http://schemas.microsoft.com/office/drawing/2010/main" w="9525">
+              <a14:hiddenLine xmlns:a14="http://schemas.microsoft.com/office/drawing/2010/main" xmlns="" w="9525">
                 <a:solidFill>
                   <a:srgbClr val="000000"/>
                 </a:solidFill>
@@ -12363,7 +12614,7 @@
               </a14:hiddenLine>
             </a:ext>
             <a:ext uri="{FAA26D3D-D897-4be2-8F04-BA451C77F1D7}">
-              <ma14:placeholderFlag xmlns:ma14="http://schemas.microsoft.com/office/mac/drawingml/2011/main" val="1"/>
+              <ma14:placeholderFlag xmlns:ma14="http://schemas.microsoft.com/office/mac/drawingml/2011/main" xmlns="" val="1"/>
             </a:ext>
           </a:extLst>
         </p:spPr>
@@ -13179,7 +13430,7 @@
   <p:timing>
     <p:tnLst>
       <p:par>
-        <p:cTn xmlns:p14="http://schemas.microsoft.com/office/powerpoint/2010/main" id="1" dur="indefinite" restart="never" nodeType="tmRoot"/>
+        <p:cTn id="1" dur="indefinite" restart="never" nodeType="tmRoot"/>
       </p:par>
     </p:tnLst>
   </p:timing>
@@ -13292,14 +13543,14 @@
           <a:effectLst/>
           <a:extLst>
             <a:ext uri="{909E8E84-426E-40dd-AFC4-6F175D3DCCD1}">
-              <a14:hiddenFill xmlns:a14="http://schemas.microsoft.com/office/drawing/2010/main">
+              <a14:hiddenFill xmlns:a14="http://schemas.microsoft.com/office/drawing/2010/main" xmlns="">
                 <a:solidFill>
                   <a:srgbClr val="FFFFFF"/>
                 </a:solidFill>
               </a14:hiddenFill>
             </a:ext>
             <a:ext uri="{91240B29-F687-4f45-9708-019B960494DF}">
-              <a14:hiddenLine xmlns:a14="http://schemas.microsoft.com/office/drawing/2010/main" w="9525">
+              <a14:hiddenLine xmlns:a14="http://schemas.microsoft.com/office/drawing/2010/main" xmlns="" w="9525">
                 <a:solidFill>
                   <a:srgbClr val="000000"/>
                 </a:solidFill>
@@ -13309,7 +13560,7 @@
               </a14:hiddenLine>
             </a:ext>
             <a:ext uri="{AF507438-7753-43e0-B8FC-AC1667EBCBE1}">
-              <a14:hiddenEffects xmlns:a14="http://schemas.microsoft.com/office/drawing/2010/main">
+              <a14:hiddenEffects xmlns:a14="http://schemas.microsoft.com/office/drawing/2010/main" xmlns="">
                 <a:effectLst>
                   <a:outerShdw blurRad="63500" dist="38099" dir="2700000" algn="ctr" rotWithShape="0">
                     <a:schemeClr val="bg2">
@@ -13320,7 +13571,7 @@
               </a14:hiddenEffects>
             </a:ext>
             <a:ext uri="{FAA26D3D-D897-4be2-8F04-BA451C77F1D7}">
-              <ma14:placeholderFlag xmlns:ma14="http://schemas.microsoft.com/office/mac/drawingml/2011/main" val="1"/>
+              <ma14:placeholderFlag xmlns:ma14="http://schemas.microsoft.com/office/mac/drawingml/2011/main" xmlns="" val="1"/>
             </a:ext>
           </a:extLst>
         </p:spPr>
@@ -14120,7 +14371,7 @@
   <p:timing>
     <p:tnLst>
       <p:par>
-        <p:cTn xmlns:p14="http://schemas.microsoft.com/office/powerpoint/2010/main" id="1" dur="indefinite" restart="never" nodeType="tmRoot"/>
+        <p:cTn id="1" dur="indefinite" restart="never" nodeType="tmRoot"/>
       </p:par>
     </p:tnLst>
   </p:timing>
@@ -14257,7 +14508,7 @@
   <p:timing>
     <p:tnLst>
       <p:par>
-        <p:cTn xmlns:p14="http://schemas.microsoft.com/office/powerpoint/2010/main" id="1" dur="indefinite" restart="never" nodeType="tmRoot"/>
+        <p:cTn id="1" dur="indefinite" restart="never" nodeType="tmRoot"/>
       </p:par>
     </p:tnLst>
   </p:timing>
@@ -14468,7 +14719,7 @@
   <p:timing>
     <p:tnLst>
       <p:par>
-        <p:cTn xmlns:p14="http://schemas.microsoft.com/office/powerpoint/2010/main" id="1" dur="indefinite" restart="never" nodeType="tmRoot"/>
+        <p:cTn id="1" dur="indefinite" restart="never" nodeType="tmRoot"/>
       </p:par>
     </p:tnLst>
   </p:timing>
@@ -14760,7 +15011,7 @@
   <p:timing>
     <p:tnLst>
       <p:par>
-        <p:cTn xmlns:p14="http://schemas.microsoft.com/office/powerpoint/2010/main" id="1" dur="indefinite" restart="never" nodeType="tmRoot"/>
+        <p:cTn id="1" dur="indefinite" restart="never" nodeType="tmRoot"/>
       </p:par>
     </p:tnLst>
   </p:timing>
@@ -15112,7 +15363,7 @@
   <p:timing>
     <p:tnLst>
       <p:par>
-        <p:cTn xmlns:p14="http://schemas.microsoft.com/office/powerpoint/2010/main" id="1" dur="indefinite" restart="never" nodeType="tmRoot"/>
+        <p:cTn id="1" dur="indefinite" restart="never" nodeType="tmRoot"/>
       </p:par>
     </p:tnLst>
   </p:timing>
@@ -15245,7 +15496,7 @@
   <p:timing>
     <p:tnLst>
       <p:par>
-        <p:cTn xmlns:p14="http://schemas.microsoft.com/office/powerpoint/2010/main" id="1" dur="indefinite" restart="never" nodeType="tmRoot"/>
+        <p:cTn id="1" dur="indefinite" restart="never" nodeType="tmRoot"/>
       </p:par>
     </p:tnLst>
   </p:timing>
@@ -15451,7 +15702,7 @@
   <p:timing>
     <p:tnLst>
       <p:par>
-        <p:cTn xmlns:p14="http://schemas.microsoft.com/office/powerpoint/2010/main" id="1" dur="indefinite" restart="never" nodeType="tmRoot"/>
+        <p:cTn id="1" dur="indefinite" restart="never" nodeType="tmRoot"/>
       </p:par>
     </p:tnLst>
   </p:timing>
@@ -15884,7 +16135,7 @@
   <p:timing>
     <p:tnLst>
       <p:par>
-        <p:cTn xmlns:p14="http://schemas.microsoft.com/office/powerpoint/2010/main" id="1" dur="indefinite" restart="never" nodeType="tmRoot"/>
+        <p:cTn id="1" dur="indefinite" restart="never" nodeType="tmRoot"/>
       </p:par>
     </p:tnLst>
   </p:timing>
@@ -16368,7 +16619,7 @@
   <p:timing>
     <p:tnLst>
       <p:par>
-        <p:cTn xmlns:p14="http://schemas.microsoft.com/office/powerpoint/2010/main" id="1" dur="indefinite" restart="never" nodeType="tmRoot"/>
+        <p:cTn id="1" dur="indefinite" restart="never" nodeType="tmRoot"/>
       </p:par>
     </p:tnLst>
   </p:timing>
@@ -16861,7 +17112,7 @@
   <p:timing>
     <p:tnLst>
       <p:par>
-        <p:cTn xmlns:p14="http://schemas.microsoft.com/office/powerpoint/2010/main" id="1" dur="indefinite" restart="never" nodeType="tmRoot"/>
+        <p:cTn id="1" dur="indefinite" restart="never" nodeType="tmRoot"/>
       </p:par>
     </p:tnLst>
   </p:timing>
@@ -16971,7 +17222,7 @@
   <p:timing>
     <p:tnLst>
       <p:par>
-        <p:cTn xmlns:p14="http://schemas.microsoft.com/office/powerpoint/2010/main" id="1" dur="indefinite" restart="never" nodeType="tmRoot"/>
+        <p:cTn id="1" dur="indefinite" restart="never" nodeType="tmRoot"/>
       </p:par>
     </p:tnLst>
   </p:timing>
@@ -17600,7 +17851,7 @@
   <p:timing>
     <p:tnLst>
       <p:par>
-        <p:cTn xmlns:p14="http://schemas.microsoft.com/office/powerpoint/2010/main" id="1" dur="indefinite" restart="never" nodeType="tmRoot"/>
+        <p:cTn id="1" dur="indefinite" restart="never" nodeType="tmRoot"/>
       </p:par>
     </p:tnLst>
   </p:timing>
@@ -17805,7 +18056,7 @@
   <p:timing>
     <p:tnLst>
       <p:par>
-        <p:cTn xmlns:p14="http://schemas.microsoft.com/office/powerpoint/2010/main" id="1" dur="indefinite" restart="never" nodeType="tmRoot"/>
+        <p:cTn id="1" dur="indefinite" restart="never" nodeType="tmRoot"/>
       </p:par>
     </p:tnLst>
   </p:timing>
@@ -18012,7 +18263,7 @@
   <p:timing>
     <p:tnLst>
       <p:par>
-        <p:cTn xmlns:p14="http://schemas.microsoft.com/office/powerpoint/2010/main" id="1" dur="indefinite" restart="never" nodeType="tmRoot"/>
+        <p:cTn id="1" dur="indefinite" restart="never" nodeType="tmRoot"/>
       </p:par>
     </p:tnLst>
   </p:timing>
@@ -18327,7 +18578,7 @@
   <p:timing>
     <p:tnLst>
       <p:par>
-        <p:cTn xmlns:p14="http://schemas.microsoft.com/office/powerpoint/2010/main" id="1" dur="indefinite" restart="never" nodeType="tmRoot"/>
+        <p:cTn id="1" dur="indefinite" restart="never" nodeType="tmRoot"/>
       </p:par>
     </p:tnLst>
   </p:timing>
@@ -19345,7 +19596,7 @@
   <p:timing>
     <p:tnLst>
       <p:par>
-        <p:cTn xmlns:p14="http://schemas.microsoft.com/office/powerpoint/2010/main" id="1" dur="indefinite" restart="never" nodeType="tmRoot"/>
+        <p:cTn id="1" dur="indefinite" restart="never" nodeType="tmRoot"/>
       </p:par>
     </p:tnLst>
   </p:timing>
@@ -19534,7 +19785,7 @@
   <p:timing>
     <p:tnLst>
       <p:par>
-        <p:cTn xmlns:p14="http://schemas.microsoft.com/office/powerpoint/2010/main" id="1" dur="indefinite" restart="never" nodeType="tmRoot"/>
+        <p:cTn id="1" dur="indefinite" restart="never" nodeType="tmRoot"/>
       </p:par>
     </p:tnLst>
   </p:timing>
@@ -19717,7 +19968,7 @@
   <p:timing>
     <p:tnLst>
       <p:par>
-        <p:cTn xmlns:p14="http://schemas.microsoft.com/office/powerpoint/2010/main" id="1" dur="indefinite" restart="never" nodeType="tmRoot"/>
+        <p:cTn id="1" dur="indefinite" restart="never" nodeType="tmRoot"/>
       </p:par>
     </p:tnLst>
   </p:timing>
@@ -19908,7 +20159,7 @@
   <p:timing>
     <p:tnLst>
       <p:par>
-        <p:cTn xmlns:p14="http://schemas.microsoft.com/office/powerpoint/2010/main" id="1" dur="indefinite" restart="never" nodeType="tmRoot"/>
+        <p:cTn id="1" dur="indefinite" restart="never" nodeType="tmRoot"/>
       </p:par>
     </p:tnLst>
   </p:timing>
@@ -19945,7 +20196,7 @@
         <p:spPr/>
         <p:txBody>
           <a:bodyPr>
-            <a:normAutofit fontScale="70000" lnSpcReduction="20000"/>
+            <a:normAutofit fontScale="62500" lnSpcReduction="20000"/>
           </a:bodyPr>
           <a:lstStyle/>
           <a:p>
@@ -21302,7 +21553,7 @@
   <p:timing>
     <p:tnLst>
       <p:par>
-        <p:cTn xmlns:p14="http://schemas.microsoft.com/office/powerpoint/2010/main" id="1" dur="indefinite" restart="never" nodeType="tmRoot"/>
+        <p:cTn id="1" dur="indefinite" restart="never" nodeType="tmRoot"/>
       </p:par>
     </p:tnLst>
   </p:timing>
@@ -21515,7 +21766,7 @@
   <p:timing>
     <p:tnLst>
       <p:par>
-        <p:cTn xmlns:p14="http://schemas.microsoft.com/office/powerpoint/2010/main" id="1" dur="indefinite" restart="never" nodeType="tmRoot"/>
+        <p:cTn id="1" dur="indefinite" restart="never" nodeType="tmRoot"/>
       </p:par>
     </p:tnLst>
   </p:timing>
@@ -21800,7 +22051,7 @@
   <p:timing>
     <p:tnLst>
       <p:par>
-        <p:cTn xmlns:p14="http://schemas.microsoft.com/office/powerpoint/2010/main" id="1" dur="indefinite" restart="never" nodeType="tmRoot"/>
+        <p:cTn id="1" dur="indefinite" restart="never" nodeType="tmRoot"/>
       </p:par>
     </p:tnLst>
   </p:timing>
@@ -21923,7 +22174,7 @@
   <p:timing>
     <p:tnLst>
       <p:par>
-        <p:cTn xmlns:p14="http://schemas.microsoft.com/office/powerpoint/2010/main" id="1" dur="indefinite" restart="never" nodeType="tmRoot"/>
+        <p:cTn id="1" dur="indefinite" restart="never" nodeType="tmRoot"/>
       </p:par>
     </p:tnLst>
   </p:timing>
@@ -22002,7 +22253,7 @@
   <p:timing>
     <p:tnLst>
       <p:par>
-        <p:cTn xmlns:p14="http://schemas.microsoft.com/office/powerpoint/2010/main" id="1" dur="indefinite" restart="never" nodeType="tmRoot"/>
+        <p:cTn id="1" dur="indefinite" restart="never" nodeType="tmRoot"/>
       </p:par>
     </p:tnLst>
   </p:timing>
@@ -22192,7 +22443,7 @@
   <p:timing>
     <p:tnLst>
       <p:par>
-        <p:cTn xmlns:p14="http://schemas.microsoft.com/office/powerpoint/2010/main" id="1" dur="indefinite" restart="never" nodeType="tmRoot"/>
+        <p:cTn id="1" dur="indefinite" restart="never" nodeType="tmRoot"/>
       </p:par>
     </p:tnLst>
   </p:timing>
@@ -22373,7 +22624,7 @@
   <p:timing>
     <p:tnLst>
       <p:par>
-        <p:cTn xmlns:p14="http://schemas.microsoft.com/office/powerpoint/2010/main" id="1" dur="indefinite" restart="never" nodeType="tmRoot"/>
+        <p:cTn id="1" dur="indefinite" restart="never" nodeType="tmRoot"/>
       </p:par>
     </p:tnLst>
   </p:timing>
@@ -22527,7 +22778,7 @@
   <p:timing>
     <p:tnLst>
       <p:par>
-        <p:cTn xmlns:p14="http://schemas.microsoft.com/office/powerpoint/2010/main" id="1" dur="indefinite" restart="never" nodeType="tmRoot"/>
+        <p:cTn id="1" dur="indefinite" restart="never" nodeType="tmRoot"/>
       </p:par>
     </p:tnLst>
   </p:timing>
@@ -22678,7 +22929,7 @@
   <p:timing>
     <p:tnLst>
       <p:par>
-        <p:cTn xmlns:p14="http://schemas.microsoft.com/office/powerpoint/2010/main" id="1" dur="indefinite" restart="never" nodeType="tmRoot"/>
+        <p:cTn id="1" dur="indefinite" restart="never" nodeType="tmRoot"/>
       </p:par>
     </p:tnLst>
   </p:timing>
@@ -23343,7 +23594,7 @@
   <p:timing>
     <p:tnLst>
       <p:par>
-        <p:cTn xmlns:p14="http://schemas.microsoft.com/office/powerpoint/2010/main" id="1" dur="indefinite" restart="never" nodeType="tmRoot"/>
+        <p:cTn id="1" dur="indefinite" restart="never" nodeType="tmRoot"/>
       </p:par>
     </p:tnLst>
   </p:timing>
@@ -23797,7 +24048,7 @@
   <p:timing>
     <p:tnLst>
       <p:par>
-        <p:cTn xmlns:p14="http://schemas.microsoft.com/office/powerpoint/2010/main" id="1" dur="indefinite" restart="never" nodeType="tmRoot"/>
+        <p:cTn id="1" dur="indefinite" restart="never" nodeType="tmRoot"/>
       </p:par>
     </p:tnLst>
   </p:timing>
@@ -23950,7 +24201,7 @@
   <p:timing>
     <p:tnLst>
       <p:par>
-        <p:cTn xmlns:p14="http://schemas.microsoft.com/office/powerpoint/2010/main" id="1" dur="indefinite" restart="never" nodeType="tmRoot"/>
+        <p:cTn id="1" dur="indefinite" restart="never" nodeType="tmRoot"/>
       </p:par>
     </p:tnLst>
   </p:timing>
@@ -24083,7 +24334,7 @@
   <p:timing>
     <p:tnLst>
       <p:par>
-        <p:cTn xmlns:p14="http://schemas.microsoft.com/office/powerpoint/2010/main" id="1" dur="indefinite" restart="never" nodeType="tmRoot"/>
+        <p:cTn id="1" dur="indefinite" restart="never" nodeType="tmRoot"/>
       </p:par>
     </p:tnLst>
   </p:timing>
@@ -24334,7 +24585,7 @@
   <p:timing>
     <p:tnLst>
       <p:par>
-        <p:cTn xmlns:p14="http://schemas.microsoft.com/office/powerpoint/2010/main" id="1" dur="indefinite" restart="never" nodeType="tmRoot"/>
+        <p:cTn id="1" dur="indefinite" restart="never" nodeType="tmRoot"/>
       </p:par>
     </p:tnLst>
   </p:timing>
@@ -24360,109 +24611,45 @@
       </p:grpSpPr>
       <p:sp>
         <p:nvSpPr>
-          <p:cNvPr id="8" name="Content Placeholder 7"/>
+          <p:cNvPr id="2" name="Subtitle 1"/>
           <p:cNvSpPr>
             <a:spLocks noGrp="1"/>
           </p:cNvSpPr>
           <p:nvPr>
-            <p:ph idx="1"/>
+            <p:ph type="subTitle" idx="1"/>
           </p:nvPr>
         </p:nvSpPr>
         <p:spPr/>
         <p:txBody>
-          <a:bodyPr>
-            <a:normAutofit/>
-          </a:bodyPr>
-          <a:lstStyle/>
-          <a:p>
-            <a:r>
-              <a:rPr lang="en-US" dirty="0"/>
-              <a:t>CXF consumer is message payload agnostic</a:t>
-            </a:r>
-          </a:p>
-          <a:p>
-            <a:endParaRPr lang="en-US" dirty="0" smtClean="0"/>
-          </a:p>
+          <a:bodyPr/>
+          <a:lstStyle/>
+          <a:p>
+            <a:endParaRPr lang="en-US" dirty="0"/>
+          </a:p>
+        </p:txBody>
+      </p:sp>
+      <p:sp>
+        <p:nvSpPr>
+          <p:cNvPr id="3" name="Title 2"/>
+          <p:cNvSpPr>
+            <a:spLocks noGrp="1"/>
+          </p:cNvSpPr>
+          <p:nvPr>
+            <p:ph type="title"/>
+          </p:nvPr>
+        </p:nvSpPr>
+        <p:spPr/>
+        <p:txBody>
+          <a:bodyPr/>
+          <a:lstStyle/>
           <a:p>
             <a:r>
               <a:rPr lang="en-US" dirty="0" smtClean="0"/>
-              <a:t>Can </a:t>
-            </a:r>
-            <a:r>
-              <a:rPr lang="en-US" dirty="0"/>
-              <a:t>use a multitude of transports to consume web services</a:t>
-            </a:r>
-          </a:p>
-          <a:p>
-            <a:endParaRPr lang="en-US" dirty="0" smtClean="0"/>
-          </a:p>
-          <a:p>
+              <a:t>Apache </a:t>
+            </a:r>
             <a:r>
               <a:rPr lang="en-US" dirty="0" smtClean="0"/>
-              <a:t>The </a:t>
-            </a:r>
-            <a:r>
-              <a:rPr lang="en-US" dirty="0"/>
-              <a:t>bean component's configuration is simple</a:t>
-            </a:r>
-          </a:p>
-          <a:p>
-            <a:endParaRPr lang="en-US" dirty="0" smtClean="0"/>
-          </a:p>
-          <a:p>
-            <a:r>
-              <a:rPr lang="en-US" dirty="0" smtClean="0"/>
-              <a:t>Provides </a:t>
-            </a:r>
-            <a:r>
-              <a:rPr lang="en-US" dirty="0"/>
-              <a:t>the fastest method to implement web services</a:t>
-            </a:r>
-          </a:p>
-        </p:txBody>
-      </p:sp>
-      <p:sp>
-        <p:nvSpPr>
-          <p:cNvPr id="3" name="Slide Number Placeholder 2"/>
-          <p:cNvSpPr>
-            <a:spLocks noGrp="1"/>
-          </p:cNvSpPr>
-          <p:nvPr>
-            <p:ph type="sldNum" sz="quarter" idx="12"/>
-          </p:nvPr>
-        </p:nvSpPr>
-        <p:spPr/>
-        <p:txBody>
-          <a:bodyPr/>
-          <a:lstStyle/>
-          <a:p>
-            <a:fld id="{1A40E9E1-C3F8-9248-A7CF-5B8E3CA37E02}" type="slidenum">
-              <a:rPr lang="en-US" smtClean="0"/>
-              <a:pPr/>
-              <a:t>40</a:t>
-            </a:fld>
-            <a:endParaRPr lang="en-US"/>
-          </a:p>
-        </p:txBody>
-      </p:sp>
-      <p:sp>
-        <p:nvSpPr>
-          <p:cNvPr id="7" name="Title 6"/>
-          <p:cNvSpPr>
-            <a:spLocks noGrp="1"/>
-          </p:cNvSpPr>
-          <p:nvPr>
-            <p:ph type="title"/>
-          </p:nvPr>
-        </p:nvSpPr>
-        <p:spPr/>
-        <p:txBody>
-          <a:bodyPr/>
-          <a:lstStyle/>
-          <a:p>
-            <a:r>
-              <a:rPr lang="en-US" dirty="0" smtClean="0"/>
-              <a:t>Apache CXF</a:t>
+              <a:t>CXF</a:t>
             </a:r>
             <a:endParaRPr lang="en-US" dirty="0"/>
           </a:p>
@@ -24471,7 +24658,7 @@
     </p:spTree>
     <p:extLst>
       <p:ext uri="{BB962C8B-B14F-4D97-AF65-F5344CB8AC3E}">
-        <p14:creationId xmlns:p14="http://schemas.microsoft.com/office/powerpoint/2010/main" val="1500956016"/>
+        <p14:creationId xmlns:p14="http://schemas.microsoft.com/office/powerpoint/2010/main" val="1037911848"/>
       </p:ext>
     </p:extLst>
   </p:cSld>
@@ -24481,7 +24668,7 @@
   <p:timing>
     <p:tnLst>
       <p:par>
-        <p:cTn xmlns:p14="http://schemas.microsoft.com/office/powerpoint/2010/main" id="1" dur="indefinite" restart="never" nodeType="tmRoot"/>
+        <p:cTn id="1" dur="indefinite" restart="never" nodeType="tmRoot"/>
       </p:par>
     </p:tnLst>
   </p:timing>
@@ -24507,26 +24694,94 @@
       </p:grpSpPr>
       <p:sp>
         <p:nvSpPr>
-          <p:cNvPr id="2" name="Subtitle 1"/>
+          <p:cNvPr id="8" name="Content Placeholder 7"/>
           <p:cNvSpPr>
             <a:spLocks noGrp="1"/>
           </p:cNvSpPr>
           <p:nvPr>
-            <p:ph type="subTitle" idx="1"/>
+            <p:ph idx="1"/>
           </p:nvPr>
         </p:nvSpPr>
         <p:spPr/>
         <p:txBody>
+          <a:bodyPr>
+            <a:normAutofit/>
+          </a:bodyPr>
+          <a:lstStyle/>
+          <a:p>
+            <a:r>
+              <a:rPr lang="en-US" dirty="0"/>
+              <a:t>CXF consumer is message payload agnostic</a:t>
+            </a:r>
+          </a:p>
+          <a:p>
+            <a:endParaRPr lang="en-US" dirty="0" smtClean="0"/>
+          </a:p>
+          <a:p>
+            <a:r>
+              <a:rPr lang="en-US" dirty="0" smtClean="0"/>
+              <a:t>Can </a:t>
+            </a:r>
+            <a:r>
+              <a:rPr lang="en-US" dirty="0"/>
+              <a:t>use a multitude of transports to consume web services</a:t>
+            </a:r>
+          </a:p>
+          <a:p>
+            <a:endParaRPr lang="en-US" dirty="0" smtClean="0"/>
+          </a:p>
+          <a:p>
+            <a:r>
+              <a:rPr lang="en-US" dirty="0" smtClean="0"/>
+              <a:t>The </a:t>
+            </a:r>
+            <a:r>
+              <a:rPr lang="en-US" dirty="0"/>
+              <a:t>bean component's configuration is simple</a:t>
+            </a:r>
+          </a:p>
+          <a:p>
+            <a:endParaRPr lang="en-US" dirty="0" smtClean="0"/>
+          </a:p>
+          <a:p>
+            <a:r>
+              <a:rPr lang="en-US" dirty="0" smtClean="0"/>
+              <a:t>Provides </a:t>
+            </a:r>
+            <a:r>
+              <a:rPr lang="en-US" dirty="0"/>
+              <a:t>the fastest method to implement web services</a:t>
+            </a:r>
+          </a:p>
+        </p:txBody>
+      </p:sp>
+      <p:sp>
+        <p:nvSpPr>
+          <p:cNvPr id="3" name="Slide Number Placeholder 2"/>
+          <p:cNvSpPr>
+            <a:spLocks noGrp="1"/>
+          </p:cNvSpPr>
+          <p:nvPr>
+            <p:ph type="sldNum" sz="quarter" idx="12"/>
+          </p:nvPr>
+        </p:nvSpPr>
+        <p:spPr/>
+        <p:txBody>
           <a:bodyPr/>
           <a:lstStyle/>
           <a:p>
-            <a:endParaRPr lang="en-US" dirty="0"/>
-          </a:p>
-        </p:txBody>
-      </p:sp>
-      <p:sp>
-        <p:nvSpPr>
-          <p:cNvPr id="3" name="Title 2"/>
+            <a:fld id="{1A40E9E1-C3F8-9248-A7CF-5B8E3CA37E02}" type="slidenum">
+              <a:rPr lang="en-US" smtClean="0"/>
+              <a:pPr/>
+              <a:t>41</a:t>
+            </a:fld>
+            <a:endParaRPr lang="en-US"/>
+          </a:p>
+        </p:txBody>
+      </p:sp>
+      <p:sp>
+        <p:nvSpPr>
+          <p:cNvPr id="7" name="Title 6"/>
           <p:cNvSpPr>
             <a:spLocks noGrp="1"/>
           </p:cNvSpPr>
@@ -24541,11 +24796,7 @@
           <a:p>
             <a:r>
               <a:rPr lang="en-US" dirty="0" smtClean="0"/>
-              <a:t>Apache </a:t>
-            </a:r>
-            <a:r>
-              <a:rPr lang="en-US" dirty="0" err="1" smtClean="0"/>
-              <a:t>ActiveMQ</a:t>
+              <a:t>Apache CXF</a:t>
             </a:r>
             <a:endParaRPr lang="en-US" dirty="0"/>
           </a:p>
@@ -24554,7 +24805,7 @@
     </p:spTree>
     <p:extLst>
       <p:ext uri="{BB962C8B-B14F-4D97-AF65-F5344CB8AC3E}">
-        <p14:creationId xmlns:p14="http://schemas.microsoft.com/office/powerpoint/2010/main" val="1037911848"/>
+        <p14:creationId xmlns:p14="http://schemas.microsoft.com/office/powerpoint/2010/main" val="1500956016"/>
       </p:ext>
     </p:extLst>
   </p:cSld>
@@ -24564,7 +24815,7 @@
   <p:timing>
     <p:tnLst>
       <p:par>
-        <p:cTn xmlns:p14="http://schemas.microsoft.com/office/powerpoint/2010/main" id="1" dur="indefinite" restart="never" nodeType="tmRoot"/>
+        <p:cTn id="1" dur="indefinite" restart="never" nodeType="tmRoot"/>
       </p:par>
     </p:tnLst>
   </p:timing>
@@ -24598,82 +24849,1327 @@
             <p:ph idx="1"/>
           </p:nvPr>
         </p:nvSpPr>
-        <p:spPr/>
+        <p:spPr>
+          <a:xfrm>
+            <a:off x="317500" y="1506538"/>
+            <a:ext cx="8737600" cy="4862512"/>
+          </a:xfrm>
+        </p:spPr>
         <p:txBody>
           <a:bodyPr>
-            <a:normAutofit lnSpcReduction="10000"/>
+            <a:noAutofit/>
           </a:bodyPr>
           <a:lstStyle/>
           <a:p>
-            <a:r>
-              <a:rPr lang="en-US" dirty="0"/>
-              <a:t>Enterprise level messaging </a:t>
-            </a:r>
-            <a:r>
-              <a:rPr lang="en-US" dirty="0" smtClean="0"/>
-              <a:t>platform</a:t>
-            </a:r>
-          </a:p>
-          <a:p>
-            <a:endParaRPr lang="en-US" dirty="0"/>
-          </a:p>
-          <a:p>
-            <a:r>
-              <a:rPr lang="en-US" dirty="0"/>
-              <a:t>Designed for high performance clustering, client-server, peer based </a:t>
-            </a:r>
-            <a:r>
-              <a:rPr lang="en-US" dirty="0" smtClean="0"/>
-              <a:t>communication</a:t>
-            </a:r>
-          </a:p>
-          <a:p>
-            <a:endParaRPr lang="en-US" dirty="0"/>
-          </a:p>
-          <a:p>
-            <a:r>
-              <a:rPr lang="en-US" dirty="0"/>
-              <a:t>Supports a variety of Cross Language Clients and </a:t>
-            </a:r>
-            <a:r>
-              <a:rPr lang="en-US" dirty="0" smtClean="0"/>
-              <a:t>Protocols</a:t>
-            </a:r>
-          </a:p>
-          <a:p>
-            <a:endParaRPr lang="en-US" dirty="0"/>
-          </a:p>
-          <a:p>
-            <a:r>
-              <a:rPr lang="en-US" dirty="0"/>
-              <a:t>Easy to use with Enterprise Integration </a:t>
-            </a:r>
-            <a:r>
-              <a:rPr lang="en-US" dirty="0" smtClean="0"/>
-              <a:t>Patterns</a:t>
-            </a:r>
-          </a:p>
-          <a:p>
-            <a:endParaRPr lang="en-US" dirty="0"/>
-          </a:p>
-          <a:p>
-            <a:r>
-              <a:rPr lang="en-US" dirty="0"/>
-              <a:t>Fully supports the JMS 1.1 </a:t>
-            </a:r>
-            <a:r>
-              <a:rPr lang="en-US" dirty="0" smtClean="0"/>
-              <a:t>standard</a:t>
-            </a:r>
-          </a:p>
-          <a:p>
-            <a:endParaRPr lang="en-US" dirty="0"/>
-          </a:p>
-          <a:p>
-            <a:r>
-              <a:rPr lang="en-US" dirty="0"/>
-              <a:t>Very fast persistence with JDBC</a:t>
-            </a:r>
+            <a:pPr marL="11113" indent="0">
+              <a:buNone/>
+            </a:pPr>
+            <a:r>
+              <a:rPr lang="en-US" sz="1400" dirty="0">
+                <a:solidFill>
+                  <a:srgbClr val="00B050"/>
+                </a:solidFill>
+                <a:latin typeface="Courier New"/>
+                <a:cs typeface="Courier New"/>
+              </a:rPr>
+              <a:t>	</a:t>
+            </a:r>
+            <a:r>
+              <a:rPr lang="en-US" sz="1400" dirty="0" smtClean="0">
+                <a:solidFill>
+                  <a:srgbClr val="00B050"/>
+                </a:solidFill>
+                <a:latin typeface="Courier New"/>
+                <a:cs typeface="Courier New"/>
+              </a:rPr>
+              <a:t>&lt;</a:t>
+            </a:r>
+            <a:r>
+              <a:rPr lang="en-US" sz="1400" dirty="0" err="1" smtClean="0">
+                <a:solidFill>
+                  <a:srgbClr val="00B050"/>
+                </a:solidFill>
+                <a:latin typeface="Courier New"/>
+                <a:cs typeface="Courier New"/>
+              </a:rPr>
+              <a:t>cxf:cxfEndpoint</a:t>
+            </a:r>
+            <a:r>
+              <a:rPr lang="en-US" sz="1400" dirty="0" smtClean="0">
+                <a:solidFill>
+                  <a:srgbClr val="00B050"/>
+                </a:solidFill>
+                <a:latin typeface="Courier New"/>
+                <a:cs typeface="Courier New"/>
+              </a:rPr>
+              <a:t> </a:t>
+            </a:r>
+            <a:r>
+              <a:rPr lang="en-US" sz="1400" dirty="0" smtClean="0">
+                <a:solidFill>
+                  <a:schemeClr val="accent6">
+                    <a:lumMod val="60000"/>
+                    <a:lumOff val="40000"/>
+                  </a:schemeClr>
+                </a:solidFill>
+                <a:latin typeface="Courier New"/>
+                <a:cs typeface="Courier New"/>
+              </a:rPr>
+              <a:t>id</a:t>
+            </a:r>
+            <a:r>
+              <a:rPr lang="en-US" sz="1400" dirty="0" smtClean="0">
+                <a:solidFill>
+                  <a:srgbClr val="00B050"/>
+                </a:solidFill>
+                <a:latin typeface="Courier New"/>
+                <a:cs typeface="Courier New"/>
+              </a:rPr>
+              <a:t>=</a:t>
+            </a:r>
+            <a:r>
+              <a:rPr lang="en-US" sz="1400" dirty="0" smtClean="0">
+                <a:solidFill>
+                  <a:srgbClr val="0070C0"/>
+                </a:solidFill>
+                <a:latin typeface="Courier New"/>
+                <a:cs typeface="Courier New"/>
+              </a:rPr>
+              <a:t>"</a:t>
+            </a:r>
+            <a:r>
+              <a:rPr lang="en-US" sz="1400" dirty="0" err="1" smtClean="0">
+                <a:solidFill>
+                  <a:srgbClr val="0070C0"/>
+                </a:solidFill>
+                <a:latin typeface="Courier New"/>
+                <a:cs typeface="Courier New"/>
+              </a:rPr>
+              <a:t>routerEndpoint</a:t>
+            </a:r>
+            <a:r>
+              <a:rPr lang="en-US" sz="1400" dirty="0">
+                <a:solidFill>
+                  <a:srgbClr val="0070C0"/>
+                </a:solidFill>
+                <a:latin typeface="Courier New"/>
+                <a:cs typeface="Courier New"/>
+              </a:rPr>
+              <a:t>"</a:t>
+            </a:r>
+            <a:endParaRPr lang="en-US" sz="1400" dirty="0" smtClean="0">
+              <a:solidFill>
+                <a:srgbClr val="0070C0"/>
+              </a:solidFill>
+              <a:latin typeface="Courier New"/>
+              <a:cs typeface="Courier New"/>
+            </a:endParaRPr>
+          </a:p>
+          <a:p>
+            <a:pPr marL="11113" indent="0">
+              <a:buNone/>
+            </a:pPr>
+            <a:r>
+              <a:rPr lang="en-US" sz="1400" dirty="0" smtClean="0">
+                <a:solidFill>
+                  <a:schemeClr val="accent6">
+                    <a:lumMod val="60000"/>
+                    <a:lumOff val="40000"/>
+                  </a:schemeClr>
+                </a:solidFill>
+                <a:latin typeface="Courier New"/>
+                <a:cs typeface="Courier New"/>
+              </a:rPr>
+              <a:t>			address</a:t>
+            </a:r>
+            <a:r>
+              <a:rPr lang="en-US" sz="1400" dirty="0" smtClean="0">
+                <a:solidFill>
+                  <a:srgbClr val="00B050"/>
+                </a:solidFill>
+                <a:latin typeface="Courier New"/>
+                <a:cs typeface="Courier New"/>
+              </a:rPr>
+              <a:t>=</a:t>
+            </a:r>
+            <a:r>
+              <a:rPr lang="en-US" sz="1400" dirty="0">
+                <a:solidFill>
+                  <a:srgbClr val="0070C0"/>
+                </a:solidFill>
+                <a:latin typeface="Courier New"/>
+                <a:cs typeface="Courier New"/>
+              </a:rPr>
+              <a:t>"</a:t>
+            </a:r>
+            <a:r>
+              <a:rPr lang="en-US" sz="1400" dirty="0" smtClean="0">
+                <a:solidFill>
+                  <a:srgbClr val="0070C0"/>
+                </a:solidFill>
+                <a:latin typeface="Courier New"/>
+                <a:cs typeface="Courier New"/>
+              </a:rPr>
+              <a:t>http</a:t>
+            </a:r>
+            <a:r>
+              <a:rPr lang="en-US" sz="1400" dirty="0">
+                <a:solidFill>
+                  <a:srgbClr val="0070C0"/>
+                </a:solidFill>
+                <a:latin typeface="Courier New"/>
+                <a:cs typeface="Courier New"/>
+              </a:rPr>
+              <a:t>://</a:t>
+            </a:r>
+            <a:r>
+              <a:rPr lang="en-US" sz="1400" dirty="0" smtClean="0">
+                <a:solidFill>
+                  <a:srgbClr val="0070C0"/>
+                </a:solidFill>
+                <a:latin typeface="Courier New"/>
+                <a:cs typeface="Courier New"/>
+              </a:rPr>
+              <a:t>localhost:9003/</a:t>
+            </a:r>
+            <a:r>
+              <a:rPr lang="en-US" sz="1400" dirty="0" err="1" smtClean="0">
+                <a:solidFill>
+                  <a:srgbClr val="0070C0"/>
+                </a:solidFill>
+                <a:latin typeface="Courier New"/>
+                <a:cs typeface="Courier New"/>
+              </a:rPr>
+              <a:t>CamelContext</a:t>
+            </a:r>
+            <a:r>
+              <a:rPr lang="en-US" sz="1400" dirty="0" smtClean="0">
+                <a:solidFill>
+                  <a:srgbClr val="0070C0"/>
+                </a:solidFill>
+                <a:latin typeface="Courier New"/>
+                <a:cs typeface="Courier New"/>
+              </a:rPr>
+              <a:t>/</a:t>
+            </a:r>
+            <a:r>
+              <a:rPr lang="en-US" sz="1400" dirty="0" err="1" smtClean="0">
+                <a:solidFill>
+                  <a:srgbClr val="0070C0"/>
+                </a:solidFill>
+                <a:latin typeface="Courier New"/>
+                <a:cs typeface="Courier New"/>
+              </a:rPr>
+              <a:t>RouterPort</a:t>
+            </a:r>
+            <a:r>
+              <a:rPr lang="en-US" sz="1400" dirty="0">
+                <a:solidFill>
+                  <a:srgbClr val="0070C0"/>
+                </a:solidFill>
+                <a:latin typeface="Courier New"/>
+                <a:cs typeface="Courier New"/>
+              </a:rPr>
+              <a:t>"</a:t>
+            </a:r>
+            <a:endParaRPr lang="en-US" sz="1400" dirty="0" smtClean="0">
+              <a:solidFill>
+                <a:srgbClr val="0070C0"/>
+              </a:solidFill>
+              <a:latin typeface="Courier New"/>
+              <a:cs typeface="Courier New"/>
+            </a:endParaRPr>
+          </a:p>
+          <a:p>
+            <a:pPr marL="11113" indent="0">
+              <a:buNone/>
+            </a:pPr>
+            <a:r>
+              <a:rPr lang="en-US" sz="1400" dirty="0">
+                <a:solidFill>
+                  <a:srgbClr val="0070C0"/>
+                </a:solidFill>
+                <a:latin typeface="Courier New"/>
+                <a:cs typeface="Courier New"/>
+              </a:rPr>
+              <a:t>	</a:t>
+            </a:r>
+            <a:r>
+              <a:rPr lang="en-US" sz="1400" dirty="0" smtClean="0">
+                <a:solidFill>
+                  <a:srgbClr val="0070C0"/>
+                </a:solidFill>
+                <a:latin typeface="Courier New"/>
+                <a:cs typeface="Courier New"/>
+              </a:rPr>
+              <a:t>		</a:t>
+            </a:r>
+            <a:r>
+              <a:rPr lang="en-US" sz="1400" dirty="0" err="1" smtClean="0">
+                <a:solidFill>
+                  <a:schemeClr val="accent6">
+                    <a:lumMod val="60000"/>
+                    <a:lumOff val="40000"/>
+                  </a:schemeClr>
+                </a:solidFill>
+                <a:latin typeface="Courier New"/>
+                <a:cs typeface="Courier New"/>
+              </a:rPr>
+              <a:t>serviceClass</a:t>
+            </a:r>
+            <a:r>
+              <a:rPr lang="en-US" sz="1400" dirty="0">
+                <a:solidFill>
+                  <a:srgbClr val="00B050"/>
+                </a:solidFill>
+                <a:latin typeface="Courier New"/>
+                <a:cs typeface="Courier New"/>
+              </a:rPr>
+              <a:t>=</a:t>
+            </a:r>
+            <a:r>
+              <a:rPr lang="en-US" sz="1400" dirty="0">
+                <a:solidFill>
+                  <a:srgbClr val="0070C0"/>
+                </a:solidFill>
+                <a:latin typeface="Courier New"/>
+                <a:cs typeface="Courier New"/>
+              </a:rPr>
+              <a:t>"</a:t>
+            </a:r>
+            <a:r>
+              <a:rPr lang="en-US" sz="1400" dirty="0" err="1">
+                <a:solidFill>
+                  <a:srgbClr val="0070C0"/>
+                </a:solidFill>
+                <a:latin typeface="Courier New"/>
+                <a:cs typeface="Courier New"/>
+              </a:rPr>
+              <a:t>org.apache.hello_world_soap_http.GreeterImpl</a:t>
+            </a:r>
+            <a:r>
+              <a:rPr lang="en-US" sz="1400" dirty="0">
+                <a:solidFill>
+                  <a:srgbClr val="0070C0"/>
+                </a:solidFill>
+                <a:latin typeface="Courier New"/>
+                <a:cs typeface="Courier New"/>
+              </a:rPr>
+              <a:t>"</a:t>
+            </a:r>
+            <a:r>
+              <a:rPr lang="en-US" sz="1400" dirty="0">
+                <a:solidFill>
+                  <a:srgbClr val="00B050"/>
+                </a:solidFill>
+                <a:latin typeface="Courier New"/>
+                <a:cs typeface="Courier New"/>
+              </a:rPr>
+              <a:t>/&gt;</a:t>
+            </a:r>
+          </a:p>
+          <a:p>
+            <a:pPr marL="11113" indent="0">
+              <a:buNone/>
+            </a:pPr>
+            <a:r>
+              <a:rPr lang="en-US" sz="1400" dirty="0">
+                <a:solidFill>
+                  <a:srgbClr val="00B050"/>
+                </a:solidFill>
+                <a:latin typeface="Courier New"/>
+                <a:cs typeface="Courier New"/>
+              </a:rPr>
+              <a:t>     &lt;</a:t>
+            </a:r>
+            <a:r>
+              <a:rPr lang="en-US" sz="1400" dirty="0" err="1">
+                <a:solidFill>
+                  <a:srgbClr val="00B050"/>
+                </a:solidFill>
+                <a:latin typeface="Courier New"/>
+                <a:cs typeface="Courier New"/>
+              </a:rPr>
+              <a:t>cxf:cxfEndpoint</a:t>
+            </a:r>
+            <a:r>
+              <a:rPr lang="en-US" sz="1400" dirty="0">
+                <a:solidFill>
+                  <a:srgbClr val="00B050"/>
+                </a:solidFill>
+                <a:latin typeface="Courier New"/>
+                <a:cs typeface="Courier New"/>
+              </a:rPr>
+              <a:t> </a:t>
+            </a:r>
+            <a:r>
+              <a:rPr lang="en-US" sz="1400" dirty="0">
+                <a:solidFill>
+                  <a:schemeClr val="accent6">
+                    <a:lumMod val="60000"/>
+                    <a:lumOff val="40000"/>
+                  </a:schemeClr>
+                </a:solidFill>
+                <a:latin typeface="Courier New"/>
+                <a:cs typeface="Courier New"/>
+              </a:rPr>
+              <a:t>id</a:t>
+            </a:r>
+            <a:r>
+              <a:rPr lang="en-US" sz="1400" dirty="0">
+                <a:solidFill>
+                  <a:srgbClr val="00B050"/>
+                </a:solidFill>
+                <a:latin typeface="Courier New"/>
+                <a:cs typeface="Courier New"/>
+              </a:rPr>
+              <a:t>=</a:t>
+            </a:r>
+            <a:r>
+              <a:rPr lang="en-US" sz="1400" dirty="0">
+                <a:solidFill>
+                  <a:srgbClr val="0070C0"/>
+                </a:solidFill>
+                <a:latin typeface="Courier New"/>
+                <a:cs typeface="Courier New"/>
+              </a:rPr>
+              <a:t>"</a:t>
+            </a:r>
+            <a:r>
+              <a:rPr lang="en-US" sz="1400" dirty="0" err="1" smtClean="0">
+                <a:solidFill>
+                  <a:srgbClr val="0070C0"/>
+                </a:solidFill>
+                <a:latin typeface="Courier New"/>
+                <a:cs typeface="Courier New"/>
+              </a:rPr>
+              <a:t>serviceEndpoint</a:t>
+            </a:r>
+            <a:r>
+              <a:rPr lang="en-US" sz="1400" dirty="0">
+                <a:solidFill>
+                  <a:srgbClr val="0070C0"/>
+                </a:solidFill>
+                <a:latin typeface="Courier New"/>
+                <a:cs typeface="Courier New"/>
+              </a:rPr>
+              <a:t>"</a:t>
+            </a:r>
+            <a:endParaRPr lang="en-US" sz="1400" dirty="0" smtClean="0">
+              <a:solidFill>
+                <a:srgbClr val="0070C0"/>
+              </a:solidFill>
+              <a:latin typeface="Courier New"/>
+              <a:cs typeface="Courier New"/>
+            </a:endParaRPr>
+          </a:p>
+          <a:p>
+            <a:pPr marL="11113" indent="0">
+              <a:buNone/>
+            </a:pPr>
+            <a:r>
+              <a:rPr lang="en-US" sz="1400" dirty="0">
+                <a:solidFill>
+                  <a:srgbClr val="0070C0"/>
+                </a:solidFill>
+                <a:latin typeface="Courier New"/>
+                <a:cs typeface="Courier New"/>
+              </a:rPr>
+              <a:t>	</a:t>
+            </a:r>
+            <a:r>
+              <a:rPr lang="en-US" sz="1400" dirty="0" smtClean="0">
+                <a:solidFill>
+                  <a:srgbClr val="0070C0"/>
+                </a:solidFill>
+                <a:latin typeface="Courier New"/>
+                <a:cs typeface="Courier New"/>
+              </a:rPr>
+              <a:t>		</a:t>
+            </a:r>
+            <a:r>
+              <a:rPr lang="en-US" sz="1400" dirty="0" smtClean="0">
+                <a:solidFill>
+                  <a:schemeClr val="accent6">
+                    <a:lumMod val="60000"/>
+                    <a:lumOff val="40000"/>
+                  </a:schemeClr>
+                </a:solidFill>
+                <a:latin typeface="Courier New"/>
+                <a:cs typeface="Courier New"/>
+              </a:rPr>
+              <a:t>address</a:t>
+            </a:r>
+            <a:r>
+              <a:rPr lang="en-US" sz="1400" dirty="0" smtClean="0">
+                <a:solidFill>
+                  <a:srgbClr val="00B050"/>
+                </a:solidFill>
+                <a:latin typeface="Courier New"/>
+                <a:cs typeface="Courier New"/>
+              </a:rPr>
+              <a:t>=</a:t>
+            </a:r>
+            <a:r>
+              <a:rPr lang="en-US" sz="1400" dirty="0">
+                <a:solidFill>
+                  <a:srgbClr val="0070C0"/>
+                </a:solidFill>
+                <a:latin typeface="Courier New"/>
+                <a:cs typeface="Courier New"/>
+              </a:rPr>
+              <a:t>"</a:t>
+            </a:r>
+            <a:r>
+              <a:rPr lang="en-US" sz="1400" dirty="0" smtClean="0">
+                <a:solidFill>
+                  <a:srgbClr val="0070C0"/>
+                </a:solidFill>
+                <a:latin typeface="Courier New"/>
+                <a:cs typeface="Courier New"/>
+              </a:rPr>
+              <a:t>http</a:t>
+            </a:r>
+            <a:r>
+              <a:rPr lang="en-US" sz="1400" dirty="0">
+                <a:solidFill>
+                  <a:srgbClr val="0070C0"/>
+                </a:solidFill>
+                <a:latin typeface="Courier New"/>
+                <a:cs typeface="Courier New"/>
+              </a:rPr>
+              <a:t>://</a:t>
+            </a:r>
+            <a:r>
+              <a:rPr lang="en-US" sz="1400" dirty="0" smtClean="0">
+                <a:solidFill>
+                  <a:srgbClr val="0070C0"/>
+                </a:solidFill>
+                <a:latin typeface="Courier New"/>
+                <a:cs typeface="Courier New"/>
+              </a:rPr>
+              <a:t>localhost:9000/</a:t>
+            </a:r>
+            <a:r>
+              <a:rPr lang="en-US" sz="1400" dirty="0" err="1" smtClean="0">
+                <a:solidFill>
+                  <a:srgbClr val="0070C0"/>
+                </a:solidFill>
+                <a:latin typeface="Courier New"/>
+                <a:cs typeface="Courier New"/>
+              </a:rPr>
+              <a:t>SoapContext</a:t>
+            </a:r>
+            <a:r>
+              <a:rPr lang="en-US" sz="1400" dirty="0" smtClean="0">
+                <a:solidFill>
+                  <a:srgbClr val="0070C0"/>
+                </a:solidFill>
+                <a:latin typeface="Courier New"/>
+                <a:cs typeface="Courier New"/>
+              </a:rPr>
+              <a:t>/</a:t>
+            </a:r>
+            <a:r>
+              <a:rPr lang="en-US" sz="1400" dirty="0" err="1" smtClean="0">
+                <a:solidFill>
+                  <a:srgbClr val="0070C0"/>
+                </a:solidFill>
+                <a:latin typeface="Courier New"/>
+                <a:cs typeface="Courier New"/>
+              </a:rPr>
+              <a:t>SoapPort</a:t>
+            </a:r>
+            <a:r>
+              <a:rPr lang="en-US" sz="1400" dirty="0">
+                <a:solidFill>
+                  <a:srgbClr val="0070C0"/>
+                </a:solidFill>
+                <a:latin typeface="Courier New"/>
+                <a:cs typeface="Courier New"/>
+              </a:rPr>
+              <a:t>"</a:t>
+            </a:r>
+            <a:endParaRPr lang="en-US" sz="1400" dirty="0" smtClean="0">
+              <a:solidFill>
+                <a:srgbClr val="0070C0"/>
+              </a:solidFill>
+              <a:latin typeface="Courier New"/>
+              <a:cs typeface="Courier New"/>
+            </a:endParaRPr>
+          </a:p>
+          <a:p>
+            <a:pPr marL="11113" indent="0">
+              <a:buNone/>
+            </a:pPr>
+            <a:r>
+              <a:rPr lang="en-US" sz="1400" dirty="0" smtClean="0">
+                <a:solidFill>
+                  <a:schemeClr val="accent6">
+                    <a:lumMod val="60000"/>
+                    <a:lumOff val="40000"/>
+                  </a:schemeClr>
+                </a:solidFill>
+                <a:latin typeface="Courier New"/>
+                <a:cs typeface="Courier New"/>
+              </a:rPr>
+              <a:t>			</a:t>
+            </a:r>
+            <a:r>
+              <a:rPr lang="en-US" sz="1400" dirty="0" err="1" smtClean="0">
+                <a:solidFill>
+                  <a:schemeClr val="accent6">
+                    <a:lumMod val="60000"/>
+                    <a:lumOff val="40000"/>
+                  </a:schemeClr>
+                </a:solidFill>
+                <a:latin typeface="Courier New"/>
+                <a:cs typeface="Courier New"/>
+              </a:rPr>
+              <a:t>wsdlURL</a:t>
+            </a:r>
+            <a:r>
+              <a:rPr lang="en-US" sz="1400" dirty="0" smtClean="0">
+                <a:solidFill>
+                  <a:srgbClr val="00B050"/>
+                </a:solidFill>
+                <a:latin typeface="Courier New"/>
+                <a:cs typeface="Courier New"/>
+              </a:rPr>
+              <a:t>=</a:t>
+            </a:r>
+            <a:r>
+              <a:rPr lang="en-US" sz="1400" dirty="0" smtClean="0">
+                <a:solidFill>
+                  <a:srgbClr val="0070C0"/>
+                </a:solidFill>
+                <a:latin typeface="Courier New"/>
+                <a:cs typeface="Courier New"/>
+              </a:rPr>
+              <a:t>"</a:t>
+            </a:r>
+            <a:r>
+              <a:rPr lang="en-US" sz="1400" dirty="0" err="1" smtClean="0">
+                <a:solidFill>
+                  <a:srgbClr val="0070C0"/>
+                </a:solidFill>
+                <a:latin typeface="Courier New"/>
+                <a:cs typeface="Courier New"/>
+              </a:rPr>
+              <a:t>testutils</a:t>
+            </a:r>
+            <a:r>
+              <a:rPr lang="en-US" sz="1400" dirty="0" smtClean="0">
+                <a:solidFill>
+                  <a:srgbClr val="0070C0"/>
+                </a:solidFill>
+                <a:latin typeface="Courier New"/>
+                <a:cs typeface="Courier New"/>
+              </a:rPr>
+              <a:t>/</a:t>
+            </a:r>
+            <a:r>
+              <a:rPr lang="en-US" sz="1400" dirty="0" err="1" smtClean="0">
+                <a:solidFill>
+                  <a:srgbClr val="0070C0"/>
+                </a:solidFill>
+                <a:latin typeface="Courier New"/>
+                <a:cs typeface="Courier New"/>
+              </a:rPr>
+              <a:t>hello_world.wsdl</a:t>
+            </a:r>
+            <a:r>
+              <a:rPr lang="en-US" sz="1400" dirty="0">
+                <a:solidFill>
+                  <a:srgbClr val="0070C0"/>
+                </a:solidFill>
+                <a:latin typeface="Courier New"/>
+                <a:cs typeface="Courier New"/>
+              </a:rPr>
+              <a:t>"</a:t>
+            </a:r>
+            <a:endParaRPr lang="en-US" sz="1400" dirty="0" smtClean="0">
+              <a:solidFill>
+                <a:srgbClr val="0070C0"/>
+              </a:solidFill>
+              <a:latin typeface="Courier New"/>
+              <a:cs typeface="Courier New"/>
+            </a:endParaRPr>
+          </a:p>
+          <a:p>
+            <a:pPr marL="11113" indent="0">
+              <a:buNone/>
+            </a:pPr>
+            <a:r>
+              <a:rPr lang="en-US" sz="1400" dirty="0">
+                <a:solidFill>
+                  <a:srgbClr val="0070C0"/>
+                </a:solidFill>
+                <a:latin typeface="Courier New"/>
+                <a:cs typeface="Courier New"/>
+              </a:rPr>
+              <a:t>	</a:t>
+            </a:r>
+            <a:r>
+              <a:rPr lang="en-US" sz="1400" dirty="0" smtClean="0">
+                <a:solidFill>
+                  <a:srgbClr val="0070C0"/>
+                </a:solidFill>
+                <a:latin typeface="Courier New"/>
+                <a:cs typeface="Courier New"/>
+              </a:rPr>
+              <a:t>		</a:t>
+            </a:r>
+            <a:r>
+              <a:rPr lang="en-US" sz="1400" dirty="0" err="1" smtClean="0">
+                <a:solidFill>
+                  <a:schemeClr val="accent6">
+                    <a:lumMod val="60000"/>
+                    <a:lumOff val="40000"/>
+                  </a:schemeClr>
+                </a:solidFill>
+                <a:latin typeface="Courier New"/>
+                <a:cs typeface="Courier New"/>
+              </a:rPr>
+              <a:t>serviceClass</a:t>
+            </a:r>
+            <a:r>
+              <a:rPr lang="en-US" sz="1400" dirty="0" smtClean="0">
+                <a:solidFill>
+                  <a:srgbClr val="00B050"/>
+                </a:solidFill>
+                <a:latin typeface="Courier New"/>
+                <a:cs typeface="Courier New"/>
+              </a:rPr>
+              <a:t>=</a:t>
+            </a:r>
+            <a:r>
+              <a:rPr lang="en-US" sz="1400" dirty="0" smtClean="0">
+                <a:solidFill>
+                  <a:srgbClr val="0070C0"/>
+                </a:solidFill>
+                <a:latin typeface="Courier New"/>
+                <a:cs typeface="Courier New"/>
+              </a:rPr>
+              <a:t>"</a:t>
+            </a:r>
+            <a:r>
+              <a:rPr lang="en-US" sz="1400" dirty="0" err="1" smtClean="0">
+                <a:solidFill>
+                  <a:srgbClr val="0070C0"/>
+                </a:solidFill>
+                <a:latin typeface="Courier New"/>
+                <a:cs typeface="Courier New"/>
+              </a:rPr>
+              <a:t>org.apache.hello_world_soap_http.Greeter</a:t>
+            </a:r>
+            <a:r>
+              <a:rPr lang="en-US" sz="1400" dirty="0">
+                <a:solidFill>
+                  <a:srgbClr val="0070C0"/>
+                </a:solidFill>
+                <a:latin typeface="Courier New"/>
+                <a:cs typeface="Courier New"/>
+              </a:rPr>
+              <a:t>"</a:t>
+            </a:r>
+            <a:endParaRPr lang="en-US" sz="1400" dirty="0" smtClean="0">
+              <a:solidFill>
+                <a:srgbClr val="0070C0"/>
+              </a:solidFill>
+              <a:latin typeface="Courier New"/>
+              <a:cs typeface="Courier New"/>
+            </a:endParaRPr>
+          </a:p>
+          <a:p>
+            <a:pPr marL="11113" indent="0">
+              <a:buNone/>
+            </a:pPr>
+            <a:r>
+              <a:rPr lang="en-US" sz="1400" dirty="0">
+                <a:solidFill>
+                  <a:srgbClr val="0070C0"/>
+                </a:solidFill>
+                <a:latin typeface="Courier New"/>
+                <a:cs typeface="Courier New"/>
+              </a:rPr>
+              <a:t>	</a:t>
+            </a:r>
+            <a:r>
+              <a:rPr lang="en-US" sz="1400" dirty="0" smtClean="0">
+                <a:solidFill>
+                  <a:srgbClr val="0070C0"/>
+                </a:solidFill>
+                <a:latin typeface="Courier New"/>
+                <a:cs typeface="Courier New"/>
+              </a:rPr>
+              <a:t>		</a:t>
+            </a:r>
+            <a:r>
+              <a:rPr lang="en-US" sz="1400" dirty="0" err="1" smtClean="0">
+                <a:solidFill>
+                  <a:schemeClr val="accent6">
+                    <a:lumMod val="60000"/>
+                    <a:lumOff val="40000"/>
+                  </a:schemeClr>
+                </a:solidFill>
+                <a:latin typeface="Courier New"/>
+                <a:cs typeface="Courier New"/>
+              </a:rPr>
+              <a:t>endpointName</a:t>
+            </a:r>
+            <a:r>
+              <a:rPr lang="en-US" sz="1400" dirty="0">
+                <a:solidFill>
+                  <a:srgbClr val="00B050"/>
+                </a:solidFill>
+                <a:latin typeface="Courier New"/>
+                <a:cs typeface="Courier New"/>
+              </a:rPr>
+              <a:t>=</a:t>
+            </a:r>
+            <a:r>
+              <a:rPr lang="en-US" sz="1400" dirty="0">
+                <a:solidFill>
+                  <a:srgbClr val="0070C0"/>
+                </a:solidFill>
+                <a:latin typeface="Courier New"/>
+                <a:cs typeface="Courier New"/>
+              </a:rPr>
+              <a:t>"</a:t>
+            </a:r>
+            <a:r>
+              <a:rPr lang="en-US" sz="1400" dirty="0" smtClean="0">
+                <a:solidFill>
+                  <a:srgbClr val="0070C0"/>
+                </a:solidFill>
+                <a:latin typeface="Courier New"/>
+                <a:cs typeface="Courier New"/>
+              </a:rPr>
+              <a:t>s:SoapPort</a:t>
+            </a:r>
+            <a:r>
+              <a:rPr lang="en-US" sz="1400" dirty="0">
+                <a:solidFill>
+                  <a:srgbClr val="0070C0"/>
+                </a:solidFill>
+                <a:latin typeface="Courier New"/>
+                <a:cs typeface="Courier New"/>
+              </a:rPr>
+              <a:t>"</a:t>
+            </a:r>
+            <a:endParaRPr lang="en-US" sz="1400" dirty="0" smtClean="0">
+              <a:solidFill>
+                <a:srgbClr val="0070C0"/>
+              </a:solidFill>
+              <a:latin typeface="Courier New"/>
+              <a:cs typeface="Courier New"/>
+            </a:endParaRPr>
+          </a:p>
+          <a:p>
+            <a:pPr marL="11113" indent="0">
+              <a:buNone/>
+            </a:pPr>
+            <a:r>
+              <a:rPr lang="en-US" sz="1400" dirty="0">
+                <a:solidFill>
+                  <a:srgbClr val="0070C0"/>
+                </a:solidFill>
+                <a:latin typeface="Courier New"/>
+                <a:cs typeface="Courier New"/>
+              </a:rPr>
+              <a:t>	</a:t>
+            </a:r>
+            <a:r>
+              <a:rPr lang="en-US" sz="1400" dirty="0" smtClean="0">
+                <a:solidFill>
+                  <a:srgbClr val="0070C0"/>
+                </a:solidFill>
+                <a:latin typeface="Courier New"/>
+                <a:cs typeface="Courier New"/>
+              </a:rPr>
+              <a:t>		</a:t>
+            </a:r>
+            <a:r>
+              <a:rPr lang="en-US" sz="1400" dirty="0" err="1" smtClean="0">
+                <a:solidFill>
+                  <a:schemeClr val="accent6">
+                    <a:lumMod val="60000"/>
+                    <a:lumOff val="40000"/>
+                  </a:schemeClr>
+                </a:solidFill>
+                <a:latin typeface="Courier New"/>
+                <a:cs typeface="Courier New"/>
+              </a:rPr>
+              <a:t>serviceName</a:t>
+            </a:r>
+            <a:r>
+              <a:rPr lang="en-US" sz="1400" dirty="0">
+                <a:solidFill>
+                  <a:srgbClr val="00B050"/>
+                </a:solidFill>
+                <a:latin typeface="Courier New"/>
+                <a:cs typeface="Courier New"/>
+              </a:rPr>
+              <a:t>=</a:t>
+            </a:r>
+            <a:r>
+              <a:rPr lang="en-US" sz="1400" dirty="0">
+                <a:solidFill>
+                  <a:srgbClr val="0070C0"/>
+                </a:solidFill>
+                <a:latin typeface="Courier New"/>
+                <a:cs typeface="Courier New"/>
+              </a:rPr>
+              <a:t>"</a:t>
+            </a:r>
+            <a:r>
+              <a:rPr lang="en-US" sz="1400" dirty="0" smtClean="0">
+                <a:solidFill>
+                  <a:srgbClr val="0070C0"/>
+                </a:solidFill>
+                <a:latin typeface="Courier New"/>
+                <a:cs typeface="Courier New"/>
+              </a:rPr>
+              <a:t>s:SOAPService</a:t>
+            </a:r>
+            <a:r>
+              <a:rPr lang="en-US" sz="1400" dirty="0">
+                <a:solidFill>
+                  <a:srgbClr val="0070C0"/>
+                </a:solidFill>
+                <a:latin typeface="Courier New"/>
+                <a:cs typeface="Courier New"/>
+              </a:rPr>
+              <a:t>"</a:t>
+            </a:r>
+          </a:p>
+          <a:p>
+            <a:pPr marL="11113" indent="0">
+              <a:buNone/>
+            </a:pPr>
+            <a:r>
+              <a:rPr lang="en-US" sz="1400" dirty="0" smtClean="0">
+                <a:solidFill>
+                  <a:srgbClr val="00B050"/>
+                </a:solidFill>
+                <a:latin typeface="Courier New"/>
+                <a:cs typeface="Courier New"/>
+              </a:rPr>
+              <a:t>			</a:t>
+            </a:r>
+            <a:r>
+              <a:rPr lang="en-US" sz="1400" dirty="0" err="1" smtClean="0">
+                <a:solidFill>
+                  <a:schemeClr val="accent6">
+                    <a:lumMod val="60000"/>
+                    <a:lumOff val="40000"/>
+                  </a:schemeClr>
+                </a:solidFill>
+                <a:latin typeface="Courier New"/>
+                <a:cs typeface="Courier New"/>
+              </a:rPr>
+              <a:t>xmlns:s</a:t>
+            </a:r>
+            <a:r>
+              <a:rPr lang="en-US" sz="1400" dirty="0">
+                <a:solidFill>
+                  <a:srgbClr val="00B050"/>
+                </a:solidFill>
+                <a:latin typeface="Courier New"/>
+                <a:cs typeface="Courier New"/>
+              </a:rPr>
+              <a:t>=</a:t>
+            </a:r>
+            <a:r>
+              <a:rPr lang="en-US" sz="1400" dirty="0">
+                <a:solidFill>
+                  <a:srgbClr val="0070C0"/>
+                </a:solidFill>
+                <a:latin typeface="Courier New"/>
+                <a:cs typeface="Courier New"/>
+              </a:rPr>
+              <a:t>"http://apache.org/</a:t>
+            </a:r>
+            <a:r>
+              <a:rPr lang="en-US" sz="1400" dirty="0" err="1">
+                <a:solidFill>
+                  <a:srgbClr val="0070C0"/>
+                </a:solidFill>
+                <a:latin typeface="Courier New"/>
+                <a:cs typeface="Courier New"/>
+              </a:rPr>
+              <a:t>hello_world_soap_http</a:t>
+            </a:r>
+            <a:r>
+              <a:rPr lang="en-US" sz="1400" dirty="0">
+                <a:solidFill>
+                  <a:srgbClr val="0070C0"/>
+                </a:solidFill>
+                <a:latin typeface="Courier New"/>
+                <a:cs typeface="Courier New"/>
+              </a:rPr>
+              <a:t>"</a:t>
+            </a:r>
+            <a:r>
+              <a:rPr lang="en-US" sz="1400" dirty="0">
+                <a:solidFill>
+                  <a:srgbClr val="00B050"/>
+                </a:solidFill>
+                <a:latin typeface="Courier New"/>
+                <a:cs typeface="Courier New"/>
+              </a:rPr>
+              <a:t> /&gt;</a:t>
+            </a:r>
+          </a:p>
+          <a:p>
+            <a:pPr marL="11113" indent="0">
+              <a:buNone/>
+            </a:pPr>
+            <a:r>
+              <a:rPr lang="en-US" sz="1400" dirty="0">
+                <a:solidFill>
+                  <a:srgbClr val="00B050"/>
+                </a:solidFill>
+                <a:latin typeface="Courier New"/>
+                <a:cs typeface="Courier New"/>
+              </a:rPr>
+              <a:t>     &lt;</a:t>
+            </a:r>
+            <a:r>
+              <a:rPr lang="en-US" sz="1400" dirty="0" err="1">
+                <a:solidFill>
+                  <a:srgbClr val="00B050"/>
+                </a:solidFill>
+                <a:latin typeface="Courier New"/>
+                <a:cs typeface="Courier New"/>
+              </a:rPr>
+              <a:t>camelContext</a:t>
+            </a:r>
+            <a:r>
+              <a:rPr lang="en-US" sz="1400" dirty="0">
+                <a:solidFill>
+                  <a:srgbClr val="00B050"/>
+                </a:solidFill>
+                <a:latin typeface="Courier New"/>
+                <a:cs typeface="Courier New"/>
+              </a:rPr>
+              <a:t> </a:t>
+            </a:r>
+            <a:r>
+              <a:rPr lang="en-US" sz="1400" dirty="0">
+                <a:solidFill>
+                  <a:schemeClr val="accent6">
+                    <a:lumMod val="60000"/>
+                    <a:lumOff val="40000"/>
+                  </a:schemeClr>
+                </a:solidFill>
+                <a:latin typeface="Courier New"/>
+                <a:cs typeface="Courier New"/>
+              </a:rPr>
+              <a:t>id</a:t>
+            </a:r>
+            <a:r>
+              <a:rPr lang="en-US" sz="1400" dirty="0">
+                <a:solidFill>
+                  <a:srgbClr val="00B050"/>
+                </a:solidFill>
+                <a:latin typeface="Courier New"/>
+                <a:cs typeface="Courier New"/>
+              </a:rPr>
+              <a:t>=</a:t>
+            </a:r>
+            <a:r>
+              <a:rPr lang="en-US" sz="1400" dirty="0">
+                <a:solidFill>
+                  <a:srgbClr val="0070C0"/>
+                </a:solidFill>
+                <a:latin typeface="Courier New"/>
+                <a:cs typeface="Courier New"/>
+              </a:rPr>
+              <a:t>"camel"</a:t>
+            </a:r>
+            <a:r>
+              <a:rPr lang="en-US" sz="1400" dirty="0">
+                <a:solidFill>
+                  <a:srgbClr val="00B050"/>
+                </a:solidFill>
+                <a:latin typeface="Courier New"/>
+                <a:cs typeface="Courier New"/>
+              </a:rPr>
+              <a:t> </a:t>
+            </a:r>
+            <a:r>
+              <a:rPr lang="en-US" sz="1400" dirty="0" err="1">
+                <a:solidFill>
+                  <a:schemeClr val="accent6">
+                    <a:lumMod val="60000"/>
+                    <a:lumOff val="40000"/>
+                  </a:schemeClr>
+                </a:solidFill>
+                <a:latin typeface="Courier New"/>
+                <a:cs typeface="Courier New"/>
+              </a:rPr>
+              <a:t>xmlns</a:t>
+            </a:r>
+            <a:r>
+              <a:rPr lang="en-US" sz="1400" dirty="0">
+                <a:solidFill>
+                  <a:srgbClr val="00B050"/>
+                </a:solidFill>
+                <a:latin typeface="Courier New"/>
+                <a:cs typeface="Courier New"/>
+              </a:rPr>
+              <a:t>=</a:t>
+            </a:r>
+            <a:r>
+              <a:rPr lang="en-US" sz="1400" dirty="0">
+                <a:solidFill>
+                  <a:srgbClr val="0070C0"/>
+                </a:solidFill>
+                <a:latin typeface="Courier New"/>
+                <a:cs typeface="Courier New"/>
+              </a:rPr>
+              <a:t>"http://camel.apache.org/schema/spring"</a:t>
+            </a:r>
+            <a:r>
+              <a:rPr lang="en-US" sz="1400" dirty="0">
+                <a:solidFill>
+                  <a:srgbClr val="00B050"/>
+                </a:solidFill>
+                <a:latin typeface="Courier New"/>
+                <a:cs typeface="Courier New"/>
+              </a:rPr>
+              <a:t>&gt;</a:t>
+            </a:r>
+          </a:p>
+          <a:p>
+            <a:pPr marL="11113" indent="0">
+              <a:buNone/>
+            </a:pPr>
+            <a:r>
+              <a:rPr lang="en-US" sz="1400" dirty="0">
+                <a:solidFill>
+                  <a:srgbClr val="00B050"/>
+                </a:solidFill>
+                <a:latin typeface="Courier New"/>
+                <a:cs typeface="Courier New"/>
+              </a:rPr>
+              <a:t>       &lt;route&gt;</a:t>
+            </a:r>
+          </a:p>
+          <a:p>
+            <a:pPr marL="11113" indent="0">
+              <a:buNone/>
+            </a:pPr>
+            <a:r>
+              <a:rPr lang="en-US" sz="1400" dirty="0">
+                <a:solidFill>
+                  <a:srgbClr val="00B050"/>
+                </a:solidFill>
+                <a:latin typeface="Courier New"/>
+                <a:cs typeface="Courier New"/>
+              </a:rPr>
+              <a:t>         &lt;from </a:t>
+            </a:r>
+            <a:r>
+              <a:rPr lang="en-US" sz="1400" dirty="0" err="1">
+                <a:solidFill>
+                  <a:schemeClr val="accent6">
+                    <a:lumMod val="60000"/>
+                    <a:lumOff val="40000"/>
+                  </a:schemeClr>
+                </a:solidFill>
+                <a:latin typeface="Courier New"/>
+                <a:cs typeface="Courier New"/>
+              </a:rPr>
+              <a:t>uri</a:t>
+            </a:r>
+            <a:r>
+              <a:rPr lang="en-US" sz="1400" dirty="0">
+                <a:solidFill>
+                  <a:srgbClr val="00B050"/>
+                </a:solidFill>
+                <a:latin typeface="Courier New"/>
+                <a:cs typeface="Courier New"/>
+              </a:rPr>
+              <a:t>=</a:t>
+            </a:r>
+            <a:r>
+              <a:rPr lang="en-US" sz="1400" dirty="0">
+                <a:solidFill>
+                  <a:srgbClr val="0070C0"/>
+                </a:solidFill>
+                <a:latin typeface="Courier New"/>
+                <a:cs typeface="Courier New"/>
+              </a:rPr>
+              <a:t>"</a:t>
+            </a:r>
+            <a:r>
+              <a:rPr lang="en-US" sz="1400" dirty="0" err="1">
+                <a:solidFill>
+                  <a:srgbClr val="0070C0"/>
+                </a:solidFill>
+                <a:latin typeface="Courier New"/>
+                <a:cs typeface="Courier New"/>
+              </a:rPr>
+              <a:t>cxf:bean:routerEndpoint</a:t>
+            </a:r>
+            <a:r>
+              <a:rPr lang="en-US" sz="1400" dirty="0">
+                <a:solidFill>
+                  <a:srgbClr val="0070C0"/>
+                </a:solidFill>
+                <a:latin typeface="Courier New"/>
+                <a:cs typeface="Courier New"/>
+              </a:rPr>
+              <a:t>"</a:t>
+            </a:r>
+            <a:r>
+              <a:rPr lang="en-US" sz="1400" dirty="0">
+                <a:solidFill>
+                  <a:srgbClr val="00B050"/>
+                </a:solidFill>
+                <a:latin typeface="Courier New"/>
+                <a:cs typeface="Courier New"/>
+              </a:rPr>
+              <a:t> /&gt;</a:t>
+            </a:r>
+          </a:p>
+          <a:p>
+            <a:pPr marL="11113" indent="0">
+              <a:buNone/>
+            </a:pPr>
+            <a:r>
+              <a:rPr lang="en-US" sz="1400" dirty="0">
+                <a:solidFill>
+                  <a:srgbClr val="00B050"/>
+                </a:solidFill>
+                <a:latin typeface="Courier New"/>
+                <a:cs typeface="Courier New"/>
+              </a:rPr>
+              <a:t>         &lt;to </a:t>
+            </a:r>
+            <a:r>
+              <a:rPr lang="en-US" sz="1400" dirty="0" err="1">
+                <a:solidFill>
+                  <a:schemeClr val="accent6">
+                    <a:lumMod val="60000"/>
+                    <a:lumOff val="40000"/>
+                  </a:schemeClr>
+                </a:solidFill>
+                <a:latin typeface="Courier New"/>
+                <a:cs typeface="Courier New"/>
+              </a:rPr>
+              <a:t>uri</a:t>
+            </a:r>
+            <a:r>
+              <a:rPr lang="en-US" sz="1400" dirty="0">
+                <a:solidFill>
+                  <a:srgbClr val="00B050"/>
+                </a:solidFill>
+                <a:latin typeface="Courier New"/>
+                <a:cs typeface="Courier New"/>
+              </a:rPr>
+              <a:t>=</a:t>
+            </a:r>
+            <a:r>
+              <a:rPr lang="en-US" sz="1400" dirty="0">
+                <a:solidFill>
+                  <a:srgbClr val="0070C0"/>
+                </a:solidFill>
+                <a:latin typeface="Courier New"/>
+                <a:cs typeface="Courier New"/>
+              </a:rPr>
+              <a:t>"</a:t>
+            </a:r>
+            <a:r>
+              <a:rPr lang="en-US" sz="1400" dirty="0" err="1">
+                <a:solidFill>
+                  <a:srgbClr val="0070C0"/>
+                </a:solidFill>
+                <a:latin typeface="Courier New"/>
+                <a:cs typeface="Courier New"/>
+              </a:rPr>
+              <a:t>cxf:bean:serviceEndpoint</a:t>
+            </a:r>
+            <a:r>
+              <a:rPr lang="en-US" sz="1400" dirty="0">
+                <a:solidFill>
+                  <a:srgbClr val="0070C0"/>
+                </a:solidFill>
+                <a:latin typeface="Courier New"/>
+                <a:cs typeface="Courier New"/>
+              </a:rPr>
+              <a:t>"</a:t>
+            </a:r>
+            <a:r>
+              <a:rPr lang="en-US" sz="1400" dirty="0">
+                <a:solidFill>
+                  <a:srgbClr val="00B050"/>
+                </a:solidFill>
+                <a:latin typeface="Courier New"/>
+                <a:cs typeface="Courier New"/>
+              </a:rPr>
+              <a:t> /&gt;</a:t>
+            </a:r>
+          </a:p>
+          <a:p>
+            <a:pPr marL="11113" indent="0">
+              <a:buNone/>
+            </a:pPr>
+            <a:r>
+              <a:rPr lang="en-US" sz="1400" dirty="0">
+                <a:solidFill>
+                  <a:srgbClr val="00B050"/>
+                </a:solidFill>
+                <a:latin typeface="Courier New"/>
+                <a:cs typeface="Courier New"/>
+              </a:rPr>
+              <a:t>       &lt;/route&gt;</a:t>
+            </a:r>
+          </a:p>
+          <a:p>
+            <a:pPr marL="11113" indent="0">
+              <a:buNone/>
+            </a:pPr>
+            <a:r>
+              <a:rPr lang="en-US" sz="1400" dirty="0">
+                <a:solidFill>
+                  <a:srgbClr val="00B050"/>
+                </a:solidFill>
+                <a:latin typeface="Courier New"/>
+                <a:cs typeface="Courier New"/>
+              </a:rPr>
+              <a:t>    &lt;/</a:t>
+            </a:r>
+            <a:r>
+              <a:rPr lang="en-US" sz="1400" dirty="0" err="1">
+                <a:solidFill>
+                  <a:srgbClr val="00B050"/>
+                </a:solidFill>
+                <a:latin typeface="Courier New"/>
+                <a:cs typeface="Courier New"/>
+              </a:rPr>
+              <a:t>camelContext</a:t>
+            </a:r>
+            <a:r>
+              <a:rPr lang="en-US" sz="1400" dirty="0" smtClean="0">
+                <a:solidFill>
+                  <a:srgbClr val="00B050"/>
+                </a:solidFill>
+                <a:latin typeface="Courier New"/>
+                <a:cs typeface="Courier New"/>
+              </a:rPr>
+              <a:t>&gt;</a:t>
+            </a:r>
+            <a:endParaRPr lang="en-US" sz="1400" dirty="0" smtClean="0">
+              <a:solidFill>
+                <a:srgbClr val="00B050"/>
+              </a:solidFill>
+              <a:latin typeface="Courier New"/>
+              <a:cs typeface="Courier New"/>
+            </a:endParaRPr>
           </a:p>
         </p:txBody>
       </p:sp>
@@ -24718,11 +26214,7 @@
           <a:p>
             <a:r>
               <a:rPr lang="en-US" dirty="0" smtClean="0"/>
-              <a:t>Apache </a:t>
-            </a:r>
-            <a:r>
-              <a:rPr lang="en-US" dirty="0" err="1" smtClean="0"/>
-              <a:t>ActiveMQ</a:t>
+              <a:t>CXF Syntax</a:t>
             </a:r>
             <a:endParaRPr lang="en-US" dirty="0"/>
           </a:p>
@@ -24731,7 +26223,7 @@
     </p:spTree>
     <p:extLst>
       <p:ext uri="{BB962C8B-B14F-4D97-AF65-F5344CB8AC3E}">
-        <p14:creationId xmlns:p14="http://schemas.microsoft.com/office/powerpoint/2010/main" val="163765753"/>
+        <p14:creationId xmlns:p14="http://schemas.microsoft.com/office/powerpoint/2010/main" val="1534511938"/>
       </p:ext>
     </p:extLst>
   </p:cSld>
@@ -24741,7 +26233,7 @@
   <p:timing>
     <p:tnLst>
       <p:par>
-        <p:cTn xmlns:p14="http://schemas.microsoft.com/office/powerpoint/2010/main" id="1" dur="indefinite" restart="never" nodeType="tmRoot"/>
+        <p:cTn id="1" dur="indefinite" restart="never" nodeType="tmRoot"/>
       </p:par>
     </p:tnLst>
   </p:timing>
@@ -24767,122 +26259,45 @@
       </p:grpSpPr>
       <p:sp>
         <p:nvSpPr>
-          <p:cNvPr id="8" name="Content Placeholder 7"/>
+          <p:cNvPr id="2" name="Subtitle 1"/>
           <p:cNvSpPr>
             <a:spLocks noGrp="1"/>
           </p:cNvSpPr>
           <p:nvPr>
-            <p:ph idx="1"/>
+            <p:ph type="subTitle" idx="1"/>
           </p:nvPr>
         </p:nvSpPr>
         <p:spPr/>
         <p:txBody>
-          <a:bodyPr>
-            <a:normAutofit fontScale="92500" lnSpcReduction="10000"/>
-          </a:bodyPr>
-          <a:lstStyle/>
-          <a:p>
-            <a:r>
-              <a:rPr lang="en-US" dirty="0"/>
-              <a:t>A Java Message Oriented Middleware (MOM) </a:t>
-            </a:r>
+          <a:bodyPr/>
+          <a:lstStyle/>
+          <a:p>
+            <a:endParaRPr lang="en-US" dirty="0"/>
+          </a:p>
+        </p:txBody>
+      </p:sp>
+      <p:sp>
+        <p:nvSpPr>
+          <p:cNvPr id="3" name="Title 2"/>
+          <p:cNvSpPr>
+            <a:spLocks noGrp="1"/>
+          </p:cNvSpPr>
+          <p:nvPr>
+            <p:ph type="title"/>
+          </p:nvPr>
+        </p:nvSpPr>
+        <p:spPr/>
+        <p:txBody>
+          <a:bodyPr/>
+          <a:lstStyle/>
+          <a:p>
             <a:r>
               <a:rPr lang="en-US" dirty="0" smtClean="0"/>
-              <a:t>API</a:t>
-            </a:r>
-          </a:p>
-          <a:p>
-            <a:endParaRPr lang="en-US" dirty="0"/>
-          </a:p>
-          <a:p>
-            <a:r>
-              <a:rPr lang="en-US" dirty="0"/>
-              <a:t>Sends messages between two or more </a:t>
-            </a:r>
-            <a:r>
-              <a:rPr lang="en-US" dirty="0" smtClean="0"/>
-              <a:t>clients</a:t>
-            </a:r>
-          </a:p>
-          <a:p>
-            <a:endParaRPr lang="en-US" dirty="0"/>
-          </a:p>
-          <a:p>
-            <a:r>
-              <a:rPr lang="en-US" dirty="0"/>
-              <a:t>Part of the Java Platform Enterprise Edition clearly defined under JSR </a:t>
-            </a:r>
-            <a:r>
-              <a:rPr lang="en-US" dirty="0" smtClean="0"/>
-              <a:t>914</a:t>
-            </a:r>
-          </a:p>
-          <a:p>
-            <a:endParaRPr lang="en-US" dirty="0"/>
-          </a:p>
-          <a:p>
-            <a:r>
-              <a:rPr lang="en-US" dirty="0"/>
-              <a:t>Messaging standard that allows application components based on the Java Enterprise Edition (Java EE) to create, send, receive, and read </a:t>
-            </a:r>
-            <a:r>
-              <a:rPr lang="en-US" dirty="0" smtClean="0"/>
-              <a:t>messages</a:t>
-            </a:r>
-          </a:p>
-          <a:p>
-            <a:endParaRPr lang="en-US" dirty="0"/>
-          </a:p>
-          <a:p>
-            <a:r>
-              <a:rPr lang="en-US" dirty="0"/>
-              <a:t>Allows the communication between different components of a distributed application to be loosely coupled, reliable, and asynchronous.</a:t>
-            </a:r>
-          </a:p>
-        </p:txBody>
-      </p:sp>
-      <p:sp>
-        <p:nvSpPr>
-          <p:cNvPr id="3" name="Slide Number Placeholder 2"/>
-          <p:cNvSpPr>
-            <a:spLocks noGrp="1"/>
-          </p:cNvSpPr>
-          <p:nvPr>
-            <p:ph type="sldNum" sz="quarter" idx="12"/>
-          </p:nvPr>
-        </p:nvSpPr>
-        <p:spPr/>
-        <p:txBody>
-          <a:bodyPr/>
-          <a:lstStyle/>
-          <a:p>
-            <a:fld id="{1A40E9E1-C3F8-9248-A7CF-5B8E3CA37E02}" type="slidenum">
-              <a:rPr lang="en-US" smtClean="0"/>
-              <a:pPr/>
-              <a:t>43</a:t>
-            </a:fld>
-            <a:endParaRPr lang="en-US"/>
-          </a:p>
-        </p:txBody>
-      </p:sp>
-      <p:sp>
-        <p:nvSpPr>
-          <p:cNvPr id="7" name="Title 6"/>
-          <p:cNvSpPr>
-            <a:spLocks noGrp="1"/>
-          </p:cNvSpPr>
-          <p:nvPr>
-            <p:ph type="title"/>
-          </p:nvPr>
-        </p:nvSpPr>
-        <p:spPr/>
-        <p:txBody>
-          <a:bodyPr/>
-          <a:lstStyle/>
-          <a:p>
-            <a:r>
-              <a:rPr lang="en-US" dirty="0" smtClean="0"/>
-              <a:t>Java Message Service (JMS)</a:t>
+              <a:t>Apache </a:t>
+            </a:r>
+            <a:r>
+              <a:rPr lang="en-US" dirty="0" err="1" smtClean="0"/>
+              <a:t>ActiveMQ</a:t>
             </a:r>
             <a:endParaRPr lang="en-US" dirty="0"/>
           </a:p>
@@ -24891,7 +26306,7 @@
     </p:spTree>
     <p:extLst>
       <p:ext uri="{BB962C8B-B14F-4D97-AF65-F5344CB8AC3E}">
-        <p14:creationId xmlns:p14="http://schemas.microsoft.com/office/powerpoint/2010/main" val="1498594293"/>
+        <p14:creationId xmlns:p14="http://schemas.microsoft.com/office/powerpoint/2010/main" val="1077205069"/>
       </p:ext>
     </p:extLst>
   </p:cSld>
@@ -24901,7 +26316,7 @@
   <p:timing>
     <p:tnLst>
       <p:par>
-        <p:cTn xmlns:p14="http://schemas.microsoft.com/office/powerpoint/2010/main" id="1" dur="indefinite" restart="never" nodeType="tmRoot"/>
+        <p:cTn id="1" dur="indefinite" restart="never" nodeType="tmRoot"/>
       </p:par>
     </p:tnLst>
   </p:timing>
@@ -24938,20 +26353,78 @@
         <p:spPr/>
         <p:txBody>
           <a:bodyPr>
-            <a:normAutofit/>
+            <a:normAutofit lnSpcReduction="10000"/>
           </a:bodyPr>
           <a:lstStyle/>
           <a:p>
             <a:r>
+              <a:rPr lang="en-US" dirty="0"/>
+              <a:t>Enterprise level messaging </a:t>
+            </a:r>
+            <a:r>
               <a:rPr lang="en-US" dirty="0" smtClean="0"/>
-              <a:t>Queue</a:t>
-            </a:r>
-          </a:p>
-          <a:p>
-            <a:pPr lvl="1"/>
+              <a:t>platform</a:t>
+            </a:r>
+          </a:p>
+          <a:p>
+            <a:endParaRPr lang="en-US" dirty="0"/>
+          </a:p>
+          <a:p>
+            <a:r>
+              <a:rPr lang="en-US" dirty="0"/>
+              <a:t>Designed for high performance clustering, client-server, peer based </a:t>
+            </a:r>
             <a:r>
               <a:rPr lang="en-US" dirty="0" smtClean="0"/>
-              <a:t>A single message received by exactly one receiver</a:t>
+              <a:t>communication</a:t>
+            </a:r>
+          </a:p>
+          <a:p>
+            <a:endParaRPr lang="en-US" dirty="0"/>
+          </a:p>
+          <a:p>
+            <a:r>
+              <a:rPr lang="en-US" dirty="0"/>
+              <a:t>Supports a variety of Cross Language Clients and </a:t>
+            </a:r>
+            <a:r>
+              <a:rPr lang="en-US" dirty="0" smtClean="0"/>
+              <a:t>Protocols</a:t>
+            </a:r>
+          </a:p>
+          <a:p>
+            <a:endParaRPr lang="en-US" dirty="0"/>
+          </a:p>
+          <a:p>
+            <a:r>
+              <a:rPr lang="en-US" dirty="0"/>
+              <a:t>Easy to use with Enterprise Integration </a:t>
+            </a:r>
+            <a:r>
+              <a:rPr lang="en-US" dirty="0" smtClean="0"/>
+              <a:t>Patterns</a:t>
+            </a:r>
+          </a:p>
+          <a:p>
+            <a:endParaRPr lang="en-US" dirty="0"/>
+          </a:p>
+          <a:p>
+            <a:r>
+              <a:rPr lang="en-US" dirty="0"/>
+              <a:t>Fully supports the JMS 1.1 </a:t>
+            </a:r>
+            <a:r>
+              <a:rPr lang="en-US" dirty="0" smtClean="0"/>
+              <a:t>standard</a:t>
+            </a:r>
+          </a:p>
+          <a:p>
+            <a:endParaRPr lang="en-US" dirty="0"/>
+          </a:p>
+          <a:p>
+            <a:r>
+              <a:rPr lang="en-US" dirty="0"/>
+              <a:t>Very fast persistence with JDBC</a:t>
             </a:r>
           </a:p>
         </p:txBody>
@@ -24975,6 +26448,285 @@
               <a:rPr lang="en-US" smtClean="0"/>
               <a:pPr/>
               <a:t>44</a:t>
+            </a:fld>
+            <a:endParaRPr lang="en-US"/>
+          </a:p>
+        </p:txBody>
+      </p:sp>
+      <p:sp>
+        <p:nvSpPr>
+          <p:cNvPr id="7" name="Title 6"/>
+          <p:cNvSpPr>
+            <a:spLocks noGrp="1"/>
+          </p:cNvSpPr>
+          <p:nvPr>
+            <p:ph type="title"/>
+          </p:nvPr>
+        </p:nvSpPr>
+        <p:spPr/>
+        <p:txBody>
+          <a:bodyPr/>
+          <a:lstStyle/>
+          <a:p>
+            <a:r>
+              <a:rPr lang="en-US" dirty="0" smtClean="0"/>
+              <a:t>Apache </a:t>
+            </a:r>
+            <a:r>
+              <a:rPr lang="en-US" dirty="0" err="1" smtClean="0"/>
+              <a:t>ActiveMQ</a:t>
+            </a:r>
+            <a:endParaRPr lang="en-US" dirty="0"/>
+          </a:p>
+        </p:txBody>
+      </p:sp>
+    </p:spTree>
+    <p:extLst>
+      <p:ext uri="{BB962C8B-B14F-4D97-AF65-F5344CB8AC3E}">
+        <p14:creationId xmlns:p14="http://schemas.microsoft.com/office/powerpoint/2010/main" val="163765753"/>
+      </p:ext>
+    </p:extLst>
+  </p:cSld>
+  <p:clrMapOvr>
+    <a:masterClrMapping/>
+  </p:clrMapOvr>
+  <p:timing>
+    <p:tnLst>
+      <p:par>
+        <p:cTn id="1" dur="indefinite" restart="never" nodeType="tmRoot"/>
+      </p:par>
+    </p:tnLst>
+  </p:timing>
+</p:sld>
+</file>
+
+<file path=ppt/slides/slide45.xml><?xml version="1.0" encoding="utf-8"?>
+<p:sld xmlns:a="http://schemas.openxmlformats.org/drawingml/2006/main" xmlns:r="http://schemas.openxmlformats.org/officeDocument/2006/relationships" xmlns:p="http://schemas.openxmlformats.org/presentationml/2006/main">
+  <p:cSld>
+    <p:spTree>
+      <p:nvGrpSpPr>
+        <p:cNvPr id="1" name=""/>
+        <p:cNvGrpSpPr/>
+        <p:nvPr/>
+      </p:nvGrpSpPr>
+      <p:grpSpPr>
+        <a:xfrm>
+          <a:off x="0" y="0"/>
+          <a:ext cx="0" cy="0"/>
+          <a:chOff x="0" y="0"/>
+          <a:chExt cx="0" cy="0"/>
+        </a:xfrm>
+      </p:grpSpPr>
+      <p:sp>
+        <p:nvSpPr>
+          <p:cNvPr id="8" name="Content Placeholder 7"/>
+          <p:cNvSpPr>
+            <a:spLocks noGrp="1"/>
+          </p:cNvSpPr>
+          <p:nvPr>
+            <p:ph idx="1"/>
+          </p:nvPr>
+        </p:nvSpPr>
+        <p:spPr/>
+        <p:txBody>
+          <a:bodyPr>
+            <a:normAutofit fontScale="92500" lnSpcReduction="10000"/>
+          </a:bodyPr>
+          <a:lstStyle/>
+          <a:p>
+            <a:r>
+              <a:rPr lang="en-US" dirty="0"/>
+              <a:t>A Java Message Oriented Middleware (MOM) </a:t>
+            </a:r>
+            <a:r>
+              <a:rPr lang="en-US" dirty="0" smtClean="0"/>
+              <a:t>API</a:t>
+            </a:r>
+          </a:p>
+          <a:p>
+            <a:endParaRPr lang="en-US" dirty="0"/>
+          </a:p>
+          <a:p>
+            <a:r>
+              <a:rPr lang="en-US" dirty="0"/>
+              <a:t>Sends messages between two or more </a:t>
+            </a:r>
+            <a:r>
+              <a:rPr lang="en-US" dirty="0" smtClean="0"/>
+              <a:t>clients</a:t>
+            </a:r>
+          </a:p>
+          <a:p>
+            <a:endParaRPr lang="en-US" dirty="0"/>
+          </a:p>
+          <a:p>
+            <a:r>
+              <a:rPr lang="en-US" dirty="0"/>
+              <a:t>Part of the Java Platform Enterprise Edition clearly defined under JSR </a:t>
+            </a:r>
+            <a:r>
+              <a:rPr lang="en-US" dirty="0" smtClean="0"/>
+              <a:t>914</a:t>
+            </a:r>
+          </a:p>
+          <a:p>
+            <a:endParaRPr lang="en-US" dirty="0"/>
+          </a:p>
+          <a:p>
+            <a:r>
+              <a:rPr lang="en-US" dirty="0"/>
+              <a:t>Messaging standard that allows application components based on the Java Enterprise Edition (Java EE) to create, send, receive, and read </a:t>
+            </a:r>
+            <a:r>
+              <a:rPr lang="en-US" dirty="0" smtClean="0"/>
+              <a:t>messages</a:t>
+            </a:r>
+          </a:p>
+          <a:p>
+            <a:endParaRPr lang="en-US" dirty="0"/>
+          </a:p>
+          <a:p>
+            <a:r>
+              <a:rPr lang="en-US" dirty="0"/>
+              <a:t>Allows the communication between different components of a distributed application to be loosely coupled, reliable, and asynchronous.</a:t>
+            </a:r>
+          </a:p>
+        </p:txBody>
+      </p:sp>
+      <p:sp>
+        <p:nvSpPr>
+          <p:cNvPr id="3" name="Slide Number Placeholder 2"/>
+          <p:cNvSpPr>
+            <a:spLocks noGrp="1"/>
+          </p:cNvSpPr>
+          <p:nvPr>
+            <p:ph type="sldNum" sz="quarter" idx="12"/>
+          </p:nvPr>
+        </p:nvSpPr>
+        <p:spPr/>
+        <p:txBody>
+          <a:bodyPr/>
+          <a:lstStyle/>
+          <a:p>
+            <a:fld id="{1A40E9E1-C3F8-9248-A7CF-5B8E3CA37E02}" type="slidenum">
+              <a:rPr lang="en-US" smtClean="0"/>
+              <a:pPr/>
+              <a:t>45</a:t>
+            </a:fld>
+            <a:endParaRPr lang="en-US"/>
+          </a:p>
+        </p:txBody>
+      </p:sp>
+      <p:sp>
+        <p:nvSpPr>
+          <p:cNvPr id="7" name="Title 6"/>
+          <p:cNvSpPr>
+            <a:spLocks noGrp="1"/>
+          </p:cNvSpPr>
+          <p:nvPr>
+            <p:ph type="title"/>
+          </p:nvPr>
+        </p:nvSpPr>
+        <p:spPr/>
+        <p:txBody>
+          <a:bodyPr/>
+          <a:lstStyle/>
+          <a:p>
+            <a:r>
+              <a:rPr lang="en-US" dirty="0" smtClean="0"/>
+              <a:t>Java Message Service (JMS)</a:t>
+            </a:r>
+            <a:endParaRPr lang="en-US" dirty="0"/>
+          </a:p>
+        </p:txBody>
+      </p:sp>
+    </p:spTree>
+    <p:extLst>
+      <p:ext uri="{BB962C8B-B14F-4D97-AF65-F5344CB8AC3E}">
+        <p14:creationId xmlns:p14="http://schemas.microsoft.com/office/powerpoint/2010/main" val="1498594293"/>
+      </p:ext>
+    </p:extLst>
+  </p:cSld>
+  <p:clrMapOvr>
+    <a:masterClrMapping/>
+  </p:clrMapOvr>
+  <p:timing>
+    <p:tnLst>
+      <p:par>
+        <p:cTn id="1" dur="indefinite" restart="never" nodeType="tmRoot"/>
+      </p:par>
+    </p:tnLst>
+  </p:timing>
+</p:sld>
+</file>
+
+<file path=ppt/slides/slide46.xml><?xml version="1.0" encoding="utf-8"?>
+<p:sld xmlns:a="http://schemas.openxmlformats.org/drawingml/2006/main" xmlns:r="http://schemas.openxmlformats.org/officeDocument/2006/relationships" xmlns:p="http://schemas.openxmlformats.org/presentationml/2006/main">
+  <p:cSld>
+    <p:spTree>
+      <p:nvGrpSpPr>
+        <p:cNvPr id="1" name=""/>
+        <p:cNvGrpSpPr/>
+        <p:nvPr/>
+      </p:nvGrpSpPr>
+      <p:grpSpPr>
+        <a:xfrm>
+          <a:off x="0" y="0"/>
+          <a:ext cx="0" cy="0"/>
+          <a:chOff x="0" y="0"/>
+          <a:chExt cx="0" cy="0"/>
+        </a:xfrm>
+      </p:grpSpPr>
+      <p:sp>
+        <p:nvSpPr>
+          <p:cNvPr id="8" name="Content Placeholder 7"/>
+          <p:cNvSpPr>
+            <a:spLocks noGrp="1"/>
+          </p:cNvSpPr>
+          <p:nvPr>
+            <p:ph idx="1"/>
+          </p:nvPr>
+        </p:nvSpPr>
+        <p:spPr/>
+        <p:txBody>
+          <a:bodyPr>
+            <a:normAutofit/>
+          </a:bodyPr>
+          <a:lstStyle/>
+          <a:p>
+            <a:r>
+              <a:rPr lang="en-US" dirty="0" smtClean="0"/>
+              <a:t>Queue</a:t>
+            </a:r>
+          </a:p>
+          <a:p>
+            <a:pPr lvl="1"/>
+            <a:r>
+              <a:rPr lang="en-US" dirty="0" smtClean="0"/>
+              <a:t>A single message received by exactly one receiver</a:t>
+            </a:r>
+          </a:p>
+        </p:txBody>
+      </p:sp>
+      <p:sp>
+        <p:nvSpPr>
+          <p:cNvPr id="3" name="Slide Number Placeholder 2"/>
+          <p:cNvSpPr>
+            <a:spLocks noGrp="1"/>
+          </p:cNvSpPr>
+          <p:nvPr>
+            <p:ph type="sldNum" sz="quarter" idx="12"/>
+          </p:nvPr>
+        </p:nvSpPr>
+        <p:spPr/>
+        <p:txBody>
+          <a:bodyPr/>
+          <a:lstStyle/>
+          <a:p>
+            <a:fld id="{1A40E9E1-C3F8-9248-A7CF-5B8E3CA37E02}" type="slidenum">
+              <a:rPr lang="en-US" smtClean="0"/>
+              <a:pPr/>
+              <a:t>46</a:t>
             </a:fld>
             <a:endParaRPr lang="en-US"/>
           </a:p>
@@ -25044,14 +26796,14 @@
   <p:timing>
     <p:tnLst>
       <p:par>
-        <p:cTn xmlns:p14="http://schemas.microsoft.com/office/powerpoint/2010/main" id="1" dur="indefinite" restart="never" nodeType="tmRoot"/>
+        <p:cTn id="1" dur="indefinite" restart="never" nodeType="tmRoot"/>
       </p:par>
     </p:tnLst>
   </p:timing>
 </p:sld>
 </file>
 
-<file path=ppt/slides/slide45.xml><?xml version="1.0" encoding="utf-8"?>
+<file path=ppt/slides/slide47.xml><?xml version="1.0" encoding="utf-8"?>
 <p:sld xmlns:a="http://schemas.openxmlformats.org/drawingml/2006/main" xmlns:r="http://schemas.openxmlformats.org/officeDocument/2006/relationships" xmlns:p="http://schemas.openxmlformats.org/presentationml/2006/main">
   <p:cSld>
     <p:spTree>
@@ -25122,7 +26874,7 @@
             <a:fld id="{1A40E9E1-C3F8-9248-A7CF-5B8E3CA37E02}" type="slidenum">
               <a:rPr lang="en-US" smtClean="0"/>
               <a:pPr/>
-              <a:t>45</a:t>
+              <a:t>47</a:t>
             </a:fld>
             <a:endParaRPr lang="en-US"/>
           </a:p>
@@ -25192,347 +26944,7 @@
   <p:timing>
     <p:tnLst>
       <p:par>
-        <p:cTn xmlns:p14="http://schemas.microsoft.com/office/powerpoint/2010/main" id="1" dur="indefinite" restart="never" nodeType="tmRoot"/>
-      </p:par>
-    </p:tnLst>
-  </p:timing>
-</p:sld>
-</file>
-
-<file path=ppt/slides/slide46.xml><?xml version="1.0" encoding="utf-8"?>
-<p:sld xmlns:a="http://schemas.openxmlformats.org/drawingml/2006/main" xmlns:r="http://schemas.openxmlformats.org/officeDocument/2006/relationships" xmlns:p="http://schemas.openxmlformats.org/presentationml/2006/main">
-  <p:cSld>
-    <p:spTree>
-      <p:nvGrpSpPr>
-        <p:cNvPr id="1" name=""/>
-        <p:cNvGrpSpPr/>
-        <p:nvPr/>
-      </p:nvGrpSpPr>
-      <p:grpSpPr>
-        <a:xfrm>
-          <a:off x="0" y="0"/>
-          <a:ext cx="0" cy="0"/>
-          <a:chOff x="0" y="0"/>
-          <a:chExt cx="0" cy="0"/>
-        </a:xfrm>
-      </p:grpSpPr>
-      <p:sp>
-        <p:nvSpPr>
-          <p:cNvPr id="8" name="Content Placeholder 7"/>
-          <p:cNvSpPr>
-            <a:spLocks noGrp="1"/>
-          </p:cNvSpPr>
-          <p:nvPr>
-            <p:ph idx="1"/>
-          </p:nvPr>
-        </p:nvSpPr>
-        <p:spPr/>
-        <p:txBody>
-          <a:bodyPr>
-            <a:normAutofit/>
-          </a:bodyPr>
-          <a:lstStyle/>
-          <a:p>
-            <a:pPr marL="11113" indent="0">
-              <a:buNone/>
-            </a:pPr>
-            <a:r>
-              <a:rPr lang="en-US" dirty="0" err="1"/>
-              <a:t>ActiveMQ</a:t>
-            </a:r>
-            <a:r>
-              <a:rPr lang="en-US" dirty="0"/>
-              <a:t> component </a:t>
-            </a:r>
-            <a:endParaRPr lang="en-US" dirty="0" smtClean="0"/>
-          </a:p>
-          <a:p>
-            <a:pPr marL="11113" indent="0">
-              <a:buNone/>
-            </a:pPr>
-            <a:endParaRPr lang="en-US" dirty="0" smtClean="0"/>
-          </a:p>
-          <a:p>
-            <a:r>
-              <a:rPr lang="en-US" dirty="0" smtClean="0"/>
-              <a:t>Can </a:t>
-            </a:r>
-            <a:r>
-              <a:rPr lang="en-US" dirty="0"/>
-              <a:t>connect to a Broker or stand up a local Broker</a:t>
-            </a:r>
-          </a:p>
-          <a:p>
-            <a:r>
-              <a:rPr lang="en-US" dirty="0" smtClean="0"/>
-              <a:t>Allows </a:t>
-            </a:r>
-            <a:r>
-              <a:rPr lang="en-US" dirty="0"/>
-              <a:t>messages to be sent to a Queue or Topic</a:t>
-            </a:r>
-          </a:p>
-          <a:p>
-            <a:r>
-              <a:rPr lang="en-US" dirty="0" smtClean="0"/>
-              <a:t>Can </a:t>
-            </a:r>
-            <a:r>
-              <a:rPr lang="en-US" dirty="0"/>
-              <a:t>consume from a Queue or Topic</a:t>
-            </a:r>
-          </a:p>
-          <a:p>
-            <a:r>
-              <a:rPr lang="en-US" dirty="0" smtClean="0"/>
-              <a:t>Supports </a:t>
-            </a:r>
-            <a:r>
-              <a:rPr lang="en-US" dirty="0"/>
-              <a:t>transactions and caching</a:t>
-            </a:r>
-          </a:p>
-          <a:p>
-            <a:endParaRPr lang="en-US" dirty="0"/>
-          </a:p>
-          <a:p>
-            <a:pPr marL="11113" indent="0">
-              <a:buNone/>
-            </a:pPr>
-            <a:r>
-              <a:rPr lang="en-US" b="1" dirty="0"/>
-              <a:t>URI</a:t>
-            </a:r>
-            <a:r>
-              <a:rPr lang="en-US" dirty="0"/>
-              <a:t>: </a:t>
-            </a:r>
-            <a:r>
-              <a:rPr lang="en-US" dirty="0" err="1"/>
-              <a:t>activemq:topic:Stocks.Prices</a:t>
-            </a:r>
-            <a:endParaRPr lang="en-US" dirty="0" smtClean="0"/>
-          </a:p>
-        </p:txBody>
-      </p:sp>
-      <p:sp>
-        <p:nvSpPr>
-          <p:cNvPr id="3" name="Slide Number Placeholder 2"/>
-          <p:cNvSpPr>
-            <a:spLocks noGrp="1"/>
-          </p:cNvSpPr>
-          <p:nvPr>
-            <p:ph type="sldNum" sz="quarter" idx="12"/>
-          </p:nvPr>
-        </p:nvSpPr>
-        <p:spPr/>
-        <p:txBody>
-          <a:bodyPr/>
-          <a:lstStyle/>
-          <a:p>
-            <a:fld id="{1A40E9E1-C3F8-9248-A7CF-5B8E3CA37E02}" type="slidenum">
-              <a:rPr lang="en-US" smtClean="0"/>
-              <a:pPr/>
-              <a:t>46</a:t>
-            </a:fld>
-            <a:endParaRPr lang="en-US"/>
-          </a:p>
-        </p:txBody>
-      </p:sp>
-      <p:sp>
-        <p:nvSpPr>
-          <p:cNvPr id="7" name="Title 6"/>
-          <p:cNvSpPr>
-            <a:spLocks noGrp="1"/>
-          </p:cNvSpPr>
-          <p:nvPr>
-            <p:ph type="title"/>
-          </p:nvPr>
-        </p:nvSpPr>
-        <p:spPr/>
-        <p:txBody>
-          <a:bodyPr/>
-          <a:lstStyle/>
-          <a:p>
-            <a:r>
-              <a:rPr lang="en-US" dirty="0" smtClean="0"/>
-              <a:t>Queues and Topics</a:t>
-            </a:r>
-            <a:endParaRPr lang="en-US" dirty="0"/>
-          </a:p>
-        </p:txBody>
-      </p:sp>
-    </p:spTree>
-    <p:extLst>
-      <p:ext uri="{BB962C8B-B14F-4D97-AF65-F5344CB8AC3E}">
-        <p14:creationId xmlns:p14="http://schemas.microsoft.com/office/powerpoint/2010/main" val="338228251"/>
-      </p:ext>
-    </p:extLst>
-  </p:cSld>
-  <p:clrMapOvr>
-    <a:masterClrMapping/>
-  </p:clrMapOvr>
-  <p:timing>
-    <p:tnLst>
-      <p:par>
-        <p:cTn xmlns:p14="http://schemas.microsoft.com/office/powerpoint/2010/main" id="1" dur="indefinite" restart="never" nodeType="tmRoot"/>
-      </p:par>
-    </p:tnLst>
-  </p:timing>
-</p:sld>
-</file>
-
-<file path=ppt/slides/slide47.xml><?xml version="1.0" encoding="utf-8"?>
-<p:sld xmlns:a="http://schemas.openxmlformats.org/drawingml/2006/main" xmlns:r="http://schemas.openxmlformats.org/officeDocument/2006/relationships" xmlns:p="http://schemas.openxmlformats.org/presentationml/2006/main">
-  <p:cSld>
-    <p:spTree>
-      <p:nvGrpSpPr>
-        <p:cNvPr id="1" name=""/>
-        <p:cNvGrpSpPr/>
-        <p:nvPr/>
-      </p:nvGrpSpPr>
-      <p:grpSpPr>
-        <a:xfrm>
-          <a:off x="0" y="0"/>
-          <a:ext cx="0" cy="0"/>
-          <a:chOff x="0" y="0"/>
-          <a:chExt cx="0" cy="0"/>
-        </a:xfrm>
-      </p:grpSpPr>
-      <p:sp>
-        <p:nvSpPr>
-          <p:cNvPr id="8" name="Content Placeholder 7"/>
-          <p:cNvSpPr>
-            <a:spLocks noGrp="1"/>
-          </p:cNvSpPr>
-          <p:nvPr>
-            <p:ph idx="1"/>
-          </p:nvPr>
-        </p:nvSpPr>
-        <p:spPr/>
-        <p:txBody>
-          <a:bodyPr>
-            <a:normAutofit/>
-          </a:bodyPr>
-          <a:lstStyle/>
-          <a:p>
-            <a:pPr marL="11113" indent="0">
-              <a:buNone/>
-            </a:pPr>
-            <a:r>
-              <a:rPr lang="en-US" sz="3200" dirty="0"/>
-              <a:t>Allows you to:</a:t>
-            </a:r>
-          </a:p>
-          <a:p>
-            <a:endParaRPr lang="en-US" dirty="0" smtClean="0"/>
-          </a:p>
-          <a:p>
-            <a:r>
-              <a:rPr lang="en-US" dirty="0" smtClean="0"/>
-              <a:t>Manage </a:t>
-            </a:r>
-            <a:r>
-              <a:rPr lang="en-US" dirty="0"/>
-              <a:t>Brokers</a:t>
-            </a:r>
-          </a:p>
-          <a:p>
-            <a:endParaRPr lang="en-US" dirty="0" smtClean="0"/>
-          </a:p>
-          <a:p>
-            <a:r>
-              <a:rPr lang="en-US" dirty="0" smtClean="0"/>
-              <a:t>View </a:t>
-            </a:r>
-            <a:r>
-              <a:rPr lang="en-US" dirty="0"/>
-              <a:t>metrics on Queues and Topics</a:t>
-            </a:r>
-          </a:p>
-          <a:p>
-            <a:endParaRPr lang="en-US" dirty="0" smtClean="0"/>
-          </a:p>
-          <a:p>
-            <a:r>
-              <a:rPr lang="en-US" dirty="0" smtClean="0"/>
-              <a:t>Trace </a:t>
-            </a:r>
-            <a:r>
-              <a:rPr lang="en-US" dirty="0"/>
-              <a:t>and debug messages</a:t>
-            </a:r>
-          </a:p>
-          <a:p>
-            <a:endParaRPr lang="en-US" dirty="0" smtClean="0"/>
-          </a:p>
-        </p:txBody>
-      </p:sp>
-      <p:sp>
-        <p:nvSpPr>
-          <p:cNvPr id="3" name="Slide Number Placeholder 2"/>
-          <p:cNvSpPr>
-            <a:spLocks noGrp="1"/>
-          </p:cNvSpPr>
-          <p:nvPr>
-            <p:ph type="sldNum" sz="quarter" idx="12"/>
-          </p:nvPr>
-        </p:nvSpPr>
-        <p:spPr/>
-        <p:txBody>
-          <a:bodyPr/>
-          <a:lstStyle/>
-          <a:p>
-            <a:fld id="{1A40E9E1-C3F8-9248-A7CF-5B8E3CA37E02}" type="slidenum">
-              <a:rPr lang="en-US" smtClean="0"/>
-              <a:pPr/>
-              <a:t>47</a:t>
-            </a:fld>
-            <a:endParaRPr lang="en-US"/>
-          </a:p>
-        </p:txBody>
-      </p:sp>
-      <p:sp>
-        <p:nvSpPr>
-          <p:cNvPr id="7" name="Title 6"/>
-          <p:cNvSpPr>
-            <a:spLocks noGrp="1"/>
-          </p:cNvSpPr>
-          <p:nvPr>
-            <p:ph type="title"/>
-          </p:nvPr>
-        </p:nvSpPr>
-        <p:spPr/>
-        <p:txBody>
-          <a:bodyPr/>
-          <a:lstStyle/>
-          <a:p>
-            <a:r>
-              <a:rPr lang="en-US" dirty="0" err="1" smtClean="0"/>
-              <a:t>ActiveMQ</a:t>
-            </a:r>
-            <a:r>
-              <a:rPr lang="en-US" dirty="0" smtClean="0"/>
-              <a:t> in the Fuse Management Console</a:t>
-            </a:r>
-            <a:endParaRPr lang="en-US" dirty="0"/>
-          </a:p>
-        </p:txBody>
-      </p:sp>
-    </p:spTree>
-    <p:extLst>
-      <p:ext uri="{BB962C8B-B14F-4D97-AF65-F5344CB8AC3E}">
-        <p14:creationId xmlns:p14="http://schemas.microsoft.com/office/powerpoint/2010/main" val="1590845808"/>
-      </p:ext>
-    </p:extLst>
-  </p:cSld>
-  <p:clrMapOvr>
-    <a:masterClrMapping/>
-  </p:clrMapOvr>
-  <p:timing>
-    <p:tnLst>
-      <p:par>
-        <p:cTn xmlns:p14="http://schemas.microsoft.com/office/powerpoint/2010/main" id="1" dur="indefinite" restart="never" nodeType="tmRoot"/>
+        <p:cTn id="1" dur="indefinite" restart="never" nodeType="tmRoot"/>
       </p:par>
     </p:tnLst>
   </p:timing>
@@ -25573,6 +26985,84 @@
           </a:bodyPr>
           <a:lstStyle/>
           <a:p>
+            <a:pPr marL="11113" indent="0">
+              <a:buNone/>
+            </a:pPr>
+            <a:r>
+              <a:rPr lang="en-US" dirty="0" err="1"/>
+              <a:t>ActiveMQ</a:t>
+            </a:r>
+            <a:r>
+              <a:rPr lang="en-US" dirty="0"/>
+              <a:t> component </a:t>
+            </a:r>
+            <a:endParaRPr lang="en-US" dirty="0" smtClean="0"/>
+          </a:p>
+          <a:p>
+            <a:pPr marL="11113" indent="0">
+              <a:buNone/>
+            </a:pPr>
+            <a:endParaRPr lang="en-US" dirty="0" smtClean="0"/>
+          </a:p>
+          <a:p>
+            <a:r>
+              <a:rPr lang="en-US" dirty="0" smtClean="0"/>
+              <a:t>Can </a:t>
+            </a:r>
+            <a:r>
+              <a:rPr lang="en-US" dirty="0"/>
+              <a:t>connect to a Broker or stand up a local Broker</a:t>
+            </a:r>
+          </a:p>
+          <a:p>
+            <a:r>
+              <a:rPr lang="en-US" dirty="0" smtClean="0"/>
+              <a:t>Allows </a:t>
+            </a:r>
+            <a:r>
+              <a:rPr lang="en-US" dirty="0"/>
+              <a:t>messages to be sent to a Queue or Topic</a:t>
+            </a:r>
+          </a:p>
+          <a:p>
+            <a:r>
+              <a:rPr lang="en-US" dirty="0" smtClean="0"/>
+              <a:t>Can </a:t>
+            </a:r>
+            <a:r>
+              <a:rPr lang="en-US" dirty="0"/>
+              <a:t>consume from a Queue or Topic</a:t>
+            </a:r>
+          </a:p>
+          <a:p>
+            <a:r>
+              <a:rPr lang="en-US" dirty="0" smtClean="0"/>
+              <a:t>Supports </a:t>
+            </a:r>
+            <a:r>
+              <a:rPr lang="en-US" dirty="0"/>
+              <a:t>transactions and caching</a:t>
+            </a:r>
+          </a:p>
+          <a:p>
+            <a:endParaRPr lang="en-US" dirty="0"/>
+          </a:p>
+          <a:p>
+            <a:pPr marL="11113" indent="0">
+              <a:buNone/>
+            </a:pPr>
+            <a:r>
+              <a:rPr lang="en-US" b="1" dirty="0"/>
+              <a:t>URI</a:t>
+            </a:r>
+            <a:r>
+              <a:rPr lang="en-US" dirty="0"/>
+              <a:t>: </a:t>
+            </a:r>
+            <a:r>
+              <a:rPr lang="en-US" dirty="0" err="1"/>
+              <a:t>activemq:topic:Stocks.Prices</a:t>
+            </a:r>
             <a:endParaRPr lang="en-US" dirty="0" smtClean="0"/>
           </a:p>
         </p:txBody>
@@ -25596,6 +27086,381 @@
               <a:rPr lang="en-US" smtClean="0"/>
               <a:pPr/>
               <a:t>48</a:t>
+            </a:fld>
+            <a:endParaRPr lang="en-US"/>
+          </a:p>
+        </p:txBody>
+      </p:sp>
+      <p:sp>
+        <p:nvSpPr>
+          <p:cNvPr id="7" name="Title 6"/>
+          <p:cNvSpPr>
+            <a:spLocks noGrp="1"/>
+          </p:cNvSpPr>
+          <p:nvPr>
+            <p:ph type="title"/>
+          </p:nvPr>
+        </p:nvSpPr>
+        <p:spPr/>
+        <p:txBody>
+          <a:bodyPr/>
+          <a:lstStyle/>
+          <a:p>
+            <a:r>
+              <a:rPr lang="en-US" dirty="0" smtClean="0"/>
+              <a:t>Queues and Topics</a:t>
+            </a:r>
+            <a:endParaRPr lang="en-US" dirty="0"/>
+          </a:p>
+        </p:txBody>
+      </p:sp>
+    </p:spTree>
+    <p:extLst>
+      <p:ext uri="{BB962C8B-B14F-4D97-AF65-F5344CB8AC3E}">
+        <p14:creationId xmlns:p14="http://schemas.microsoft.com/office/powerpoint/2010/main" val="338228251"/>
+      </p:ext>
+    </p:extLst>
+  </p:cSld>
+  <p:clrMapOvr>
+    <a:masterClrMapping/>
+  </p:clrMapOvr>
+  <p:timing>
+    <p:tnLst>
+      <p:par>
+        <p:cTn id="1" dur="indefinite" restart="never" nodeType="tmRoot"/>
+      </p:par>
+    </p:tnLst>
+  </p:timing>
+</p:sld>
+</file>
+
+<file path=ppt/slides/slide49.xml><?xml version="1.0" encoding="utf-8"?>
+<p:sld xmlns:a="http://schemas.openxmlformats.org/drawingml/2006/main" xmlns:r="http://schemas.openxmlformats.org/officeDocument/2006/relationships" xmlns:p="http://schemas.openxmlformats.org/presentationml/2006/main">
+  <p:cSld>
+    <p:spTree>
+      <p:nvGrpSpPr>
+        <p:cNvPr id="1" name=""/>
+        <p:cNvGrpSpPr/>
+        <p:nvPr/>
+      </p:nvGrpSpPr>
+      <p:grpSpPr>
+        <a:xfrm>
+          <a:off x="0" y="0"/>
+          <a:ext cx="0" cy="0"/>
+          <a:chOff x="0" y="0"/>
+          <a:chExt cx="0" cy="0"/>
+        </a:xfrm>
+      </p:grpSpPr>
+      <p:sp>
+        <p:nvSpPr>
+          <p:cNvPr id="8" name="Content Placeholder 7"/>
+          <p:cNvSpPr>
+            <a:spLocks noGrp="1"/>
+          </p:cNvSpPr>
+          <p:nvPr>
+            <p:ph idx="1"/>
+          </p:nvPr>
+        </p:nvSpPr>
+        <p:spPr/>
+        <p:txBody>
+          <a:bodyPr>
+            <a:normAutofit/>
+          </a:bodyPr>
+          <a:lstStyle/>
+          <a:p>
+            <a:pPr marL="11113" indent="0">
+              <a:buNone/>
+            </a:pPr>
+            <a:r>
+              <a:rPr lang="en-US" sz="3200" dirty="0"/>
+              <a:t>Allows you to:</a:t>
+            </a:r>
+          </a:p>
+          <a:p>
+            <a:endParaRPr lang="en-US" dirty="0" smtClean="0"/>
+          </a:p>
+          <a:p>
+            <a:r>
+              <a:rPr lang="en-US" dirty="0" smtClean="0"/>
+              <a:t>Manage </a:t>
+            </a:r>
+            <a:r>
+              <a:rPr lang="en-US" dirty="0"/>
+              <a:t>Brokers</a:t>
+            </a:r>
+          </a:p>
+          <a:p>
+            <a:endParaRPr lang="en-US" dirty="0" smtClean="0"/>
+          </a:p>
+          <a:p>
+            <a:r>
+              <a:rPr lang="en-US" dirty="0" smtClean="0"/>
+              <a:t>View </a:t>
+            </a:r>
+            <a:r>
+              <a:rPr lang="en-US" dirty="0"/>
+              <a:t>metrics on Queues and Topics</a:t>
+            </a:r>
+          </a:p>
+          <a:p>
+            <a:endParaRPr lang="en-US" dirty="0" smtClean="0"/>
+          </a:p>
+          <a:p>
+            <a:r>
+              <a:rPr lang="en-US" dirty="0" smtClean="0"/>
+              <a:t>Trace </a:t>
+            </a:r>
+            <a:r>
+              <a:rPr lang="en-US" dirty="0"/>
+              <a:t>and debug messages</a:t>
+            </a:r>
+          </a:p>
+          <a:p>
+            <a:endParaRPr lang="en-US" dirty="0" smtClean="0"/>
+          </a:p>
+        </p:txBody>
+      </p:sp>
+      <p:sp>
+        <p:nvSpPr>
+          <p:cNvPr id="3" name="Slide Number Placeholder 2"/>
+          <p:cNvSpPr>
+            <a:spLocks noGrp="1"/>
+          </p:cNvSpPr>
+          <p:nvPr>
+            <p:ph type="sldNum" sz="quarter" idx="12"/>
+          </p:nvPr>
+        </p:nvSpPr>
+        <p:spPr/>
+        <p:txBody>
+          <a:bodyPr/>
+          <a:lstStyle/>
+          <a:p>
+            <a:fld id="{1A40E9E1-C3F8-9248-A7CF-5B8E3CA37E02}" type="slidenum">
+              <a:rPr lang="en-US" smtClean="0"/>
+              <a:pPr/>
+              <a:t>49</a:t>
+            </a:fld>
+            <a:endParaRPr lang="en-US"/>
+          </a:p>
+        </p:txBody>
+      </p:sp>
+      <p:sp>
+        <p:nvSpPr>
+          <p:cNvPr id="7" name="Title 6"/>
+          <p:cNvSpPr>
+            <a:spLocks noGrp="1"/>
+          </p:cNvSpPr>
+          <p:nvPr>
+            <p:ph type="title"/>
+          </p:nvPr>
+        </p:nvSpPr>
+        <p:spPr/>
+        <p:txBody>
+          <a:bodyPr/>
+          <a:lstStyle/>
+          <a:p>
+            <a:r>
+              <a:rPr lang="en-US" dirty="0" err="1" smtClean="0"/>
+              <a:t>ActiveMQ</a:t>
+            </a:r>
+            <a:r>
+              <a:rPr lang="en-US" dirty="0" smtClean="0"/>
+              <a:t> in the Fuse Management Console</a:t>
+            </a:r>
+            <a:endParaRPr lang="en-US" dirty="0"/>
+          </a:p>
+        </p:txBody>
+      </p:sp>
+    </p:spTree>
+    <p:extLst>
+      <p:ext uri="{BB962C8B-B14F-4D97-AF65-F5344CB8AC3E}">
+        <p14:creationId xmlns:p14="http://schemas.microsoft.com/office/powerpoint/2010/main" val="1590845808"/>
+      </p:ext>
+    </p:extLst>
+  </p:cSld>
+  <p:clrMapOvr>
+    <a:masterClrMapping/>
+  </p:clrMapOvr>
+  <p:timing>
+    <p:tnLst>
+      <p:par>
+        <p:cTn id="1" dur="indefinite" restart="never" nodeType="tmRoot"/>
+      </p:par>
+    </p:tnLst>
+  </p:timing>
+</p:sld>
+</file>
+
+<file path=ppt/slides/slide5.xml><?xml version="1.0" encoding="utf-8"?>
+<p:sld xmlns:a="http://schemas.openxmlformats.org/drawingml/2006/main" xmlns:r="http://schemas.openxmlformats.org/officeDocument/2006/relationships" xmlns:p="http://schemas.openxmlformats.org/presentationml/2006/main">
+  <p:cSld>
+    <p:spTree>
+      <p:nvGrpSpPr>
+        <p:cNvPr id="1" name=""/>
+        <p:cNvGrpSpPr/>
+        <p:nvPr/>
+      </p:nvGrpSpPr>
+      <p:grpSpPr>
+        <a:xfrm>
+          <a:off x="0" y="0"/>
+          <a:ext cx="0" cy="0"/>
+          <a:chOff x="0" y="0"/>
+          <a:chExt cx="0" cy="0"/>
+        </a:xfrm>
+      </p:grpSpPr>
+      <p:sp>
+        <p:nvSpPr>
+          <p:cNvPr id="3" name="Slide Number Placeholder 2"/>
+          <p:cNvSpPr>
+            <a:spLocks noGrp="1"/>
+          </p:cNvSpPr>
+          <p:nvPr>
+            <p:ph type="sldNum" sz="quarter" idx="12"/>
+          </p:nvPr>
+        </p:nvSpPr>
+        <p:spPr/>
+        <p:txBody>
+          <a:bodyPr/>
+          <a:lstStyle/>
+          <a:p>
+            <a:fld id="{1A40E9E1-C3F8-9248-A7CF-5B8E3CA37E02}" type="slidenum">
+              <a:rPr lang="en-US" smtClean="0"/>
+              <a:pPr/>
+              <a:t>5</a:t>
+            </a:fld>
+            <a:endParaRPr lang="en-US"/>
+          </a:p>
+        </p:txBody>
+      </p:sp>
+      <p:sp>
+        <p:nvSpPr>
+          <p:cNvPr id="7" name="Title 6"/>
+          <p:cNvSpPr>
+            <a:spLocks noGrp="1"/>
+          </p:cNvSpPr>
+          <p:nvPr>
+            <p:ph type="title"/>
+          </p:nvPr>
+        </p:nvSpPr>
+        <p:spPr/>
+        <p:txBody>
+          <a:bodyPr/>
+          <a:lstStyle/>
+          <a:p>
+            <a:r>
+              <a:rPr lang="en-US" dirty="0" smtClean="0"/>
+              <a:t>Fuse Ecosystem</a:t>
+            </a:r>
+            <a:endParaRPr lang="en-US" dirty="0"/>
+          </a:p>
+        </p:txBody>
+      </p:sp>
+      <p:pic>
+        <p:nvPicPr>
+          <p:cNvPr id="12" name="Shape 497"/>
+          <p:cNvPicPr preferRelativeResize="0">
+            <a:picLocks noGrp="1"/>
+          </p:cNvPicPr>
+          <p:nvPr>
+            <p:ph idx="1"/>
+          </p:nvPr>
+        </p:nvPicPr>
+        <p:blipFill>
+          <a:blip r:embed="rId2">
+            <a:alphaModFix/>
+          </a:blip>
+          <a:srcRect t="-19655" b="-19655"/>
+          <a:stretch>
+            <a:fillRect/>
+          </a:stretch>
+        </p:blipFill>
+        <p:spPr>
+          <a:prstGeom prst="rect">
+            <a:avLst/>
+          </a:prstGeom>
+          <a:noFill/>
+          <a:ln>
+            <a:noFill/>
+          </a:ln>
+        </p:spPr>
+      </p:pic>
+    </p:spTree>
+    <p:extLst>
+      <p:ext uri="{BB962C8B-B14F-4D97-AF65-F5344CB8AC3E}">
+        <p14:creationId xmlns:p14="http://schemas.microsoft.com/office/powerpoint/2010/main" val="3983123112"/>
+      </p:ext>
+    </p:extLst>
+  </p:cSld>
+  <p:clrMapOvr>
+    <a:masterClrMapping/>
+  </p:clrMapOvr>
+  <p:timing>
+    <p:tnLst>
+      <p:par>
+        <p:cTn id="1" dur="indefinite" restart="never" nodeType="tmRoot"/>
+      </p:par>
+    </p:tnLst>
+  </p:timing>
+</p:sld>
+</file>
+
+<file path=ppt/slides/slide50.xml><?xml version="1.0" encoding="utf-8"?>
+<p:sld xmlns:a="http://schemas.openxmlformats.org/drawingml/2006/main" xmlns:r="http://schemas.openxmlformats.org/officeDocument/2006/relationships" xmlns:p="http://schemas.openxmlformats.org/presentationml/2006/main">
+  <p:cSld>
+    <p:spTree>
+      <p:nvGrpSpPr>
+        <p:cNvPr id="1" name=""/>
+        <p:cNvGrpSpPr/>
+        <p:nvPr/>
+      </p:nvGrpSpPr>
+      <p:grpSpPr>
+        <a:xfrm>
+          <a:off x="0" y="0"/>
+          <a:ext cx="0" cy="0"/>
+          <a:chOff x="0" y="0"/>
+          <a:chExt cx="0" cy="0"/>
+        </a:xfrm>
+      </p:grpSpPr>
+      <p:sp>
+        <p:nvSpPr>
+          <p:cNvPr id="8" name="Content Placeholder 7"/>
+          <p:cNvSpPr>
+            <a:spLocks noGrp="1"/>
+          </p:cNvSpPr>
+          <p:nvPr>
+            <p:ph idx="1"/>
+          </p:nvPr>
+        </p:nvSpPr>
+        <p:spPr/>
+        <p:txBody>
+          <a:bodyPr>
+            <a:normAutofit/>
+          </a:bodyPr>
+          <a:lstStyle/>
+          <a:p>
+            <a:endParaRPr lang="en-US" dirty="0" smtClean="0"/>
+          </a:p>
+        </p:txBody>
+      </p:sp>
+      <p:sp>
+        <p:nvSpPr>
+          <p:cNvPr id="3" name="Slide Number Placeholder 2"/>
+          <p:cNvSpPr>
+            <a:spLocks noGrp="1"/>
+          </p:cNvSpPr>
+          <p:nvPr>
+            <p:ph type="sldNum" sz="quarter" idx="12"/>
+          </p:nvPr>
+        </p:nvSpPr>
+        <p:spPr/>
+        <p:txBody>
+          <a:bodyPr/>
+          <a:lstStyle/>
+          <a:p>
+            <a:fld id="{1A40E9E1-C3F8-9248-A7CF-5B8E3CA37E02}" type="slidenum">
+              <a:rPr lang="en-US" smtClean="0"/>
+              <a:pPr/>
+              <a:t>50</a:t>
             </a:fld>
             <a:endParaRPr lang="en-US"/>
           </a:p>
@@ -25669,387 +27534,7 @@
   <p:timing>
     <p:tnLst>
       <p:par>
-        <p:cTn xmlns:p14="http://schemas.microsoft.com/office/powerpoint/2010/main" id="1" dur="indefinite" restart="never" nodeType="tmRoot"/>
-      </p:par>
-    </p:tnLst>
-  </p:timing>
-</p:sld>
-</file>
-
-<file path=ppt/slides/slide49.xml><?xml version="1.0" encoding="utf-8"?>
-<p:sld xmlns:a="http://schemas.openxmlformats.org/drawingml/2006/main" xmlns:r="http://schemas.openxmlformats.org/officeDocument/2006/relationships" xmlns:p="http://schemas.openxmlformats.org/presentationml/2006/main">
-  <p:cSld>
-    <p:spTree>
-      <p:nvGrpSpPr>
-        <p:cNvPr id="1" name=""/>
-        <p:cNvGrpSpPr/>
-        <p:nvPr/>
-      </p:nvGrpSpPr>
-      <p:grpSpPr>
-        <a:xfrm>
-          <a:off x="0" y="0"/>
-          <a:ext cx="0" cy="0"/>
-          <a:chOff x="0" y="0"/>
-          <a:chExt cx="0" cy="0"/>
-        </a:xfrm>
-      </p:grpSpPr>
-      <p:sp>
-        <p:nvSpPr>
-          <p:cNvPr id="2" name="Subtitle 1"/>
-          <p:cNvSpPr>
-            <a:spLocks noGrp="1"/>
-          </p:cNvSpPr>
-          <p:nvPr>
-            <p:ph type="subTitle" idx="1"/>
-          </p:nvPr>
-        </p:nvSpPr>
-        <p:spPr/>
-        <p:txBody>
-          <a:bodyPr/>
-          <a:lstStyle/>
-          <a:p>
-            <a:endParaRPr lang="en-US" dirty="0"/>
-          </a:p>
-        </p:txBody>
-      </p:sp>
-      <p:sp>
-        <p:nvSpPr>
-          <p:cNvPr id="3" name="Title 2"/>
-          <p:cNvSpPr>
-            <a:spLocks noGrp="1"/>
-          </p:cNvSpPr>
-          <p:nvPr>
-            <p:ph type="title"/>
-          </p:nvPr>
-        </p:nvSpPr>
-        <p:spPr/>
-        <p:txBody>
-          <a:bodyPr/>
-          <a:lstStyle/>
-          <a:p>
-            <a:r>
-              <a:rPr lang="en-US" dirty="0" smtClean="0"/>
-              <a:t>Fuse Fabric</a:t>
-            </a:r>
-            <a:endParaRPr lang="en-US" dirty="0"/>
-          </a:p>
-        </p:txBody>
-      </p:sp>
-    </p:spTree>
-    <p:extLst>
-      <p:ext uri="{BB962C8B-B14F-4D97-AF65-F5344CB8AC3E}">
-        <p14:creationId xmlns:p14="http://schemas.microsoft.com/office/powerpoint/2010/main" val="149602558"/>
-      </p:ext>
-    </p:extLst>
-  </p:cSld>
-  <p:clrMapOvr>
-    <a:masterClrMapping/>
-  </p:clrMapOvr>
-  <p:timing>
-    <p:tnLst>
-      <p:par>
-        <p:cTn xmlns:p14="http://schemas.microsoft.com/office/powerpoint/2010/main" id="1" dur="indefinite" restart="never" nodeType="tmRoot"/>
-      </p:par>
-    </p:tnLst>
-  </p:timing>
-</p:sld>
-</file>
-
-<file path=ppt/slides/slide5.xml><?xml version="1.0" encoding="utf-8"?>
-<p:sld xmlns:a="http://schemas.openxmlformats.org/drawingml/2006/main" xmlns:r="http://schemas.openxmlformats.org/officeDocument/2006/relationships" xmlns:p="http://schemas.openxmlformats.org/presentationml/2006/main">
-  <p:cSld>
-    <p:spTree>
-      <p:nvGrpSpPr>
-        <p:cNvPr id="1" name=""/>
-        <p:cNvGrpSpPr/>
-        <p:nvPr/>
-      </p:nvGrpSpPr>
-      <p:grpSpPr>
-        <a:xfrm>
-          <a:off x="0" y="0"/>
-          <a:ext cx="0" cy="0"/>
-          <a:chOff x="0" y="0"/>
-          <a:chExt cx="0" cy="0"/>
-        </a:xfrm>
-      </p:grpSpPr>
-      <p:sp>
-        <p:nvSpPr>
-          <p:cNvPr id="3" name="Slide Number Placeholder 2"/>
-          <p:cNvSpPr>
-            <a:spLocks noGrp="1"/>
-          </p:cNvSpPr>
-          <p:nvPr>
-            <p:ph type="sldNum" sz="quarter" idx="12"/>
-          </p:nvPr>
-        </p:nvSpPr>
-        <p:spPr/>
-        <p:txBody>
-          <a:bodyPr/>
-          <a:lstStyle/>
-          <a:p>
-            <a:fld id="{1A40E9E1-C3F8-9248-A7CF-5B8E3CA37E02}" type="slidenum">
-              <a:rPr lang="en-US" smtClean="0"/>
-              <a:pPr/>
-              <a:t>5</a:t>
-            </a:fld>
-            <a:endParaRPr lang="en-US"/>
-          </a:p>
-        </p:txBody>
-      </p:sp>
-      <p:sp>
-        <p:nvSpPr>
-          <p:cNvPr id="7" name="Title 6"/>
-          <p:cNvSpPr>
-            <a:spLocks noGrp="1"/>
-          </p:cNvSpPr>
-          <p:nvPr>
-            <p:ph type="title"/>
-          </p:nvPr>
-        </p:nvSpPr>
-        <p:spPr/>
-        <p:txBody>
-          <a:bodyPr/>
-          <a:lstStyle/>
-          <a:p>
-            <a:r>
-              <a:rPr lang="en-US" dirty="0" smtClean="0"/>
-              <a:t>Fuse Ecosystem</a:t>
-            </a:r>
-            <a:endParaRPr lang="en-US" dirty="0"/>
-          </a:p>
-        </p:txBody>
-      </p:sp>
-      <p:pic>
-        <p:nvPicPr>
-          <p:cNvPr id="12" name="Shape 497"/>
-          <p:cNvPicPr preferRelativeResize="0">
-            <a:picLocks noGrp="1"/>
-          </p:cNvPicPr>
-          <p:nvPr>
-            <p:ph idx="1"/>
-          </p:nvPr>
-        </p:nvPicPr>
-        <p:blipFill>
-          <a:blip r:embed="rId2">
-            <a:alphaModFix/>
-          </a:blip>
-          <a:srcRect t="-19655" b="-19655"/>
-          <a:stretch>
-            <a:fillRect/>
-          </a:stretch>
-        </p:blipFill>
-        <p:spPr>
-          <a:prstGeom prst="rect">
-            <a:avLst/>
-          </a:prstGeom>
-          <a:noFill/>
-          <a:ln>
-            <a:noFill/>
-          </a:ln>
-        </p:spPr>
-      </p:pic>
-    </p:spTree>
-    <p:extLst>
-      <p:ext uri="{BB962C8B-B14F-4D97-AF65-F5344CB8AC3E}">
-        <p14:creationId xmlns:p14="http://schemas.microsoft.com/office/powerpoint/2010/main" val="3983123112"/>
-      </p:ext>
-    </p:extLst>
-  </p:cSld>
-  <p:clrMapOvr>
-    <a:masterClrMapping/>
-  </p:clrMapOvr>
-  <p:timing>
-    <p:tnLst>
-      <p:par>
-        <p:cTn xmlns:p14="http://schemas.microsoft.com/office/powerpoint/2010/main" id="1" dur="indefinite" restart="never" nodeType="tmRoot"/>
-      </p:par>
-    </p:tnLst>
-  </p:timing>
-</p:sld>
-</file>
-
-<file path=ppt/slides/slide50.xml><?xml version="1.0" encoding="utf-8"?>
-<p:sld xmlns:a="http://schemas.openxmlformats.org/drawingml/2006/main" xmlns:r="http://schemas.openxmlformats.org/officeDocument/2006/relationships" xmlns:p="http://schemas.openxmlformats.org/presentationml/2006/main">
-  <p:cSld>
-    <p:spTree>
-      <p:nvGrpSpPr>
-        <p:cNvPr id="1" name=""/>
-        <p:cNvGrpSpPr/>
-        <p:nvPr/>
-      </p:nvGrpSpPr>
-      <p:grpSpPr>
-        <a:xfrm>
-          <a:off x="0" y="0"/>
-          <a:ext cx="0" cy="0"/>
-          <a:chOff x="0" y="0"/>
-          <a:chExt cx="0" cy="0"/>
-        </a:xfrm>
-      </p:grpSpPr>
-      <p:sp>
-        <p:nvSpPr>
-          <p:cNvPr id="8" name="Content Placeholder 7"/>
-          <p:cNvSpPr>
-            <a:spLocks noGrp="1"/>
-          </p:cNvSpPr>
-          <p:nvPr>
-            <p:ph idx="1"/>
-          </p:nvPr>
-        </p:nvSpPr>
-        <p:spPr/>
-        <p:txBody>
-          <a:bodyPr>
-            <a:normAutofit fontScale="92500" lnSpcReduction="20000"/>
-          </a:bodyPr>
-          <a:lstStyle/>
-          <a:p>
-            <a:r>
-              <a:rPr lang="en-US" dirty="0"/>
-              <a:t>Technology layer that allows a group of containers to form a </a:t>
-            </a:r>
-            <a:r>
-              <a:rPr lang="en-US" dirty="0" smtClean="0"/>
-              <a:t>cluster</a:t>
-            </a:r>
-          </a:p>
-          <a:p>
-            <a:endParaRPr lang="en-US" dirty="0"/>
-          </a:p>
-          <a:p>
-            <a:r>
-              <a:rPr lang="en-US" dirty="0"/>
-              <a:t>Shares a common set of configuration </a:t>
-            </a:r>
-            <a:r>
-              <a:rPr lang="en-US" dirty="0" smtClean="0"/>
-              <a:t>information</a:t>
-            </a:r>
-          </a:p>
-          <a:p>
-            <a:endParaRPr lang="en-US" dirty="0"/>
-          </a:p>
-          <a:p>
-            <a:r>
-              <a:rPr lang="en-US" dirty="0"/>
-              <a:t>Shares a common set of repositories for </a:t>
-            </a:r>
-            <a:r>
-              <a:rPr lang="en-US" dirty="0" smtClean="0"/>
-              <a:t>artifacts</a:t>
-            </a:r>
-          </a:p>
-          <a:p>
-            <a:endParaRPr lang="en-US" dirty="0"/>
-          </a:p>
-          <a:p>
-            <a:r>
-              <a:rPr lang="en-US" dirty="0"/>
-              <a:t>Managed by a Fabric Agent that installs a set of </a:t>
-            </a:r>
-            <a:r>
-              <a:rPr lang="en-US" dirty="0" smtClean="0"/>
-              <a:t>bundles</a:t>
-            </a:r>
-          </a:p>
-          <a:p>
-            <a:endParaRPr lang="en-US" dirty="0"/>
-          </a:p>
-          <a:p>
-            <a:r>
-              <a:rPr lang="en-US" dirty="0"/>
-              <a:t>Repositories are managed using a Maven </a:t>
-            </a:r>
-            <a:r>
-              <a:rPr lang="en-US" dirty="0" smtClean="0"/>
-              <a:t>proxy</a:t>
-            </a:r>
-          </a:p>
-          <a:p>
-            <a:endParaRPr lang="en-US" dirty="0"/>
-          </a:p>
-          <a:p>
-            <a:r>
-              <a:rPr lang="en-US" dirty="0"/>
-              <a:t>Profiles are kept in sync with Zookeeper and </a:t>
-            </a:r>
-            <a:r>
-              <a:rPr lang="en-US" dirty="0" err="1" smtClean="0"/>
-              <a:t>Git</a:t>
-            </a:r>
-            <a:endParaRPr lang="en-US" dirty="0" smtClean="0"/>
-          </a:p>
-          <a:p>
-            <a:endParaRPr lang="en-US" dirty="0"/>
-          </a:p>
-          <a:p>
-            <a:r>
-              <a:rPr lang="en-US" dirty="0"/>
-              <a:t>Deployments can be done through Web Console or CLI</a:t>
-            </a:r>
-            <a:endParaRPr lang="en-US" dirty="0" smtClean="0"/>
-          </a:p>
-        </p:txBody>
-      </p:sp>
-      <p:sp>
-        <p:nvSpPr>
-          <p:cNvPr id="3" name="Slide Number Placeholder 2"/>
-          <p:cNvSpPr>
-            <a:spLocks noGrp="1"/>
-          </p:cNvSpPr>
-          <p:nvPr>
-            <p:ph type="sldNum" sz="quarter" idx="12"/>
-          </p:nvPr>
-        </p:nvSpPr>
-        <p:spPr/>
-        <p:txBody>
-          <a:bodyPr/>
-          <a:lstStyle/>
-          <a:p>
-            <a:fld id="{1A40E9E1-C3F8-9248-A7CF-5B8E3CA37E02}" type="slidenum">
-              <a:rPr lang="en-US" smtClean="0"/>
-              <a:pPr/>
-              <a:t>50</a:t>
-            </a:fld>
-            <a:endParaRPr lang="en-US"/>
-          </a:p>
-        </p:txBody>
-      </p:sp>
-      <p:sp>
-        <p:nvSpPr>
-          <p:cNvPr id="7" name="Title 6"/>
-          <p:cNvSpPr>
-            <a:spLocks noGrp="1"/>
-          </p:cNvSpPr>
-          <p:nvPr>
-            <p:ph type="title"/>
-          </p:nvPr>
-        </p:nvSpPr>
-        <p:spPr/>
-        <p:txBody>
-          <a:bodyPr/>
-          <a:lstStyle/>
-          <a:p>
-            <a:r>
-              <a:rPr lang="en-US" dirty="0" smtClean="0"/>
-              <a:t>Fabric Concepts</a:t>
-            </a:r>
-            <a:endParaRPr lang="en-US" dirty="0"/>
-          </a:p>
-        </p:txBody>
-      </p:sp>
-    </p:spTree>
-    <p:extLst>
-      <p:ext uri="{BB962C8B-B14F-4D97-AF65-F5344CB8AC3E}">
-        <p14:creationId xmlns:p14="http://schemas.microsoft.com/office/powerpoint/2010/main" val="834795069"/>
-      </p:ext>
-    </p:extLst>
-  </p:cSld>
-  <p:clrMapOvr>
-    <a:masterClrMapping/>
-  </p:clrMapOvr>
-  <p:timing>
-    <p:tnLst>
-      <p:par>
-        <p:cTn xmlns:p14="http://schemas.microsoft.com/office/powerpoint/2010/main" id="1" dur="indefinite" restart="never" nodeType="tmRoot"/>
+        <p:cTn id="1" dur="indefinite" restart="never" nodeType="tmRoot"/>
       </p:par>
     </p:tnLst>
   </p:timing>
@@ -26075,114 +27560,41 @@
       </p:grpSpPr>
       <p:sp>
         <p:nvSpPr>
-          <p:cNvPr id="8" name="Content Placeholder 7"/>
+          <p:cNvPr id="2" name="Subtitle 1"/>
           <p:cNvSpPr>
             <a:spLocks noGrp="1"/>
           </p:cNvSpPr>
           <p:nvPr>
-            <p:ph idx="1"/>
+            <p:ph type="subTitle" idx="1"/>
           </p:nvPr>
         </p:nvSpPr>
         <p:spPr/>
         <p:txBody>
-          <a:bodyPr>
-            <a:normAutofit/>
-          </a:bodyPr>
-          <a:lstStyle/>
-          <a:p>
-            <a:r>
-              <a:rPr lang="en-US" dirty="0"/>
-              <a:t>Create a list of bundles that should be deployed on a </a:t>
-            </a:r>
+          <a:bodyPr/>
+          <a:lstStyle/>
+          <a:p>
+            <a:endParaRPr lang="en-US" dirty="0"/>
+          </a:p>
+        </p:txBody>
+      </p:sp>
+      <p:sp>
+        <p:nvSpPr>
+          <p:cNvPr id="3" name="Title 2"/>
+          <p:cNvSpPr>
+            <a:spLocks noGrp="1"/>
+          </p:cNvSpPr>
+          <p:nvPr>
+            <p:ph type="title"/>
+          </p:nvPr>
+        </p:nvSpPr>
+        <p:spPr/>
+        <p:txBody>
+          <a:bodyPr/>
+          <a:lstStyle/>
+          <a:p>
             <a:r>
               <a:rPr lang="en-US" dirty="0" smtClean="0"/>
-              <a:t>container</a:t>
-            </a:r>
-          </a:p>
-          <a:p>
-            <a:endParaRPr lang="en-US" dirty="0"/>
-          </a:p>
-          <a:p>
-            <a:r>
-              <a:rPr lang="en-US" dirty="0"/>
-              <a:t>Add profiles to a container and Fabric will deploy </a:t>
-            </a:r>
-            <a:r>
-              <a:rPr lang="en-US" dirty="0" smtClean="0"/>
-              <a:t>bundles</a:t>
-            </a:r>
-          </a:p>
-          <a:p>
-            <a:endParaRPr lang="en-US" dirty="0"/>
-          </a:p>
-          <a:p>
-            <a:r>
-              <a:rPr lang="en-US" dirty="0" err="1"/>
-              <a:t>OSGi</a:t>
-            </a:r>
-            <a:r>
-              <a:rPr lang="en-US" dirty="0"/>
-              <a:t> handles resolution and </a:t>
-            </a:r>
-            <a:r>
-              <a:rPr lang="en-US" dirty="0" smtClean="0"/>
-              <a:t>duplication</a:t>
-            </a:r>
-          </a:p>
-          <a:p>
-            <a:endParaRPr lang="en-US" dirty="0"/>
-          </a:p>
-          <a:p>
-            <a:r>
-              <a:rPr lang="en-US" dirty="0"/>
-              <a:t>Allows for multiple versions of Fabric so that updates can be pushed or reverted easily</a:t>
-            </a:r>
-            <a:endParaRPr lang="en-US" dirty="0" smtClean="0"/>
-          </a:p>
-        </p:txBody>
-      </p:sp>
-      <p:sp>
-        <p:nvSpPr>
-          <p:cNvPr id="3" name="Slide Number Placeholder 2"/>
-          <p:cNvSpPr>
-            <a:spLocks noGrp="1"/>
-          </p:cNvSpPr>
-          <p:nvPr>
-            <p:ph type="sldNum" sz="quarter" idx="12"/>
-          </p:nvPr>
-        </p:nvSpPr>
-        <p:spPr/>
-        <p:txBody>
-          <a:bodyPr/>
-          <a:lstStyle/>
-          <a:p>
-            <a:fld id="{1A40E9E1-C3F8-9248-A7CF-5B8E3CA37E02}" type="slidenum">
-              <a:rPr lang="en-US" smtClean="0"/>
-              <a:pPr/>
-              <a:t>51</a:t>
-            </a:fld>
-            <a:endParaRPr lang="en-US"/>
-          </a:p>
-        </p:txBody>
-      </p:sp>
-      <p:sp>
-        <p:nvSpPr>
-          <p:cNvPr id="7" name="Title 6"/>
-          <p:cNvSpPr>
-            <a:spLocks noGrp="1"/>
-          </p:cNvSpPr>
-          <p:nvPr>
-            <p:ph type="title"/>
-          </p:nvPr>
-        </p:nvSpPr>
-        <p:spPr/>
-        <p:txBody>
-          <a:bodyPr/>
-          <a:lstStyle/>
-          <a:p>
-            <a:r>
-              <a:rPr lang="en-US" dirty="0" smtClean="0"/>
-              <a:t>Fabric Profiles</a:t>
+              <a:t>Fuse Fabric</a:t>
             </a:r>
             <a:endParaRPr lang="en-US" dirty="0"/>
           </a:p>
@@ -26191,7 +27603,7 @@
     </p:spTree>
     <p:extLst>
       <p:ext uri="{BB962C8B-B14F-4D97-AF65-F5344CB8AC3E}">
-        <p14:creationId xmlns:p14="http://schemas.microsoft.com/office/powerpoint/2010/main" val="979923530"/>
+        <p14:creationId xmlns:p14="http://schemas.microsoft.com/office/powerpoint/2010/main" val="149602558"/>
       </p:ext>
     </p:extLst>
   </p:cSld>
@@ -26201,7 +27613,7 @@
   <p:timing>
     <p:tnLst>
       <p:par>
-        <p:cTn xmlns:p14="http://schemas.microsoft.com/office/powerpoint/2010/main" id="1" dur="indefinite" restart="never" nodeType="tmRoot"/>
+        <p:cTn id="1" dur="indefinite" restart="never" nodeType="tmRoot"/>
       </p:par>
     </p:tnLst>
   </p:timing>
@@ -26227,6 +27639,346 @@
       </p:grpSpPr>
       <p:sp>
         <p:nvSpPr>
+          <p:cNvPr id="8" name="Content Placeholder 7"/>
+          <p:cNvSpPr>
+            <a:spLocks noGrp="1"/>
+          </p:cNvSpPr>
+          <p:nvPr>
+            <p:ph idx="1"/>
+          </p:nvPr>
+        </p:nvSpPr>
+        <p:spPr/>
+        <p:txBody>
+          <a:bodyPr>
+            <a:normAutofit fontScale="92500" lnSpcReduction="20000"/>
+          </a:bodyPr>
+          <a:lstStyle/>
+          <a:p>
+            <a:r>
+              <a:rPr lang="en-US" dirty="0"/>
+              <a:t>Technology layer that allows a group of containers to form a </a:t>
+            </a:r>
+            <a:r>
+              <a:rPr lang="en-US" dirty="0" smtClean="0"/>
+              <a:t>cluster</a:t>
+            </a:r>
+          </a:p>
+          <a:p>
+            <a:endParaRPr lang="en-US" dirty="0"/>
+          </a:p>
+          <a:p>
+            <a:r>
+              <a:rPr lang="en-US" dirty="0"/>
+              <a:t>Shares a common set of configuration </a:t>
+            </a:r>
+            <a:r>
+              <a:rPr lang="en-US" dirty="0" smtClean="0"/>
+              <a:t>information</a:t>
+            </a:r>
+          </a:p>
+          <a:p>
+            <a:endParaRPr lang="en-US" dirty="0"/>
+          </a:p>
+          <a:p>
+            <a:r>
+              <a:rPr lang="en-US" dirty="0"/>
+              <a:t>Shares a common set of repositories for </a:t>
+            </a:r>
+            <a:r>
+              <a:rPr lang="en-US" dirty="0" smtClean="0"/>
+              <a:t>artifacts</a:t>
+            </a:r>
+          </a:p>
+          <a:p>
+            <a:endParaRPr lang="en-US" dirty="0"/>
+          </a:p>
+          <a:p>
+            <a:r>
+              <a:rPr lang="en-US" dirty="0"/>
+              <a:t>Managed by a Fabric Agent that installs a set of </a:t>
+            </a:r>
+            <a:r>
+              <a:rPr lang="en-US" dirty="0" smtClean="0"/>
+              <a:t>bundles</a:t>
+            </a:r>
+          </a:p>
+          <a:p>
+            <a:endParaRPr lang="en-US" dirty="0"/>
+          </a:p>
+          <a:p>
+            <a:r>
+              <a:rPr lang="en-US" dirty="0"/>
+              <a:t>Repositories are managed using a Maven </a:t>
+            </a:r>
+            <a:r>
+              <a:rPr lang="en-US" dirty="0" smtClean="0"/>
+              <a:t>proxy</a:t>
+            </a:r>
+          </a:p>
+          <a:p>
+            <a:endParaRPr lang="en-US" dirty="0"/>
+          </a:p>
+          <a:p>
+            <a:r>
+              <a:rPr lang="en-US" dirty="0"/>
+              <a:t>Profiles are kept in sync with Zookeeper and </a:t>
+            </a:r>
+            <a:r>
+              <a:rPr lang="en-US" dirty="0" err="1" smtClean="0"/>
+              <a:t>Git</a:t>
+            </a:r>
+            <a:endParaRPr lang="en-US" dirty="0" smtClean="0"/>
+          </a:p>
+          <a:p>
+            <a:endParaRPr lang="en-US" dirty="0"/>
+          </a:p>
+          <a:p>
+            <a:r>
+              <a:rPr lang="en-US" dirty="0"/>
+              <a:t>Deployments can be done through Web Console or CLI</a:t>
+            </a:r>
+            <a:endParaRPr lang="en-US" dirty="0" smtClean="0"/>
+          </a:p>
+        </p:txBody>
+      </p:sp>
+      <p:sp>
+        <p:nvSpPr>
+          <p:cNvPr id="3" name="Slide Number Placeholder 2"/>
+          <p:cNvSpPr>
+            <a:spLocks noGrp="1"/>
+          </p:cNvSpPr>
+          <p:nvPr>
+            <p:ph type="sldNum" sz="quarter" idx="12"/>
+          </p:nvPr>
+        </p:nvSpPr>
+        <p:spPr/>
+        <p:txBody>
+          <a:bodyPr/>
+          <a:lstStyle/>
+          <a:p>
+            <a:fld id="{1A40E9E1-C3F8-9248-A7CF-5B8E3CA37E02}" type="slidenum">
+              <a:rPr lang="en-US" smtClean="0"/>
+              <a:pPr/>
+              <a:t>52</a:t>
+            </a:fld>
+            <a:endParaRPr lang="en-US"/>
+          </a:p>
+        </p:txBody>
+      </p:sp>
+      <p:sp>
+        <p:nvSpPr>
+          <p:cNvPr id="7" name="Title 6"/>
+          <p:cNvSpPr>
+            <a:spLocks noGrp="1"/>
+          </p:cNvSpPr>
+          <p:nvPr>
+            <p:ph type="title"/>
+          </p:nvPr>
+        </p:nvSpPr>
+        <p:spPr/>
+        <p:txBody>
+          <a:bodyPr/>
+          <a:lstStyle/>
+          <a:p>
+            <a:r>
+              <a:rPr lang="en-US" dirty="0" smtClean="0"/>
+              <a:t>Fabric Concepts</a:t>
+            </a:r>
+            <a:endParaRPr lang="en-US" dirty="0"/>
+          </a:p>
+        </p:txBody>
+      </p:sp>
+    </p:spTree>
+    <p:extLst>
+      <p:ext uri="{BB962C8B-B14F-4D97-AF65-F5344CB8AC3E}">
+        <p14:creationId xmlns:p14="http://schemas.microsoft.com/office/powerpoint/2010/main" val="834795069"/>
+      </p:ext>
+    </p:extLst>
+  </p:cSld>
+  <p:clrMapOvr>
+    <a:masterClrMapping/>
+  </p:clrMapOvr>
+  <p:timing>
+    <p:tnLst>
+      <p:par>
+        <p:cTn id="1" dur="indefinite" restart="never" nodeType="tmRoot"/>
+      </p:par>
+    </p:tnLst>
+  </p:timing>
+</p:sld>
+</file>
+
+<file path=ppt/slides/slide53.xml><?xml version="1.0" encoding="utf-8"?>
+<p:sld xmlns:a="http://schemas.openxmlformats.org/drawingml/2006/main" xmlns:r="http://schemas.openxmlformats.org/officeDocument/2006/relationships" xmlns:p="http://schemas.openxmlformats.org/presentationml/2006/main">
+  <p:cSld>
+    <p:spTree>
+      <p:nvGrpSpPr>
+        <p:cNvPr id="1" name=""/>
+        <p:cNvGrpSpPr/>
+        <p:nvPr/>
+      </p:nvGrpSpPr>
+      <p:grpSpPr>
+        <a:xfrm>
+          <a:off x="0" y="0"/>
+          <a:ext cx="0" cy="0"/>
+          <a:chOff x="0" y="0"/>
+          <a:chExt cx="0" cy="0"/>
+        </a:xfrm>
+      </p:grpSpPr>
+      <p:sp>
+        <p:nvSpPr>
+          <p:cNvPr id="8" name="Content Placeholder 7"/>
+          <p:cNvSpPr>
+            <a:spLocks noGrp="1"/>
+          </p:cNvSpPr>
+          <p:nvPr>
+            <p:ph idx="1"/>
+          </p:nvPr>
+        </p:nvSpPr>
+        <p:spPr/>
+        <p:txBody>
+          <a:bodyPr>
+            <a:normAutofit/>
+          </a:bodyPr>
+          <a:lstStyle/>
+          <a:p>
+            <a:r>
+              <a:rPr lang="en-US" dirty="0"/>
+              <a:t>Create a list of bundles that should be deployed on a </a:t>
+            </a:r>
+            <a:r>
+              <a:rPr lang="en-US" dirty="0" smtClean="0"/>
+              <a:t>container</a:t>
+            </a:r>
+          </a:p>
+          <a:p>
+            <a:endParaRPr lang="en-US" dirty="0"/>
+          </a:p>
+          <a:p>
+            <a:r>
+              <a:rPr lang="en-US" dirty="0"/>
+              <a:t>Add profiles to a container and Fabric will deploy </a:t>
+            </a:r>
+            <a:r>
+              <a:rPr lang="en-US" dirty="0" smtClean="0"/>
+              <a:t>bundles</a:t>
+            </a:r>
+          </a:p>
+          <a:p>
+            <a:endParaRPr lang="en-US" dirty="0"/>
+          </a:p>
+          <a:p>
+            <a:r>
+              <a:rPr lang="en-US" dirty="0" err="1"/>
+              <a:t>OSGi</a:t>
+            </a:r>
+            <a:r>
+              <a:rPr lang="en-US" dirty="0"/>
+              <a:t> handles resolution and </a:t>
+            </a:r>
+            <a:r>
+              <a:rPr lang="en-US" dirty="0" smtClean="0"/>
+              <a:t>duplication</a:t>
+            </a:r>
+          </a:p>
+          <a:p>
+            <a:endParaRPr lang="en-US" dirty="0"/>
+          </a:p>
+          <a:p>
+            <a:r>
+              <a:rPr lang="en-US" dirty="0"/>
+              <a:t>Allows for multiple versions of Fabric so that updates can be pushed or reverted easily</a:t>
+            </a:r>
+            <a:endParaRPr lang="en-US" dirty="0" smtClean="0"/>
+          </a:p>
+        </p:txBody>
+      </p:sp>
+      <p:sp>
+        <p:nvSpPr>
+          <p:cNvPr id="3" name="Slide Number Placeholder 2"/>
+          <p:cNvSpPr>
+            <a:spLocks noGrp="1"/>
+          </p:cNvSpPr>
+          <p:nvPr>
+            <p:ph type="sldNum" sz="quarter" idx="12"/>
+          </p:nvPr>
+        </p:nvSpPr>
+        <p:spPr/>
+        <p:txBody>
+          <a:bodyPr/>
+          <a:lstStyle/>
+          <a:p>
+            <a:fld id="{1A40E9E1-C3F8-9248-A7CF-5B8E3CA37E02}" type="slidenum">
+              <a:rPr lang="en-US" smtClean="0"/>
+              <a:pPr/>
+              <a:t>53</a:t>
+            </a:fld>
+            <a:endParaRPr lang="en-US"/>
+          </a:p>
+        </p:txBody>
+      </p:sp>
+      <p:sp>
+        <p:nvSpPr>
+          <p:cNvPr id="7" name="Title 6"/>
+          <p:cNvSpPr>
+            <a:spLocks noGrp="1"/>
+          </p:cNvSpPr>
+          <p:nvPr>
+            <p:ph type="title"/>
+          </p:nvPr>
+        </p:nvSpPr>
+        <p:spPr/>
+        <p:txBody>
+          <a:bodyPr/>
+          <a:lstStyle/>
+          <a:p>
+            <a:r>
+              <a:rPr lang="en-US" dirty="0" smtClean="0"/>
+              <a:t>Fabric Profiles</a:t>
+            </a:r>
+            <a:endParaRPr lang="en-US" dirty="0"/>
+          </a:p>
+        </p:txBody>
+      </p:sp>
+    </p:spTree>
+    <p:extLst>
+      <p:ext uri="{BB962C8B-B14F-4D97-AF65-F5344CB8AC3E}">
+        <p14:creationId xmlns:p14="http://schemas.microsoft.com/office/powerpoint/2010/main" val="979923530"/>
+      </p:ext>
+    </p:extLst>
+  </p:cSld>
+  <p:clrMapOvr>
+    <a:masterClrMapping/>
+  </p:clrMapOvr>
+  <p:timing>
+    <p:tnLst>
+      <p:par>
+        <p:cTn id="1" dur="indefinite" restart="never" nodeType="tmRoot"/>
+      </p:par>
+    </p:tnLst>
+  </p:timing>
+</p:sld>
+</file>
+
+<file path=ppt/slides/slide54.xml><?xml version="1.0" encoding="utf-8"?>
+<p:sld xmlns:a="http://schemas.openxmlformats.org/drawingml/2006/main" xmlns:r="http://schemas.openxmlformats.org/officeDocument/2006/relationships" xmlns:p="http://schemas.openxmlformats.org/presentationml/2006/main">
+  <p:cSld>
+    <p:spTree>
+      <p:nvGrpSpPr>
+        <p:cNvPr id="1" name=""/>
+        <p:cNvGrpSpPr/>
+        <p:nvPr/>
+      </p:nvGrpSpPr>
+      <p:grpSpPr>
+        <a:xfrm>
+          <a:off x="0" y="0"/>
+          <a:ext cx="0" cy="0"/>
+          <a:chOff x="0" y="0"/>
+          <a:chExt cx="0" cy="0"/>
+        </a:xfrm>
+      </p:grpSpPr>
+      <p:sp>
+        <p:nvSpPr>
           <p:cNvPr id="12" name="Shape 963"/>
           <p:cNvSpPr/>
           <p:nvPr/>
@@ -26473,7 +28225,7 @@
             <a:fld id="{1A40E9E1-C3F8-9248-A7CF-5B8E3CA37E02}" type="slidenum">
               <a:rPr lang="en-US" smtClean="0"/>
               <a:pPr/>
-              <a:t>52</a:t>
+              <a:t>54</a:t>
             </a:fld>
             <a:endParaRPr lang="en-US"/>
           </a:p>
@@ -27465,14 +29217,14 @@
   <p:timing>
     <p:tnLst>
       <p:par>
-        <p:cTn xmlns:p14="http://schemas.microsoft.com/office/powerpoint/2010/main" id="1" dur="indefinite" restart="never" nodeType="tmRoot"/>
+        <p:cTn id="1" dur="indefinite" restart="never" nodeType="tmRoot"/>
       </p:par>
     </p:tnLst>
   </p:timing>
 </p:sld>
 </file>
 
-<file path=ppt/slides/slide53.xml><?xml version="1.0" encoding="utf-8"?>
+<file path=ppt/slides/slide55.xml><?xml version="1.0" encoding="utf-8"?>
 <p:sld xmlns:a="http://schemas.openxmlformats.org/drawingml/2006/main" xmlns:r="http://schemas.openxmlformats.org/officeDocument/2006/relationships" xmlns:p="http://schemas.openxmlformats.org/presentationml/2006/main">
   <p:cSld>
     <p:spTree>
@@ -27611,7 +29363,7 @@
             <a:fld id="{1A40E9E1-C3F8-9248-A7CF-5B8E3CA37E02}" type="slidenum">
               <a:rPr lang="en-US" smtClean="0"/>
               <a:pPr/>
-              <a:t>53</a:t>
+              <a:t>55</a:t>
             </a:fld>
             <a:endParaRPr lang="en-US"/>
           </a:p>
@@ -27653,14 +29405,14 @@
   <p:timing>
     <p:tnLst>
       <p:par>
-        <p:cTn xmlns:p14="http://schemas.microsoft.com/office/powerpoint/2010/main" id="1" dur="indefinite" restart="never" nodeType="tmRoot"/>
+        <p:cTn id="1" dur="indefinite" restart="never" nodeType="tmRoot"/>
       </p:par>
     </p:tnLst>
   </p:timing>
 </p:sld>
 </file>
 
-<file path=ppt/slides/slide54.xml><?xml version="1.0" encoding="utf-8"?>
+<file path=ppt/slides/slide56.xml><?xml version="1.0" encoding="utf-8"?>
 <p:sld xmlns:a="http://schemas.openxmlformats.org/drawingml/2006/main" xmlns:r="http://schemas.openxmlformats.org/officeDocument/2006/relationships" xmlns:p="http://schemas.openxmlformats.org/presentationml/2006/main">
   <p:cSld>
     <p:spTree>
@@ -27732,7 +29484,7 @@
   <p:timing>
     <p:tnLst>
       <p:par>
-        <p:cTn xmlns:p14="http://schemas.microsoft.com/office/powerpoint/2010/main" id="1" dur="indefinite" restart="never" nodeType="tmRoot"/>
+        <p:cTn id="1" dur="indefinite" restart="never" nodeType="tmRoot"/>
       </p:par>
     </p:tnLst>
   </p:timing>
@@ -27815,7 +29567,7 @@
   <p:timing>
     <p:tnLst>
       <p:par>
-        <p:cTn xmlns:p14="http://schemas.microsoft.com/office/powerpoint/2010/main" id="1" dur="indefinite" restart="never" nodeType="tmRoot"/>
+        <p:cTn id="1" dur="indefinite" restart="never" nodeType="tmRoot"/>
       </p:par>
     </p:tnLst>
   </p:timing>
@@ -28075,7 +29827,7 @@
   <p:timing>
     <p:tnLst>
       <p:par>
-        <p:cTn xmlns:p14="http://schemas.microsoft.com/office/powerpoint/2010/main" id="1" dur="indefinite" restart="never" nodeType="tmRoot"/>
+        <p:cTn id="1" dur="indefinite" restart="never" nodeType="tmRoot"/>
       </p:par>
     </p:tnLst>
   </p:timing>
@@ -28266,7 +30018,7 @@
   <p:timing>
     <p:tnLst>
       <p:par>
-        <p:cTn xmlns:p14="http://schemas.microsoft.com/office/powerpoint/2010/main" id="1" dur="indefinite" restart="never" nodeType="tmRoot"/>
+        <p:cTn id="1" dur="indefinite" restart="never" nodeType="tmRoot"/>
       </p:par>
     </p:tnLst>
   </p:timing>
@@ -28505,7 +30257,7 @@
   <p:timing>
     <p:tnLst>
       <p:par>
-        <p:cTn xmlns:p14="http://schemas.microsoft.com/office/powerpoint/2010/main" id="1" dur="indefinite" restart="never" nodeType="tmRoot"/>
+        <p:cTn id="1" dur="indefinite" restart="never" nodeType="tmRoot"/>
       </p:par>
     </p:tnLst>
   </p:timing>
@@ -28816,7 +30568,7 @@
         <a:effectLst/>
         <a:extLst>
           <a:ext uri="{AF507438-7753-43e0-B8FC-AC1667EBCBE1}">
-            <a14:hiddenEffects xmlns:a14="http://schemas.microsoft.com/office/drawing/2010/main">
+            <a14:hiddenEffects xmlns:a14="http://schemas.microsoft.com/office/drawing/2010/main" xmlns="">
               <a:effectLst>
                 <a:outerShdw blurRad="63500" dist="38099" dir="2700000" algn="ctr" rotWithShape="0">
                   <a:schemeClr val="bg2">
@@ -28895,7 +30647,7 @@
         <a:effectLst/>
         <a:extLst>
           <a:ext uri="{AF507438-7753-43e0-B8FC-AC1667EBCBE1}">
-            <a14:hiddenEffects xmlns:a14="http://schemas.microsoft.com/office/drawing/2010/main">
+            <a14:hiddenEffects xmlns:a14="http://schemas.microsoft.com/office/drawing/2010/main" xmlns="">
               <a:effectLst>
                 <a:outerShdw blurRad="63500" dist="38099" dir="2700000" algn="ctr" rotWithShape="0">
                   <a:schemeClr val="bg2">
